--- a/PPTs/Lecture 14 Exercises ANS.pptx
+++ b/PPTs/Lecture 14 Exercises ANS.pptx
@@ -18342,7 +18342,7 @@
         <p:spPr>
           <a:xfrm>
             <a:off x="575239" y="1214314"/>
-            <a:ext cx="11187000" cy="1323397"/>
+            <a:ext cx="11187000" cy="2043594"/>
           </a:xfrm>
         </p:spPr>
         <p:txBody>
@@ -18354,7 +18354,7 @@
             </a:pPr>
             <a:r>
               <a:rPr lang="en-GB" dirty="0"/>
-              <a:t>Run Prim’s algorithm starting from node A. Fill in the table with the order in which each node is added, the best edge with minimum distance to the tree, and its distance to the current tree. Highlight the final MST in the graph.</a:t>
+              <a:t>Run Prim’s algorithm starting from node A. Fill in the table with the order in which each node is added, the best edge with minimum distance to the tree, and its distance to the current tree. Highlight the final MST in the graph. For an undirected edge, write the nodes in alphabetical order, e.g., (E, F) instead of (F, E).</a:t>
             </a:r>
             <a:endParaRPr lang="en-SE" dirty="0"/>
           </a:p>
@@ -18374,7 +18374,7 @@
         </p:nvSpPr>
         <p:spPr>
           <a:xfrm>
-            <a:off x="1728015" y="4777777"/>
+            <a:off x="1728015" y="5037552"/>
             <a:ext cx="285900" cy="279600"/>
           </a:xfrm>
           <a:prstGeom prst="ellipse">
@@ -18438,7 +18438,7 @@
         </p:nvSpPr>
         <p:spPr>
           <a:xfrm>
-            <a:off x="3638441" y="3722419"/>
+            <a:off x="3638441" y="3982194"/>
             <a:ext cx="285900" cy="279600"/>
           </a:xfrm>
           <a:prstGeom prst="ellipse">
@@ -18502,7 +18502,7 @@
         </p:nvSpPr>
         <p:spPr>
           <a:xfrm>
-            <a:off x="3031018" y="5682363"/>
+            <a:off x="3031018" y="5942138"/>
             <a:ext cx="285900" cy="279600"/>
           </a:xfrm>
           <a:prstGeom prst="ellipse">
@@ -18566,7 +18566,7 @@
         </p:nvSpPr>
         <p:spPr>
           <a:xfrm>
-            <a:off x="5070761" y="5477288"/>
+            <a:off x="5070761" y="5737063"/>
             <a:ext cx="388800" cy="380400"/>
           </a:xfrm>
           <a:prstGeom prst="ellipse">
@@ -18630,7 +18630,7 @@
         </p:nvSpPr>
         <p:spPr>
           <a:xfrm>
-            <a:off x="5358246" y="3971763"/>
+            <a:off x="5358246" y="4231538"/>
             <a:ext cx="285900" cy="279600"/>
           </a:xfrm>
           <a:prstGeom prst="ellipse">
@@ -18694,7 +18694,7 @@
         </p:nvSpPr>
         <p:spPr>
           <a:xfrm>
-            <a:off x="3140507" y="4597438"/>
+            <a:off x="3140507" y="4857213"/>
             <a:ext cx="285900" cy="279600"/>
           </a:xfrm>
           <a:prstGeom prst="ellipse">
@@ -18758,7 +18758,7 @@
         </p:nvCxnSpPr>
         <p:spPr>
           <a:xfrm flipH="1">
-            <a:off x="1971941" y="3909378"/>
+            <a:off x="1971941" y="4169153"/>
             <a:ext cx="1666500" cy="956400"/>
           </a:xfrm>
           <a:prstGeom prst="straightConnector1">
@@ -18793,7 +18793,7 @@
         </p:nvCxnSpPr>
         <p:spPr>
           <a:xfrm>
-            <a:off x="1972046" y="5016431"/>
+            <a:off x="1972046" y="5276206"/>
             <a:ext cx="1059000" cy="805800"/>
           </a:xfrm>
           <a:prstGeom prst="straightConnector1">
@@ -18828,7 +18828,7 @@
         </p:nvCxnSpPr>
         <p:spPr>
           <a:xfrm rot="10800000" flipH="1">
-            <a:off x="3173968" y="4877163"/>
+            <a:off x="3173968" y="5136938"/>
             <a:ext cx="109500" cy="805200"/>
           </a:xfrm>
           <a:prstGeom prst="straightConnector1">
@@ -18863,7 +18863,7 @@
         </p:nvCxnSpPr>
         <p:spPr>
           <a:xfrm flipH="1">
-            <a:off x="2014007" y="4737238"/>
+            <a:off x="2014007" y="4997013"/>
             <a:ext cx="1126500" cy="180300"/>
           </a:xfrm>
           <a:prstGeom prst="straightConnector1">
@@ -18898,7 +18898,7 @@
         </p:nvCxnSpPr>
         <p:spPr>
           <a:xfrm rot="10800000" flipH="1">
-            <a:off x="3384538" y="4111584"/>
+            <a:off x="3384538" y="4371359"/>
             <a:ext cx="1973700" cy="526800"/>
           </a:xfrm>
           <a:prstGeom prst="straightConnector1">
@@ -18933,7 +18933,7 @@
         </p:nvCxnSpPr>
         <p:spPr>
           <a:xfrm flipH="1">
-            <a:off x="5265096" y="4251363"/>
+            <a:off x="5265096" y="4511138"/>
             <a:ext cx="236100" cy="1225800"/>
           </a:xfrm>
           <a:prstGeom prst="straightConnector1">
@@ -18968,7 +18968,7 @@
         </p:nvCxnSpPr>
         <p:spPr>
           <a:xfrm flipH="1">
-            <a:off x="3316899" y="5801980"/>
+            <a:off x="3316899" y="6061755"/>
             <a:ext cx="1810800" cy="20100"/>
           </a:xfrm>
           <a:prstGeom prst="straightConnector1">
@@ -19003,7 +19003,7 @@
         </p:nvCxnSpPr>
         <p:spPr>
           <a:xfrm rot="10800000">
-            <a:off x="3924246" y="3862263"/>
+            <a:off x="3924246" y="4122038"/>
             <a:ext cx="1434000" cy="249300"/>
           </a:xfrm>
           <a:prstGeom prst="straightConnector1">
@@ -19038,7 +19038,7 @@
         </p:nvCxnSpPr>
         <p:spPr>
           <a:xfrm flipH="1">
-            <a:off x="3274915" y="4210417"/>
+            <a:off x="3274915" y="4470192"/>
             <a:ext cx="2125200" cy="1512900"/>
           </a:xfrm>
           <a:prstGeom prst="straightConnector1">
@@ -19073,7 +19073,7 @@
         </p:nvCxnSpPr>
         <p:spPr>
           <a:xfrm>
-            <a:off x="3781391" y="4002019"/>
+            <a:off x="3781391" y="4261794"/>
             <a:ext cx="1289400" cy="1665600"/>
           </a:xfrm>
           <a:prstGeom prst="straightConnector1">
@@ -19105,7 +19105,7 @@
         </p:nvSpPr>
         <p:spPr>
           <a:xfrm>
-            <a:off x="3022656" y="3102443"/>
+            <a:off x="2935286" y="3441958"/>
             <a:ext cx="534300" cy="369300"/>
           </a:xfrm>
           <a:prstGeom prst="rect">
@@ -19161,7 +19161,7 @@
         </p:nvSpPr>
         <p:spPr>
           <a:xfrm>
-            <a:off x="4005568" y="3485013"/>
+            <a:off x="4505809" y="3880709"/>
             <a:ext cx="318000" cy="369300"/>
           </a:xfrm>
           <a:prstGeom prst="rect">
@@ -19217,7 +19217,7 @@
         </p:nvSpPr>
         <p:spPr>
           <a:xfrm>
-            <a:off x="3866247" y="3960065"/>
+            <a:off x="3866247" y="4219840"/>
             <a:ext cx="318000" cy="369300"/>
           </a:xfrm>
           <a:prstGeom prst="rect">
@@ -19273,7 +19273,7 @@
         </p:nvSpPr>
         <p:spPr>
           <a:xfrm>
-            <a:off x="2520716" y="4525376"/>
+            <a:off x="2520716" y="4785151"/>
             <a:ext cx="318000" cy="369300"/>
           </a:xfrm>
           <a:prstGeom prst="rect">
@@ -19329,7 +19329,7 @@
         </p:nvSpPr>
         <p:spPr>
           <a:xfrm>
-            <a:off x="2273607" y="5419330"/>
+            <a:off x="2273607" y="5679105"/>
             <a:ext cx="318000" cy="369300"/>
           </a:xfrm>
           <a:prstGeom prst="rect">
@@ -19385,7 +19385,7 @@
         </p:nvSpPr>
         <p:spPr>
           <a:xfrm>
-            <a:off x="2960177" y="5020877"/>
+            <a:off x="2960177" y="5280652"/>
             <a:ext cx="318000" cy="369300"/>
           </a:xfrm>
           <a:prstGeom prst="rect">
@@ -19441,7 +19441,7 @@
         </p:nvSpPr>
         <p:spPr>
           <a:xfrm>
-            <a:off x="4048820" y="5788630"/>
+            <a:off x="4048820" y="6048405"/>
             <a:ext cx="318000" cy="369300"/>
           </a:xfrm>
           <a:prstGeom prst="rect">
@@ -19497,7 +19497,7 @@
         </p:nvSpPr>
         <p:spPr>
           <a:xfrm>
-            <a:off x="5331214" y="4764346"/>
+            <a:off x="5331214" y="5024121"/>
             <a:ext cx="318000" cy="369300"/>
           </a:xfrm>
           <a:prstGeom prst="rect">
@@ -19553,7 +19553,7 @@
         </p:nvSpPr>
         <p:spPr>
           <a:xfrm>
-            <a:off x="3761232" y="4465519"/>
+            <a:off x="3761232" y="4725294"/>
             <a:ext cx="405300" cy="369300"/>
           </a:xfrm>
           <a:prstGeom prst="rect">
@@ -19609,7 +19609,7 @@
         </p:nvSpPr>
         <p:spPr>
           <a:xfrm>
-            <a:off x="3340600" y="5224576"/>
+            <a:off x="3340600" y="5484351"/>
             <a:ext cx="318000" cy="369300"/>
           </a:xfrm>
           <a:prstGeom prst="rect">
@@ -19665,7 +19665,7 @@
         </p:nvSpPr>
         <p:spPr>
           <a:xfrm>
-            <a:off x="2423679" y="3064057"/>
+            <a:off x="2423679" y="3323832"/>
             <a:ext cx="285900" cy="279600"/>
           </a:xfrm>
           <a:prstGeom prst="ellipse">
@@ -19732,7 +19732,7 @@
         </p:nvCxnSpPr>
         <p:spPr>
           <a:xfrm rot="10800000">
-            <a:off x="2667810" y="3302565"/>
+            <a:off x="2667810" y="3562340"/>
             <a:ext cx="1012500" cy="460800"/>
           </a:xfrm>
           <a:prstGeom prst="straightConnector1">
@@ -19764,7 +19764,7 @@
         </p:nvSpPr>
         <p:spPr>
           <a:xfrm>
-            <a:off x="2605211" y="3917453"/>
+            <a:off x="2605211" y="4177228"/>
             <a:ext cx="534300" cy="369300"/>
           </a:xfrm>
           <a:prstGeom prst="rect">
@@ -19808,10 +19808,10 @@
       </p:sp>
       <p:graphicFrame>
         <p:nvGraphicFramePr>
-          <p:cNvPr id="33" name="Google Shape;1044;p47">
+          <p:cNvPr id="34" name="Google Shape;1044;p47">
             <a:extLst>
               <a:ext uri="{FF2B5EF4-FFF2-40B4-BE49-F238E27FC236}">
-                <a16:creationId xmlns:a16="http://schemas.microsoft.com/office/drawing/2014/main" id="{E1EEF182-8C50-1A80-0915-DA1A2B755742}"/>
+                <a16:creationId xmlns:a16="http://schemas.microsoft.com/office/drawing/2014/main" id="{489D61D4-D364-7033-1BC1-7F36FBFC6BF7}"/>
               </a:ext>
             </a:extLst>
           </p:cNvPr>
@@ -19819,14 +19819,14 @@
           <p:nvPr>
             <p:extLst>
               <p:ext uri="{D42A27DB-BD31-4B8C-83A1-F6EECF244321}">
-                <p14:modId xmlns:p14="http://schemas.microsoft.com/office/powerpoint/2010/main" val="2402617982"/>
+                <p14:modId xmlns:p14="http://schemas.microsoft.com/office/powerpoint/2010/main" val="4190423516"/>
               </p:ext>
             </p:extLst>
           </p:nvPr>
         </p:nvGraphicFramePr>
         <p:xfrm>
-          <a:off x="7066615" y="2531573"/>
-          <a:ext cx="3989312" cy="3236040"/>
+          <a:off x="7045183" y="2971120"/>
+          <a:ext cx="3261582" cy="2865190"/>
         </p:xfrm>
         <a:graphic>
           <a:graphicData uri="http://schemas.openxmlformats.org/drawingml/2006/table">
@@ -19835,13 +19835,6 @@
                 <a:noFill/>
               </a:tblPr>
               <a:tblGrid>
-                <a:gridCol w="727730">
-                  <a:extLst>
-                    <a:ext uri="{9D8B030D-6E8A-4147-A177-3AD203B41FA5}">
-                      <a16:colId xmlns:a16="http://schemas.microsoft.com/office/drawing/2014/main" val="20000"/>
-                    </a:ext>
-                  </a:extLst>
-                </a:gridCol>
                 <a:gridCol w="817786">
                   <a:extLst>
                     <a:ext uri="{9D8B030D-6E8A-4147-A177-3AD203B41FA5}">
@@ -19870,86 +19863,7 @@
                     <a:bodyPr/>
                     <a:lstStyle/>
                     <a:p>
-                      <a:pPr marL="0" marR="0" lvl="0" indent="0" algn="l" rtl="0">
-                        <a:spcBef>
-                          <a:spcPts val="0"/>
-                        </a:spcBef>
-                        <a:spcAft>
-                          <a:spcPts val="0"/>
-                        </a:spcAft>
-                        <a:buNone/>
-                      </a:pPr>
-                      <a:r>
-                        <a:rPr lang="en-US" sz="1800" dirty="0">
-                          <a:solidFill>
-                            <a:schemeClr val="tx1"/>
-                          </a:solidFill>
-                          <a:latin typeface="Quattrocento Sans"/>
-                          <a:ea typeface="Quattrocento Sans"/>
-                          <a:cs typeface="Quattrocento Sans"/>
-                          <a:sym typeface="Quattrocento Sans"/>
-                        </a:rPr>
-                        <a:t>Node</a:t>
-                      </a:r>
-                      <a:endParaRPr dirty="0">
-                        <a:solidFill>
-                          <a:schemeClr val="tx1"/>
-                        </a:solidFill>
-                        <a:latin typeface="Quattrocento Sans"/>
-                        <a:ea typeface="Quattrocento Sans"/>
-                        <a:cs typeface="Quattrocento Sans"/>
-                        <a:sym typeface="Quattrocento Sans"/>
-                      </a:endParaRPr>
-                    </a:p>
-                  </a:txBody>
-                  <a:tcPr marL="91450" marR="91450" marT="45725" marB="45725">
-                    <a:lnL w="12700" cap="flat" cmpd="sng">
-                      <a:solidFill>
-                        <a:srgbClr val="BFBFBF"/>
-                      </a:solidFill>
-                      <a:prstDash val="solid"/>
-                      <a:round/>
-                      <a:headEnd type="none" w="sm" len="sm"/>
-                      <a:tailEnd type="none" w="sm" len="sm"/>
-                    </a:lnL>
-                    <a:lnR w="12700" cap="flat" cmpd="sng">
-                      <a:solidFill>
-                        <a:srgbClr val="BFBFBF"/>
-                      </a:solidFill>
-                      <a:prstDash val="solid"/>
-                      <a:round/>
-                      <a:headEnd type="none" w="sm" len="sm"/>
-                      <a:tailEnd type="none" w="sm" len="sm"/>
-                    </a:lnR>
-                    <a:lnT w="12700" cap="flat" cmpd="sng">
-                      <a:solidFill>
-                        <a:srgbClr val="BFBFBF"/>
-                      </a:solidFill>
-                      <a:prstDash val="solid"/>
-                      <a:round/>
-                      <a:headEnd type="none" w="sm" len="sm"/>
-                      <a:tailEnd type="none" w="sm" len="sm"/>
-                    </a:lnT>
-                    <a:lnB w="38100" cap="flat" cmpd="sng">
-                      <a:solidFill>
-                        <a:srgbClr val="BFBFBF"/>
-                      </a:solidFill>
-                      <a:prstDash val="solid"/>
-                      <a:round/>
-                      <a:headEnd type="none" w="sm" len="sm"/>
-                      <a:tailEnd type="none" w="sm" len="sm"/>
-                    </a:lnB>
-                    <a:solidFill>
-                      <a:srgbClr val="A48DD3"/>
-                    </a:solidFill>
-                  </a:tcPr>
-                </a:tc>
-                <a:tc>
-                  <a:txBody>
-                    <a:bodyPr/>
-                    <a:lstStyle/>
-                    <a:p>
-                      <a:pPr marL="0" marR="0" lvl="0" indent="0" algn="l" rtl="0">
+                      <a:pPr marL="0" marR="0" lvl="0" indent="0" algn="ctr" rtl="0">
                         <a:spcBef>
                           <a:spcPts val="0"/>
                         </a:spcBef>
@@ -20049,7 +19963,7 @@
                     <a:bodyPr/>
                     <a:lstStyle/>
                     <a:p>
-                      <a:pPr marL="0" marR="0" lvl="0" indent="0" algn="l" rtl="0">
+                      <a:pPr marL="0" marR="0" lvl="0" indent="0" algn="ctr" rtl="0">
                         <a:spcBef>
                           <a:spcPts val="0"/>
                         </a:spcBef>
@@ -20065,7 +19979,7 @@
                           <a:cs typeface="Quattrocento Sans"/>
                           <a:sym typeface="Quattrocento Sans"/>
                         </a:rPr>
-                        <a:t>Best Edge</a:t>
+                        <a:t>Edge</a:t>
                       </a:r>
                       <a:endParaRPr dirty="0">
                         <a:latin typeface="Quattrocento Sans"/>
@@ -20122,7 +20036,7 @@
                     <a:bodyPr/>
                     <a:lstStyle/>
                     <a:p>
-                      <a:pPr marL="0" marR="0" lvl="0" indent="0" algn="l" rtl="0">
+                      <a:pPr marL="0" marR="0" lvl="0" indent="0" algn="ctr" rtl="0">
                         <a:spcBef>
                           <a:spcPts val="0"/>
                         </a:spcBef>
@@ -20191,79 +20105,6 @@
                 </a:extLst>
               </a:tr>
               <a:tr h="370850">
-                <a:tc>
-                  <a:txBody>
-                    <a:bodyPr/>
-                    <a:lstStyle/>
-                    <a:p>
-                      <a:pPr marL="0" marR="0" lvl="0" indent="0" algn="ctr" rtl="0">
-                        <a:spcBef>
-                          <a:spcPts val="0"/>
-                        </a:spcBef>
-                        <a:spcAft>
-                          <a:spcPts val="0"/>
-                        </a:spcAft>
-                        <a:buNone/>
-                      </a:pPr>
-                      <a:r>
-                        <a:rPr lang="en-US" sz="1800" dirty="0">
-                          <a:latin typeface="Quattrocento Sans"/>
-                          <a:ea typeface="Quattrocento Sans"/>
-                          <a:cs typeface="Quattrocento Sans"/>
-                          <a:sym typeface="Quattrocento Sans"/>
-                        </a:rPr>
-                        <a:t>A</a:t>
-                      </a:r>
-                      <a:endParaRPr dirty="0">
-                        <a:latin typeface="Quattrocento Sans"/>
-                        <a:ea typeface="Quattrocento Sans"/>
-                        <a:cs typeface="Quattrocento Sans"/>
-                        <a:sym typeface="Quattrocento Sans"/>
-                      </a:endParaRPr>
-                    </a:p>
-                  </a:txBody>
-                  <a:tcPr marL="91450" marR="91450" marT="45725" marB="45725">
-                    <a:lnL w="12700" cap="flat" cmpd="sng">
-                      <a:solidFill>
-                        <a:srgbClr val="BFBFBF"/>
-                      </a:solidFill>
-                      <a:prstDash val="solid"/>
-                      <a:round/>
-                      <a:headEnd type="none" w="sm" len="sm"/>
-                      <a:tailEnd type="none" w="sm" len="sm"/>
-                    </a:lnL>
-                    <a:lnR w="12700" cap="flat" cmpd="sng">
-                      <a:solidFill>
-                        <a:srgbClr val="BFBFBF"/>
-                      </a:solidFill>
-                      <a:prstDash val="solid"/>
-                      <a:round/>
-                      <a:headEnd type="none" w="sm" len="sm"/>
-                      <a:tailEnd type="none" w="sm" len="sm"/>
-                    </a:lnR>
-                    <a:lnT w="38100" cap="flat" cmpd="sng">
-                      <a:solidFill>
-                        <a:srgbClr val="BFBFBF"/>
-                      </a:solidFill>
-                      <a:prstDash val="solid"/>
-                      <a:round/>
-                      <a:headEnd type="none" w="sm" len="sm"/>
-                      <a:tailEnd type="none" w="sm" len="sm"/>
-                    </a:lnT>
-                    <a:lnB w="12700" cap="flat" cmpd="sng">
-                      <a:solidFill>
-                        <a:srgbClr val="BFBFBF"/>
-                      </a:solidFill>
-                      <a:prstDash val="solid"/>
-                      <a:round/>
-                      <a:headEnd type="none" w="sm" len="sm"/>
-                      <a:tailEnd type="none" w="sm" len="sm"/>
-                    </a:lnB>
-                    <a:solidFill>
-                      <a:schemeClr val="lt1"/>
-                    </a:solidFill>
-                  </a:tcPr>
-                </a:tc>
                 <a:tc>
                   <a:txBody>
                     <a:bodyPr/>
@@ -20318,7 +20159,7 @@
                       <a:headEnd type="none" w="sm" len="sm"/>
                       <a:tailEnd type="none" w="sm" len="sm"/>
                     </a:lnL>
-                    <a:lnR w="12700" cap="flat" cmpd="sng">
+                    <a:lnR w="12700" cap="flat" cmpd="sng" algn="ctr">
                       <a:solidFill>
                         <a:srgbClr val="BFBFBF"/>
                       </a:solidFill>
@@ -20328,310 +20169,6 @@
                       <a:tailEnd type="none" w="sm" len="sm"/>
                     </a:lnR>
                     <a:lnT w="38100" cap="flat" cmpd="sng" algn="ctr">
-                      <a:solidFill>
-                        <a:srgbClr val="BFBFBF"/>
-                      </a:solidFill>
-                      <a:prstDash val="solid"/>
-                      <a:round/>
-                      <a:headEnd type="none" w="sm" len="sm"/>
-                      <a:tailEnd type="none" w="sm" len="sm"/>
-                    </a:lnT>
-                    <a:lnB w="12700" cap="flat" cmpd="sng" algn="ctr">
-                      <a:solidFill>
-                        <a:srgbClr val="BFBFBF"/>
-                      </a:solidFill>
-                      <a:prstDash val="solid"/>
-                      <a:round/>
-                      <a:headEnd type="none" w="sm" len="sm"/>
-                      <a:tailEnd type="none" w="sm" len="sm"/>
-                    </a:lnB>
-                    <a:solidFill>
-                      <a:schemeClr val="lt1"/>
-                    </a:solidFill>
-                  </a:tcPr>
-                </a:tc>
-                <a:tc>
-                  <a:txBody>
-                    <a:bodyPr/>
-                    <a:lstStyle/>
-                    <a:p>
-                      <a:pPr marL="0" marR="0" lvl="0" indent="0" algn="ctr" defTabSz="914400" rtl="0" eaLnBrk="1" fontAlgn="auto" latinLnBrk="0" hangingPunct="1">
-                        <a:lnSpc>
-                          <a:spcPct val="100000"/>
-                        </a:lnSpc>
-                        <a:spcBef>
-                          <a:spcPts val="0"/>
-                        </a:spcBef>
-                        <a:spcAft>
-                          <a:spcPts val="0"/>
-                        </a:spcAft>
-                        <a:buClr>
-                          <a:srgbClr val="000000"/>
-                        </a:buClr>
-                        <a:buSzTx/>
-                        <a:buFont typeface="Arial"/>
-                        <a:buNone/>
-                        <a:tabLst/>
-                        <a:defRPr/>
-                      </a:pPr>
-                      <a:r>
-                        <a:rPr lang="en-GB" sz="1800" dirty="0">
-                          <a:latin typeface="Quattrocento Sans"/>
-                          <a:ea typeface="Quattrocento Sans"/>
-                          <a:cs typeface="Quattrocento Sans"/>
-                          <a:sym typeface="Quattrocento Sans"/>
-                        </a:rPr>
-                        <a:t>/</a:t>
-                      </a:r>
-                    </a:p>
-                  </a:txBody>
-                  <a:tcPr marL="91450" marR="91450" marT="45725" marB="45725">
-                    <a:lnL w="12700" cap="flat" cmpd="sng" algn="ctr">
-                      <a:solidFill>
-                        <a:srgbClr val="BFBFBF"/>
-                      </a:solidFill>
-                      <a:prstDash val="solid"/>
-                      <a:round/>
-                      <a:headEnd type="none" w="sm" len="sm"/>
-                      <a:tailEnd type="none" w="sm" len="sm"/>
-                    </a:lnL>
-                    <a:lnR w="12700" cap="flat" cmpd="sng" algn="ctr">
-                      <a:solidFill>
-                        <a:srgbClr val="BFBFBF"/>
-                      </a:solidFill>
-                      <a:prstDash val="solid"/>
-                      <a:round/>
-                      <a:headEnd type="none" w="sm" len="sm"/>
-                      <a:tailEnd type="none" w="sm" len="sm"/>
-                    </a:lnR>
-                    <a:lnT w="38100" cap="flat" cmpd="sng" algn="ctr">
-                      <a:solidFill>
-                        <a:srgbClr val="BFBFBF"/>
-                      </a:solidFill>
-                      <a:prstDash val="solid"/>
-                      <a:round/>
-                      <a:headEnd type="none" w="sm" len="sm"/>
-                      <a:tailEnd type="none" w="sm" len="sm"/>
-                    </a:lnT>
-                    <a:lnB w="12700" cap="flat" cmpd="sng" algn="ctr">
-                      <a:solidFill>
-                        <a:srgbClr val="BFBFBF"/>
-                      </a:solidFill>
-                      <a:prstDash val="solid"/>
-                      <a:round/>
-                      <a:headEnd type="none" w="sm" len="sm"/>
-                      <a:tailEnd type="none" w="sm" len="sm"/>
-                    </a:lnB>
-                    <a:solidFill>
-                      <a:schemeClr val="lt1"/>
-                    </a:solidFill>
-                  </a:tcPr>
-                </a:tc>
-                <a:tc>
-                  <a:txBody>
-                    <a:bodyPr/>
-                    <a:lstStyle/>
-                    <a:p>
-                      <a:pPr marL="0" marR="0" lvl="0" indent="0" algn="ctr" rtl="0">
-                        <a:spcBef>
-                          <a:spcPts val="0"/>
-                        </a:spcBef>
-                        <a:spcAft>
-                          <a:spcPts val="0"/>
-                        </a:spcAft>
-                        <a:buNone/>
-                      </a:pPr>
-                      <a:r>
-                        <a:rPr lang="en-GB" sz="1800" dirty="0">
-                          <a:latin typeface="Quattrocento Sans"/>
-                          <a:ea typeface="Quattrocento Sans"/>
-                          <a:cs typeface="Quattrocento Sans"/>
-                          <a:sym typeface="Quattrocento Sans"/>
-                        </a:rPr>
-                        <a:t>/</a:t>
-                      </a:r>
-                      <a:endParaRPr sz="1800" dirty="0">
-                        <a:latin typeface="Quattrocento Sans"/>
-                        <a:ea typeface="Quattrocento Sans"/>
-                        <a:cs typeface="Quattrocento Sans"/>
-                        <a:sym typeface="Quattrocento Sans"/>
-                      </a:endParaRPr>
-                    </a:p>
-                  </a:txBody>
-                  <a:tcPr marL="91450" marR="91450" marT="45725" marB="45725">
-                    <a:lnL w="12700" cap="flat" cmpd="sng" algn="ctr">
-                      <a:solidFill>
-                        <a:srgbClr val="BFBFBF"/>
-                      </a:solidFill>
-                      <a:prstDash val="solid"/>
-                      <a:round/>
-                      <a:headEnd type="none" w="sm" len="sm"/>
-                      <a:tailEnd type="none" w="sm" len="sm"/>
-                    </a:lnL>
-                    <a:lnR w="12700" cap="flat" cmpd="sng">
-                      <a:solidFill>
-                        <a:srgbClr val="BFBFBF"/>
-                      </a:solidFill>
-                      <a:prstDash val="solid"/>
-                      <a:round/>
-                      <a:headEnd type="none" w="sm" len="sm"/>
-                      <a:tailEnd type="none" w="sm" len="sm"/>
-                    </a:lnR>
-                    <a:lnT w="38100" cap="flat" cmpd="sng" algn="ctr">
-                      <a:solidFill>
-                        <a:srgbClr val="BFBFBF"/>
-                      </a:solidFill>
-                      <a:prstDash val="solid"/>
-                      <a:round/>
-                      <a:headEnd type="none" w="sm" len="sm"/>
-                      <a:tailEnd type="none" w="sm" len="sm"/>
-                    </a:lnT>
-                    <a:lnB w="12700" cap="flat" cmpd="sng" algn="ctr">
-                      <a:solidFill>
-                        <a:srgbClr val="BFBFBF"/>
-                      </a:solidFill>
-                      <a:prstDash val="solid"/>
-                      <a:round/>
-                      <a:headEnd type="none" w="sm" len="sm"/>
-                      <a:tailEnd type="none" w="sm" len="sm"/>
-                    </a:lnB>
-                    <a:solidFill>
-                      <a:schemeClr val="lt1"/>
-                    </a:solidFill>
-                  </a:tcPr>
-                </a:tc>
-                <a:extLst>
-                  <a:ext uri="{0D108BD9-81ED-4DB2-BD59-A6C34878D82A}">
-                    <a16:rowId xmlns:a16="http://schemas.microsoft.com/office/drawing/2014/main" val="10001"/>
-                  </a:ext>
-                </a:extLst>
-              </a:tr>
-              <a:tr h="370850">
-                <a:tc>
-                  <a:txBody>
-                    <a:bodyPr/>
-                    <a:lstStyle/>
-                    <a:p>
-                      <a:pPr marL="0" marR="0" lvl="0" indent="0" algn="ctr" rtl="0">
-                        <a:spcBef>
-                          <a:spcPts val="0"/>
-                        </a:spcBef>
-                        <a:spcAft>
-                          <a:spcPts val="0"/>
-                        </a:spcAft>
-                        <a:buNone/>
-                      </a:pPr>
-                      <a:r>
-                        <a:rPr lang="en-US" sz="1800" dirty="0">
-                          <a:latin typeface="Quattrocento Sans"/>
-                          <a:ea typeface="Quattrocento Sans"/>
-                          <a:cs typeface="Quattrocento Sans"/>
-                          <a:sym typeface="Quattrocento Sans"/>
-                        </a:rPr>
-                        <a:t>B</a:t>
-                      </a:r>
-                      <a:endParaRPr dirty="0">
-                        <a:latin typeface="Quattrocento Sans"/>
-                        <a:ea typeface="Quattrocento Sans"/>
-                        <a:cs typeface="Quattrocento Sans"/>
-                        <a:sym typeface="Quattrocento Sans"/>
-                      </a:endParaRPr>
-                    </a:p>
-                  </a:txBody>
-                  <a:tcPr marL="91450" marR="91450" marT="45725" marB="45725">
-                    <a:lnL w="12700" cap="flat" cmpd="sng">
-                      <a:solidFill>
-                        <a:srgbClr val="BFBFBF"/>
-                      </a:solidFill>
-                      <a:prstDash val="solid"/>
-                      <a:round/>
-                      <a:headEnd type="none" w="sm" len="sm"/>
-                      <a:tailEnd type="none" w="sm" len="sm"/>
-                    </a:lnL>
-                    <a:lnR w="12700" cap="flat" cmpd="sng">
-                      <a:solidFill>
-                        <a:srgbClr val="BFBFBF"/>
-                      </a:solidFill>
-                      <a:prstDash val="solid"/>
-                      <a:round/>
-                      <a:headEnd type="none" w="sm" len="sm"/>
-                      <a:tailEnd type="none" w="sm" len="sm"/>
-                    </a:lnR>
-                    <a:lnT w="12700" cap="flat" cmpd="sng">
-                      <a:solidFill>
-                        <a:srgbClr val="BFBFBF"/>
-                      </a:solidFill>
-                      <a:prstDash val="solid"/>
-                      <a:round/>
-                      <a:headEnd type="none" w="sm" len="sm"/>
-                      <a:tailEnd type="none" w="sm" len="sm"/>
-                    </a:lnT>
-                    <a:lnB w="12700" cap="flat" cmpd="sng">
-                      <a:solidFill>
-                        <a:srgbClr val="BFBFBF"/>
-                      </a:solidFill>
-                      <a:prstDash val="solid"/>
-                      <a:round/>
-                      <a:headEnd type="none" w="sm" len="sm"/>
-                      <a:tailEnd type="none" w="sm" len="sm"/>
-                    </a:lnB>
-                    <a:solidFill>
-                      <a:schemeClr val="lt1"/>
-                    </a:solidFill>
-                  </a:tcPr>
-                </a:tc>
-                <a:tc>
-                  <a:txBody>
-                    <a:bodyPr/>
-                    <a:lstStyle/>
-                    <a:p>
-                      <a:pPr marL="0" marR="0" lvl="0" indent="0" algn="ctr" rtl="0">
-                        <a:lnSpc>
-                          <a:spcPct val="100000"/>
-                        </a:lnSpc>
-                        <a:spcBef>
-                          <a:spcPts val="0"/>
-                        </a:spcBef>
-                        <a:spcAft>
-                          <a:spcPts val="0"/>
-                        </a:spcAft>
-                        <a:buClr>
-                          <a:srgbClr val="000000"/>
-                        </a:buClr>
-                        <a:buFont typeface="Arial"/>
-                        <a:buNone/>
-                      </a:pPr>
-                      <a:endParaRPr sz="1800" b="0" i="0" u="none" strike="noStrike" cap="none" dirty="0">
-                        <a:solidFill>
-                          <a:schemeClr val="tx1"/>
-                        </a:solidFill>
-                        <a:latin typeface="Quattrocento Sans"/>
-                        <a:ea typeface="Quattrocento Sans"/>
-                        <a:cs typeface="Quattrocento Sans"/>
-                        <a:sym typeface="Quattrocento Sans"/>
-                      </a:endParaRPr>
-                    </a:p>
-                  </a:txBody>
-                  <a:tcPr marL="91450" marR="91450" marT="45725" marB="45725">
-                    <a:lnL w="12700" cap="flat" cmpd="sng" algn="ctr">
-                      <a:solidFill>
-                        <a:srgbClr val="BFBFBF"/>
-                      </a:solidFill>
-                      <a:prstDash val="solid"/>
-                      <a:round/>
-                      <a:headEnd type="none" w="sm" len="sm"/>
-                      <a:tailEnd type="none" w="sm" len="sm"/>
-                    </a:lnL>
-                    <a:lnR w="12700" cap="flat" cmpd="sng">
-                      <a:solidFill>
-                        <a:srgbClr val="BFBFBF"/>
-                      </a:solidFill>
-                      <a:prstDash val="solid"/>
-                      <a:round/>
-                      <a:headEnd type="none" w="sm" len="sm"/>
-                      <a:tailEnd type="none" w="sm" len="sm"/>
-                    </a:lnR>
-                    <a:lnT w="12700" cap="flat" cmpd="sng" algn="ctr">
                       <a:solidFill>
                         <a:srgbClr val="BFBFBF"/>
                       </a:solidFill>
@@ -20705,7 +20242,7 @@
                       <a:headEnd type="none" w="sm" len="sm"/>
                       <a:tailEnd type="none" w="sm" len="sm"/>
                     </a:lnR>
-                    <a:lnT w="12700" cap="flat" cmpd="sng" algn="ctr">
+                    <a:lnT w="38100" cap="flat" cmpd="sng" algn="ctr">
                       <a:solidFill>
                         <a:srgbClr val="BFBFBF"/>
                       </a:solidFill>
@@ -20769,7 +20306,7 @@
                       <a:headEnd type="none" w="sm" len="sm"/>
                       <a:tailEnd type="none" w="sm" len="sm"/>
                     </a:lnR>
-                    <a:lnT w="12700" cap="flat" cmpd="sng" algn="ctr">
+                    <a:lnT w="38100" cap="flat" cmpd="sng" algn="ctr">
                       <a:solidFill>
                         <a:srgbClr val="BFBFBF"/>
                       </a:solidFill>
@@ -20794,84 +20331,11 @@
                 </a:tc>
                 <a:extLst>
                   <a:ext uri="{0D108BD9-81ED-4DB2-BD59-A6C34878D82A}">
-                    <a16:rowId xmlns:a16="http://schemas.microsoft.com/office/drawing/2014/main" val="10002"/>
+                    <a16:rowId xmlns:a16="http://schemas.microsoft.com/office/drawing/2014/main" val="10001"/>
                   </a:ext>
                 </a:extLst>
               </a:tr>
               <a:tr h="370850">
-                <a:tc>
-                  <a:txBody>
-                    <a:bodyPr/>
-                    <a:lstStyle/>
-                    <a:p>
-                      <a:pPr marL="0" marR="0" lvl="0" indent="0" algn="ctr" rtl="0">
-                        <a:spcBef>
-                          <a:spcPts val="0"/>
-                        </a:spcBef>
-                        <a:spcAft>
-                          <a:spcPts val="0"/>
-                        </a:spcAft>
-                        <a:buNone/>
-                      </a:pPr>
-                      <a:r>
-                        <a:rPr lang="en-US" sz="1800" dirty="0">
-                          <a:latin typeface="Quattrocento Sans"/>
-                          <a:ea typeface="Quattrocento Sans"/>
-                          <a:cs typeface="Quattrocento Sans"/>
-                          <a:sym typeface="Quattrocento Sans"/>
-                        </a:rPr>
-                        <a:t>C</a:t>
-                      </a:r>
-                      <a:endParaRPr dirty="0">
-                        <a:latin typeface="Quattrocento Sans"/>
-                        <a:ea typeface="Quattrocento Sans"/>
-                        <a:cs typeface="Quattrocento Sans"/>
-                        <a:sym typeface="Quattrocento Sans"/>
-                      </a:endParaRPr>
-                    </a:p>
-                  </a:txBody>
-                  <a:tcPr marL="91450" marR="91450" marT="45725" marB="45725">
-                    <a:lnL w="12700" cap="flat" cmpd="sng">
-                      <a:solidFill>
-                        <a:srgbClr val="BFBFBF"/>
-                      </a:solidFill>
-                      <a:prstDash val="solid"/>
-                      <a:round/>
-                      <a:headEnd type="none" w="sm" len="sm"/>
-                      <a:tailEnd type="none" w="sm" len="sm"/>
-                    </a:lnL>
-                    <a:lnR w="12700" cap="flat" cmpd="sng">
-                      <a:solidFill>
-                        <a:srgbClr val="BFBFBF"/>
-                      </a:solidFill>
-                      <a:prstDash val="solid"/>
-                      <a:round/>
-                      <a:headEnd type="none" w="sm" len="sm"/>
-                      <a:tailEnd type="none" w="sm" len="sm"/>
-                    </a:lnR>
-                    <a:lnT w="12700" cap="flat" cmpd="sng">
-                      <a:solidFill>
-                        <a:srgbClr val="BFBFBF"/>
-                      </a:solidFill>
-                      <a:prstDash val="solid"/>
-                      <a:round/>
-                      <a:headEnd type="none" w="sm" len="sm"/>
-                      <a:tailEnd type="none" w="sm" len="sm"/>
-                    </a:lnT>
-                    <a:lnB w="12700" cap="flat" cmpd="sng">
-                      <a:solidFill>
-                        <a:srgbClr val="BFBFBF"/>
-                      </a:solidFill>
-                      <a:prstDash val="solid"/>
-                      <a:round/>
-                      <a:headEnd type="none" w="sm" len="sm"/>
-                      <a:tailEnd type="none" w="sm" len="sm"/>
-                    </a:lnB>
-                    <a:solidFill>
-                      <a:schemeClr val="lt1"/>
-                    </a:solidFill>
-                  </a:tcPr>
-                </a:tc>
                 <a:tc>
                   <a:txBody>
                     <a:bodyPr/>
@@ -20893,6 +20357,18 @@
                         <a:buFont typeface="Arial"/>
                         <a:buNone/>
                       </a:pPr>
+                      <a:r>
+                        <a:rPr lang="en-GB" sz="1800" b="0" i="0" u="none" strike="noStrike" cap="none" dirty="0">
+                          <a:solidFill>
+                            <a:schemeClr val="tx1"/>
+                          </a:solidFill>
+                          <a:latin typeface="Quattrocento Sans"/>
+                          <a:ea typeface="Quattrocento Sans"/>
+                          <a:cs typeface="Quattrocento Sans"/>
+                          <a:sym typeface="Quattrocento Sans"/>
+                        </a:rPr>
+                        <a:t>2</a:t>
+                      </a:r>
                       <a:endParaRPr sz="1800" b="0" i="0" u="none" strike="noStrike" cap="none" dirty="0">
                         <a:solidFill>
                           <a:schemeClr val="tx1"/>
@@ -20914,7 +20390,7 @@
                       <a:headEnd type="none" w="sm" len="sm"/>
                       <a:tailEnd type="none" w="sm" len="sm"/>
                     </a:lnL>
-                    <a:lnR w="12700" cap="flat" cmpd="sng">
+                    <a:lnR w="12700" cap="flat" cmpd="sng" algn="ctr">
                       <a:solidFill>
                         <a:srgbClr val="BFBFBF"/>
                       </a:solidFill>
@@ -21086,84 +20562,11 @@
                 </a:tc>
                 <a:extLst>
                   <a:ext uri="{0D108BD9-81ED-4DB2-BD59-A6C34878D82A}">
-                    <a16:rowId xmlns:a16="http://schemas.microsoft.com/office/drawing/2014/main" val="10003"/>
+                    <a16:rowId xmlns:a16="http://schemas.microsoft.com/office/drawing/2014/main" val="10002"/>
                   </a:ext>
                 </a:extLst>
               </a:tr>
               <a:tr h="370850">
-                <a:tc>
-                  <a:txBody>
-                    <a:bodyPr/>
-                    <a:lstStyle/>
-                    <a:p>
-                      <a:pPr marL="0" marR="0" lvl="0" indent="0" algn="ctr" rtl="0">
-                        <a:spcBef>
-                          <a:spcPts val="0"/>
-                        </a:spcBef>
-                        <a:spcAft>
-                          <a:spcPts val="0"/>
-                        </a:spcAft>
-                        <a:buNone/>
-                      </a:pPr>
-                      <a:r>
-                        <a:rPr lang="en-US" sz="1800" dirty="0">
-                          <a:latin typeface="Quattrocento Sans"/>
-                          <a:ea typeface="Quattrocento Sans"/>
-                          <a:cs typeface="Quattrocento Sans"/>
-                          <a:sym typeface="Quattrocento Sans"/>
-                        </a:rPr>
-                        <a:t>D</a:t>
-                      </a:r>
-                      <a:endParaRPr dirty="0">
-                        <a:latin typeface="Quattrocento Sans"/>
-                        <a:ea typeface="Quattrocento Sans"/>
-                        <a:cs typeface="Quattrocento Sans"/>
-                        <a:sym typeface="Quattrocento Sans"/>
-                      </a:endParaRPr>
-                    </a:p>
-                  </a:txBody>
-                  <a:tcPr marL="91450" marR="91450" marT="45725" marB="45725">
-                    <a:lnL w="12700" cap="flat" cmpd="sng">
-                      <a:solidFill>
-                        <a:srgbClr val="BFBFBF"/>
-                      </a:solidFill>
-                      <a:prstDash val="solid"/>
-                      <a:round/>
-                      <a:headEnd type="none" w="sm" len="sm"/>
-                      <a:tailEnd type="none" w="sm" len="sm"/>
-                    </a:lnL>
-                    <a:lnR w="12700" cap="flat" cmpd="sng">
-                      <a:solidFill>
-                        <a:srgbClr val="BFBFBF"/>
-                      </a:solidFill>
-                      <a:prstDash val="solid"/>
-                      <a:round/>
-                      <a:headEnd type="none" w="sm" len="sm"/>
-                      <a:tailEnd type="none" w="sm" len="sm"/>
-                    </a:lnR>
-                    <a:lnT w="12700" cap="flat" cmpd="sng">
-                      <a:solidFill>
-                        <a:srgbClr val="BFBFBF"/>
-                      </a:solidFill>
-                      <a:prstDash val="solid"/>
-                      <a:round/>
-                      <a:headEnd type="none" w="sm" len="sm"/>
-                      <a:tailEnd type="none" w="sm" len="sm"/>
-                    </a:lnT>
-                    <a:lnB w="12700" cap="flat" cmpd="sng">
-                      <a:solidFill>
-                        <a:srgbClr val="BFBFBF"/>
-                      </a:solidFill>
-                      <a:prstDash val="solid"/>
-                      <a:round/>
-                      <a:headEnd type="none" w="sm" len="sm"/>
-                      <a:tailEnd type="none" w="sm" len="sm"/>
-                    </a:lnB>
-                    <a:solidFill>
-                      <a:schemeClr val="lt1"/>
-                    </a:solidFill>
-                  </a:tcPr>
-                </a:tc>
                 <a:tc>
                   <a:txBody>
                     <a:bodyPr/>
@@ -21185,6 +20588,18 @@
                         <a:buFont typeface="Arial"/>
                         <a:buNone/>
                       </a:pPr>
+                      <a:r>
+                        <a:rPr lang="en-GB" sz="1800" b="0" i="0" u="none" strike="noStrike" cap="none" dirty="0">
+                          <a:solidFill>
+                            <a:schemeClr val="tx1"/>
+                          </a:solidFill>
+                          <a:latin typeface="Quattrocento Sans"/>
+                          <a:ea typeface="Quattrocento Sans"/>
+                          <a:cs typeface="Quattrocento Sans"/>
+                          <a:sym typeface="Quattrocento Sans"/>
+                        </a:rPr>
+                        <a:t>3</a:t>
+                      </a:r>
                       <a:endParaRPr sz="1800" b="0" i="0" u="none" strike="noStrike" cap="none" dirty="0">
                         <a:solidFill>
                           <a:schemeClr val="tx1"/>
@@ -21206,7 +20621,7 @@
                       <a:headEnd type="none" w="sm" len="sm"/>
                       <a:tailEnd type="none" w="sm" len="sm"/>
                     </a:lnL>
-                    <a:lnR w="12700" cap="flat" cmpd="sng">
+                    <a:lnR w="12700" cap="flat" cmpd="sng" algn="ctr">
                       <a:solidFill>
                         <a:srgbClr val="BFBFBF"/>
                       </a:solidFill>
@@ -21381,84 +20796,11 @@
                 </a:tc>
                 <a:extLst>
                   <a:ext uri="{0D108BD9-81ED-4DB2-BD59-A6C34878D82A}">
-                    <a16:rowId xmlns:a16="http://schemas.microsoft.com/office/drawing/2014/main" val="10004"/>
+                    <a16:rowId xmlns:a16="http://schemas.microsoft.com/office/drawing/2014/main" val="10003"/>
                   </a:ext>
                 </a:extLst>
               </a:tr>
               <a:tr h="370850">
-                <a:tc>
-                  <a:txBody>
-                    <a:bodyPr/>
-                    <a:lstStyle/>
-                    <a:p>
-                      <a:pPr marL="0" marR="0" lvl="0" indent="0" algn="ctr" rtl="0">
-                        <a:spcBef>
-                          <a:spcPts val="0"/>
-                        </a:spcBef>
-                        <a:spcAft>
-                          <a:spcPts val="0"/>
-                        </a:spcAft>
-                        <a:buNone/>
-                      </a:pPr>
-                      <a:r>
-                        <a:rPr lang="en-US" sz="1800" dirty="0">
-                          <a:latin typeface="Quattrocento Sans"/>
-                          <a:ea typeface="Quattrocento Sans"/>
-                          <a:cs typeface="Quattrocento Sans"/>
-                          <a:sym typeface="Quattrocento Sans"/>
-                        </a:rPr>
-                        <a:t>E</a:t>
-                      </a:r>
-                      <a:endParaRPr dirty="0">
-                        <a:latin typeface="Quattrocento Sans"/>
-                        <a:ea typeface="Quattrocento Sans"/>
-                        <a:cs typeface="Quattrocento Sans"/>
-                        <a:sym typeface="Quattrocento Sans"/>
-                      </a:endParaRPr>
-                    </a:p>
-                  </a:txBody>
-                  <a:tcPr marL="91450" marR="91450" marT="45725" marB="45725">
-                    <a:lnL w="12700" cap="flat" cmpd="sng">
-                      <a:solidFill>
-                        <a:srgbClr val="BFBFBF"/>
-                      </a:solidFill>
-                      <a:prstDash val="solid"/>
-                      <a:round/>
-                      <a:headEnd type="none" w="sm" len="sm"/>
-                      <a:tailEnd type="none" w="sm" len="sm"/>
-                    </a:lnL>
-                    <a:lnR w="12700" cap="flat" cmpd="sng">
-                      <a:solidFill>
-                        <a:srgbClr val="BFBFBF"/>
-                      </a:solidFill>
-                      <a:prstDash val="solid"/>
-                      <a:round/>
-                      <a:headEnd type="none" w="sm" len="sm"/>
-                      <a:tailEnd type="none" w="sm" len="sm"/>
-                    </a:lnR>
-                    <a:lnT w="12700" cap="flat" cmpd="sng">
-                      <a:solidFill>
-                        <a:srgbClr val="BFBFBF"/>
-                      </a:solidFill>
-                      <a:prstDash val="solid"/>
-                      <a:round/>
-                      <a:headEnd type="none" w="sm" len="sm"/>
-                      <a:tailEnd type="none" w="sm" len="sm"/>
-                    </a:lnT>
-                    <a:lnB w="12700" cap="flat" cmpd="sng">
-                      <a:solidFill>
-                        <a:srgbClr val="BFBFBF"/>
-                      </a:solidFill>
-                      <a:prstDash val="solid"/>
-                      <a:round/>
-                      <a:headEnd type="none" w="sm" len="sm"/>
-                      <a:tailEnd type="none" w="sm" len="sm"/>
-                    </a:lnB>
-                    <a:solidFill>
-                      <a:schemeClr val="lt1"/>
-                    </a:solidFill>
-                  </a:tcPr>
-                </a:tc>
                 <a:tc>
                   <a:txBody>
                     <a:bodyPr/>
@@ -21480,6 +20822,18 @@
                         <a:buFont typeface="Arial"/>
                         <a:buNone/>
                       </a:pPr>
+                      <a:r>
+                        <a:rPr lang="en-GB" sz="1800" b="0" i="0" u="none" strike="noStrike" cap="none" dirty="0">
+                          <a:solidFill>
+                            <a:schemeClr val="tx1"/>
+                          </a:solidFill>
+                          <a:latin typeface="Quattrocento Sans"/>
+                          <a:ea typeface="Quattrocento Sans"/>
+                          <a:cs typeface="Quattrocento Sans"/>
+                          <a:sym typeface="Quattrocento Sans"/>
+                        </a:rPr>
+                        <a:t>4</a:t>
+                      </a:r>
                       <a:endParaRPr sz="1800" b="0" i="0" u="none" strike="noStrike" cap="none" dirty="0">
                         <a:solidFill>
                           <a:schemeClr val="tx1"/>
@@ -21501,302 +20855,7 @@
                       <a:headEnd type="none" w="sm" len="sm"/>
                       <a:tailEnd type="none" w="sm" len="sm"/>
                     </a:lnL>
-                    <a:lnR w="12700" cap="flat" cmpd="sng">
-                      <a:solidFill>
-                        <a:srgbClr val="BFBFBF"/>
-                      </a:solidFill>
-                      <a:prstDash val="solid"/>
-                      <a:round/>
-                      <a:headEnd type="none" w="sm" len="sm"/>
-                      <a:tailEnd type="none" w="sm" len="sm"/>
-                    </a:lnR>
-                    <a:lnT w="12700" cap="flat" cmpd="sng" algn="ctr">
-                      <a:solidFill>
-                        <a:srgbClr val="BFBFBF"/>
-                      </a:solidFill>
-                      <a:prstDash val="solid"/>
-                      <a:round/>
-                      <a:headEnd type="none" w="sm" len="sm"/>
-                      <a:tailEnd type="none" w="sm" len="sm"/>
-                    </a:lnT>
-                    <a:lnB w="12700" cap="flat" cmpd="sng" algn="ctr">
-                      <a:solidFill>
-                        <a:srgbClr val="BFBFBF"/>
-                      </a:solidFill>
-                      <a:prstDash val="solid"/>
-                      <a:round/>
-                      <a:headEnd type="none" w="sm" len="sm"/>
-                      <a:tailEnd type="none" w="sm" len="sm"/>
-                    </a:lnB>
-                    <a:solidFill>
-                      <a:schemeClr val="lt1"/>
-                    </a:solidFill>
-                  </a:tcPr>
-                </a:tc>
-                <a:tc>
-                  <a:txBody>
-                    <a:bodyPr/>
-                    <a:lstStyle/>
-                    <a:p>
-                      <a:pPr marL="0" marR="0" lvl="0" indent="0" algn="ctr" defTabSz="914400" rtl="0" eaLnBrk="1" fontAlgn="auto" latinLnBrk="0" hangingPunct="1">
-                        <a:lnSpc>
-                          <a:spcPct val="100000"/>
-                        </a:lnSpc>
-                        <a:spcBef>
-                          <a:spcPts val="0"/>
-                        </a:spcBef>
-                        <a:spcAft>
-                          <a:spcPts val="0"/>
-                        </a:spcAft>
-                        <a:buClr>
-                          <a:srgbClr val="000000"/>
-                        </a:buClr>
-                        <a:buSzTx/>
-                        <a:buFont typeface="Arial"/>
-                        <a:buNone/>
-                        <a:tabLst/>
-                        <a:defRPr/>
-                      </a:pPr>
-                      <a:endParaRPr lang="en-US" sz="1800" dirty="0">
-                        <a:highlight>
-                          <a:schemeClr val="lt1"/>
-                        </a:highlight>
-                        <a:latin typeface="Quattrocento Sans"/>
-                        <a:ea typeface="Quattrocento Sans"/>
-                        <a:cs typeface="Quattrocento Sans"/>
-                        <a:sym typeface="Quattrocento Sans"/>
-                      </a:endParaRPr>
-                    </a:p>
-                  </a:txBody>
-                  <a:tcPr marL="91450" marR="91450" marT="45725" marB="45725">
-                    <a:lnL w="12700" cap="flat" cmpd="sng" algn="ctr">
-                      <a:solidFill>
-                        <a:srgbClr val="BFBFBF"/>
-                      </a:solidFill>
-                      <a:prstDash val="solid"/>
-                      <a:round/>
-                      <a:headEnd type="none" w="sm" len="sm"/>
-                      <a:tailEnd type="none" w="sm" len="sm"/>
-                    </a:lnL>
                     <a:lnR w="12700" cap="flat" cmpd="sng" algn="ctr">
-                      <a:solidFill>
-                        <a:srgbClr val="BFBFBF"/>
-                      </a:solidFill>
-                      <a:prstDash val="solid"/>
-                      <a:round/>
-                      <a:headEnd type="none" w="sm" len="sm"/>
-                      <a:tailEnd type="none" w="sm" len="sm"/>
-                    </a:lnR>
-                    <a:lnT w="12700" cap="flat" cmpd="sng" algn="ctr">
-                      <a:solidFill>
-                        <a:srgbClr val="BFBFBF"/>
-                      </a:solidFill>
-                      <a:prstDash val="solid"/>
-                      <a:round/>
-                      <a:headEnd type="none" w="sm" len="sm"/>
-                      <a:tailEnd type="none" w="sm" len="sm"/>
-                    </a:lnT>
-                    <a:lnB w="12700" cap="flat" cmpd="sng" algn="ctr">
-                      <a:solidFill>
-                        <a:srgbClr val="BFBFBF"/>
-                      </a:solidFill>
-                      <a:prstDash val="solid"/>
-                      <a:round/>
-                      <a:headEnd type="none" w="sm" len="sm"/>
-                      <a:tailEnd type="none" w="sm" len="sm"/>
-                    </a:lnB>
-                    <a:solidFill>
-                      <a:schemeClr val="lt1"/>
-                    </a:solidFill>
-                  </a:tcPr>
-                </a:tc>
-                <a:tc>
-                  <a:txBody>
-                    <a:bodyPr/>
-                    <a:lstStyle/>
-                    <a:p>
-                      <a:pPr marL="0" marR="0" lvl="0" indent="0" algn="ctr" rtl="0">
-                        <a:spcBef>
-                          <a:spcPts val="0"/>
-                        </a:spcBef>
-                        <a:spcAft>
-                          <a:spcPts val="0"/>
-                        </a:spcAft>
-                        <a:buNone/>
-                      </a:pPr>
-                      <a:endParaRPr sz="1800" dirty="0">
-                        <a:latin typeface="Quattrocento Sans"/>
-                        <a:ea typeface="Quattrocento Sans"/>
-                        <a:cs typeface="Quattrocento Sans"/>
-                        <a:sym typeface="Quattrocento Sans"/>
-                      </a:endParaRPr>
-                    </a:p>
-                  </a:txBody>
-                  <a:tcPr marL="91450" marR="91450" marT="45725" marB="45725">
-                    <a:lnL w="12700" cap="flat" cmpd="sng" algn="ctr">
-                      <a:solidFill>
-                        <a:srgbClr val="BFBFBF"/>
-                      </a:solidFill>
-                      <a:prstDash val="solid"/>
-                      <a:round/>
-                      <a:headEnd type="none" w="sm" len="sm"/>
-                      <a:tailEnd type="none" w="sm" len="sm"/>
-                    </a:lnL>
-                    <a:lnR w="12700" cap="flat" cmpd="sng">
-                      <a:solidFill>
-                        <a:srgbClr val="BFBFBF"/>
-                      </a:solidFill>
-                      <a:prstDash val="solid"/>
-                      <a:round/>
-                      <a:headEnd type="none" w="sm" len="sm"/>
-                      <a:tailEnd type="none" w="sm" len="sm"/>
-                    </a:lnR>
-                    <a:lnT w="12700" cap="flat" cmpd="sng" algn="ctr">
-                      <a:solidFill>
-                        <a:srgbClr val="BFBFBF"/>
-                      </a:solidFill>
-                      <a:prstDash val="solid"/>
-                      <a:round/>
-                      <a:headEnd type="none" w="sm" len="sm"/>
-                      <a:tailEnd type="none" w="sm" len="sm"/>
-                    </a:lnT>
-                    <a:lnB w="12700" cap="flat" cmpd="sng" algn="ctr">
-                      <a:solidFill>
-                        <a:srgbClr val="BFBFBF"/>
-                      </a:solidFill>
-                      <a:prstDash val="solid"/>
-                      <a:round/>
-                      <a:headEnd type="none" w="sm" len="sm"/>
-                      <a:tailEnd type="none" w="sm" len="sm"/>
-                    </a:lnB>
-                    <a:solidFill>
-                      <a:schemeClr val="lt1"/>
-                    </a:solidFill>
-                  </a:tcPr>
-                </a:tc>
-                <a:extLst>
-                  <a:ext uri="{0D108BD9-81ED-4DB2-BD59-A6C34878D82A}">
-                    <a16:rowId xmlns:a16="http://schemas.microsoft.com/office/drawing/2014/main" val="10005"/>
-                  </a:ext>
-                </a:extLst>
-              </a:tr>
-              <a:tr h="370850">
-                <a:tc>
-                  <a:txBody>
-                    <a:bodyPr/>
-                    <a:lstStyle/>
-                    <a:p>
-                      <a:pPr marL="0" marR="0" lvl="0" indent="0" algn="ctr" rtl="0">
-                        <a:spcBef>
-                          <a:spcPts val="0"/>
-                        </a:spcBef>
-                        <a:spcAft>
-                          <a:spcPts val="0"/>
-                        </a:spcAft>
-                        <a:buNone/>
-                      </a:pPr>
-                      <a:r>
-                        <a:rPr lang="en-US" sz="1800" dirty="0">
-                          <a:latin typeface="Quattrocento Sans"/>
-                          <a:ea typeface="Quattrocento Sans"/>
-                          <a:cs typeface="Quattrocento Sans"/>
-                          <a:sym typeface="Quattrocento Sans"/>
-                        </a:rPr>
-                        <a:t>F</a:t>
-                      </a:r>
-                      <a:endParaRPr dirty="0">
-                        <a:latin typeface="Quattrocento Sans"/>
-                        <a:ea typeface="Quattrocento Sans"/>
-                        <a:cs typeface="Quattrocento Sans"/>
-                        <a:sym typeface="Quattrocento Sans"/>
-                      </a:endParaRPr>
-                    </a:p>
-                  </a:txBody>
-                  <a:tcPr marL="91450" marR="91450" marT="45725" marB="45725">
-                    <a:lnL w="12700" cap="flat" cmpd="sng">
-                      <a:solidFill>
-                        <a:srgbClr val="BFBFBF"/>
-                      </a:solidFill>
-                      <a:prstDash val="solid"/>
-                      <a:round/>
-                      <a:headEnd type="none" w="sm" len="sm"/>
-                      <a:tailEnd type="none" w="sm" len="sm"/>
-                    </a:lnL>
-                    <a:lnR w="12700" cap="flat" cmpd="sng">
-                      <a:solidFill>
-                        <a:srgbClr val="BFBFBF"/>
-                      </a:solidFill>
-                      <a:prstDash val="solid"/>
-                      <a:round/>
-                      <a:headEnd type="none" w="sm" len="sm"/>
-                      <a:tailEnd type="none" w="sm" len="sm"/>
-                    </a:lnR>
-                    <a:lnT w="12700" cap="flat" cmpd="sng">
-                      <a:solidFill>
-                        <a:srgbClr val="BFBFBF"/>
-                      </a:solidFill>
-                      <a:prstDash val="solid"/>
-                      <a:round/>
-                      <a:headEnd type="none" w="sm" len="sm"/>
-                      <a:tailEnd type="none" w="sm" len="sm"/>
-                    </a:lnT>
-                    <a:lnB w="12700" cap="flat" cmpd="sng">
-                      <a:solidFill>
-                        <a:srgbClr val="BFBFBF"/>
-                      </a:solidFill>
-                      <a:prstDash val="solid"/>
-                      <a:round/>
-                      <a:headEnd type="none" w="sm" len="sm"/>
-                      <a:tailEnd type="none" w="sm" len="sm"/>
-                    </a:lnB>
-                    <a:solidFill>
-                      <a:schemeClr val="lt1"/>
-                    </a:solidFill>
-                  </a:tcPr>
-                </a:tc>
-                <a:tc>
-                  <a:txBody>
-                    <a:bodyPr/>
-                    <a:lstStyle/>
-                    <a:p>
-                      <a:pPr marL="0" marR="0" lvl="0" indent="0" algn="ctr" rtl="0">
-                        <a:lnSpc>
-                          <a:spcPct val="100000"/>
-                        </a:lnSpc>
-                        <a:spcBef>
-                          <a:spcPts val="0"/>
-                        </a:spcBef>
-                        <a:spcAft>
-                          <a:spcPts val="0"/>
-                        </a:spcAft>
-                        <a:buClr>
-                          <a:srgbClr val="000000"/>
-                        </a:buClr>
-                        <a:buFont typeface="Arial"/>
-                        <a:buNone/>
-                      </a:pPr>
-                      <a:endParaRPr sz="1800" b="0" i="0" u="none" strike="noStrike" cap="none" dirty="0">
-                        <a:solidFill>
-                          <a:schemeClr val="tx1"/>
-                        </a:solidFill>
-                        <a:latin typeface="Quattrocento Sans"/>
-                        <a:ea typeface="Quattrocento Sans"/>
-                        <a:cs typeface="Quattrocento Sans"/>
-                        <a:sym typeface="Quattrocento Sans"/>
-                      </a:endParaRPr>
-                    </a:p>
-                  </a:txBody>
-                  <a:tcPr marL="91450" marR="91450" marT="45725" marB="45725">
-                    <a:lnL w="12700" cap="flat" cmpd="sng" algn="ctr">
-                      <a:solidFill>
-                        <a:srgbClr val="BFBFBF"/>
-                      </a:solidFill>
-                      <a:prstDash val="solid"/>
-                      <a:round/>
-                      <a:headEnd type="none" w="sm" len="sm"/>
-                      <a:tailEnd type="none" w="sm" len="sm"/>
-                    </a:lnL>
-                    <a:lnR w="12700" cap="flat" cmpd="sng">
                       <a:solidFill>
                         <a:srgbClr val="BFBFBF"/>
                       </a:solidFill>
@@ -21971,84 +21030,11 @@
                 </a:tc>
                 <a:extLst>
                   <a:ext uri="{0D108BD9-81ED-4DB2-BD59-A6C34878D82A}">
-                    <a16:rowId xmlns:a16="http://schemas.microsoft.com/office/drawing/2014/main" val="10006"/>
+                    <a16:rowId xmlns:a16="http://schemas.microsoft.com/office/drawing/2014/main" val="10004"/>
                   </a:ext>
                 </a:extLst>
               </a:tr>
               <a:tr h="370850">
-                <a:tc>
-                  <a:txBody>
-                    <a:bodyPr/>
-                    <a:lstStyle/>
-                    <a:p>
-                      <a:pPr marL="0" marR="0" lvl="0" indent="0" algn="ctr" rtl="0">
-                        <a:spcBef>
-                          <a:spcPts val="0"/>
-                        </a:spcBef>
-                        <a:spcAft>
-                          <a:spcPts val="0"/>
-                        </a:spcAft>
-                        <a:buNone/>
-                      </a:pPr>
-                      <a:r>
-                        <a:rPr lang="en-US" sz="1800" dirty="0">
-                          <a:latin typeface="Quattrocento Sans"/>
-                          <a:ea typeface="Quattrocento Sans"/>
-                          <a:cs typeface="Quattrocento Sans"/>
-                          <a:sym typeface="Quattrocento Sans"/>
-                        </a:rPr>
-                        <a:t>G</a:t>
-                      </a:r>
-                      <a:endParaRPr dirty="0">
-                        <a:latin typeface="Quattrocento Sans"/>
-                        <a:ea typeface="Quattrocento Sans"/>
-                        <a:cs typeface="Quattrocento Sans"/>
-                        <a:sym typeface="Quattrocento Sans"/>
-                      </a:endParaRPr>
-                    </a:p>
-                  </a:txBody>
-                  <a:tcPr marL="91450" marR="91450" marT="45725" marB="45725">
-                    <a:lnL w="12700" cap="flat" cmpd="sng">
-                      <a:solidFill>
-                        <a:srgbClr val="BFBFBF"/>
-                      </a:solidFill>
-                      <a:prstDash val="solid"/>
-                      <a:round/>
-                      <a:headEnd type="none" w="sm" len="sm"/>
-                      <a:tailEnd type="none" w="sm" len="sm"/>
-                    </a:lnL>
-                    <a:lnR w="12700" cap="flat" cmpd="sng">
-                      <a:solidFill>
-                        <a:srgbClr val="BFBFBF"/>
-                      </a:solidFill>
-                      <a:prstDash val="solid"/>
-                      <a:round/>
-                      <a:headEnd type="none" w="sm" len="sm"/>
-                      <a:tailEnd type="none" w="sm" len="sm"/>
-                    </a:lnR>
-                    <a:lnT w="12700" cap="flat" cmpd="sng">
-                      <a:solidFill>
-                        <a:srgbClr val="BFBFBF"/>
-                      </a:solidFill>
-                      <a:prstDash val="solid"/>
-                      <a:round/>
-                      <a:headEnd type="none" w="sm" len="sm"/>
-                      <a:tailEnd type="none" w="sm" len="sm"/>
-                    </a:lnT>
-                    <a:lnB w="12700" cap="flat" cmpd="sng">
-                      <a:solidFill>
-                        <a:srgbClr val="BFBFBF"/>
-                      </a:solidFill>
-                      <a:prstDash val="solid"/>
-                      <a:round/>
-                      <a:headEnd type="none" w="sm" len="sm"/>
-                      <a:tailEnd type="none" w="sm" len="sm"/>
-                    </a:lnB>
-                    <a:solidFill>
-                      <a:schemeClr val="lt1"/>
-                    </a:solidFill>
-                  </a:tcPr>
-                </a:tc>
                 <a:tc>
                   <a:txBody>
                     <a:bodyPr/>
@@ -22070,6 +21056,18 @@
                         <a:buFont typeface="Arial"/>
                         <a:buNone/>
                       </a:pPr>
+                      <a:r>
+                        <a:rPr lang="en-GB" sz="1800" b="0" i="0" u="none" strike="noStrike" cap="none" dirty="0">
+                          <a:solidFill>
+                            <a:schemeClr val="tx1"/>
+                          </a:solidFill>
+                          <a:latin typeface="Quattrocento Sans"/>
+                          <a:ea typeface="Quattrocento Sans"/>
+                          <a:cs typeface="Quattrocento Sans"/>
+                          <a:sym typeface="Quattrocento Sans"/>
+                        </a:rPr>
+                        <a:t>5</a:t>
+                      </a:r>
                       <a:endParaRPr sz="1800" b="0" i="0" u="none" strike="noStrike" cap="none" dirty="0">
                         <a:solidFill>
                           <a:schemeClr val="tx1"/>
@@ -22091,7 +21089,7 @@
                       <a:headEnd type="none" w="sm" len="sm"/>
                       <a:tailEnd type="none" w="sm" len="sm"/>
                     </a:lnL>
-                    <a:lnR w="12700" cap="flat" cmpd="sng">
+                    <a:lnR w="12700" cap="flat" cmpd="sng" algn="ctr">
                       <a:solidFill>
                         <a:srgbClr val="BFBFBF"/>
                       </a:solidFill>
@@ -22109,7 +21107,241 @@
                       <a:headEnd type="none" w="sm" len="sm"/>
                       <a:tailEnd type="none" w="sm" len="sm"/>
                     </a:lnT>
-                    <a:lnB w="12700" cap="flat" cmpd="sng">
+                    <a:lnB w="12700" cap="flat" cmpd="sng" algn="ctr">
+                      <a:solidFill>
+                        <a:srgbClr val="BFBFBF"/>
+                      </a:solidFill>
+                      <a:prstDash val="solid"/>
+                      <a:round/>
+                      <a:headEnd type="none" w="sm" len="sm"/>
+                      <a:tailEnd type="none" w="sm" len="sm"/>
+                    </a:lnB>
+                    <a:solidFill>
+                      <a:schemeClr val="lt1"/>
+                    </a:solidFill>
+                  </a:tcPr>
+                </a:tc>
+                <a:tc>
+                  <a:txBody>
+                    <a:bodyPr/>
+                    <a:lstStyle/>
+                    <a:p>
+                      <a:pPr marL="0" marR="0" lvl="0" indent="0" algn="ctr" defTabSz="914400" rtl="0" eaLnBrk="1" fontAlgn="auto" latinLnBrk="0" hangingPunct="1">
+                        <a:lnSpc>
+                          <a:spcPct val="100000"/>
+                        </a:lnSpc>
+                        <a:spcBef>
+                          <a:spcPts val="0"/>
+                        </a:spcBef>
+                        <a:spcAft>
+                          <a:spcPts val="0"/>
+                        </a:spcAft>
+                        <a:buClr>
+                          <a:srgbClr val="000000"/>
+                        </a:buClr>
+                        <a:buSzTx/>
+                        <a:buFont typeface="Arial"/>
+                        <a:buNone/>
+                        <a:tabLst/>
+                        <a:defRPr/>
+                      </a:pPr>
+                      <a:endParaRPr lang="en-US" sz="1800" dirty="0">
+                        <a:solidFill>
+                          <a:schemeClr val="dk1"/>
+                        </a:solidFill>
+                        <a:latin typeface="Quattrocento Sans"/>
+                        <a:ea typeface="Quattrocento Sans"/>
+                        <a:cs typeface="Quattrocento Sans"/>
+                        <a:sym typeface="Quattrocento Sans"/>
+                      </a:endParaRPr>
+                    </a:p>
+                  </a:txBody>
+                  <a:tcPr marL="91450" marR="91450" marT="45725" marB="45725">
+                    <a:lnL w="12700" cap="flat" cmpd="sng" algn="ctr">
+                      <a:solidFill>
+                        <a:srgbClr val="BFBFBF"/>
+                      </a:solidFill>
+                      <a:prstDash val="solid"/>
+                      <a:round/>
+                      <a:headEnd type="none" w="sm" len="sm"/>
+                      <a:tailEnd type="none" w="sm" len="sm"/>
+                    </a:lnL>
+                    <a:lnR w="12700" cap="flat" cmpd="sng" algn="ctr">
+                      <a:solidFill>
+                        <a:srgbClr val="BFBFBF"/>
+                      </a:solidFill>
+                      <a:prstDash val="solid"/>
+                      <a:round/>
+                      <a:headEnd type="none" w="sm" len="sm"/>
+                      <a:tailEnd type="none" w="sm" len="sm"/>
+                    </a:lnR>
+                    <a:lnT w="12700" cap="flat" cmpd="sng" algn="ctr">
+                      <a:solidFill>
+                        <a:srgbClr val="BFBFBF"/>
+                      </a:solidFill>
+                      <a:prstDash val="solid"/>
+                      <a:round/>
+                      <a:headEnd type="none" w="sm" len="sm"/>
+                      <a:tailEnd type="none" w="sm" len="sm"/>
+                    </a:lnT>
+                    <a:lnB w="12700" cap="flat" cmpd="sng" algn="ctr">
+                      <a:solidFill>
+                        <a:srgbClr val="BFBFBF"/>
+                      </a:solidFill>
+                      <a:prstDash val="solid"/>
+                      <a:round/>
+                      <a:headEnd type="none" w="sm" len="sm"/>
+                      <a:tailEnd type="none" w="sm" len="sm"/>
+                    </a:lnB>
+                    <a:solidFill>
+                      <a:schemeClr val="lt1"/>
+                    </a:solidFill>
+                  </a:tcPr>
+                </a:tc>
+                <a:tc>
+                  <a:txBody>
+                    <a:bodyPr/>
+                    <a:lstStyle/>
+                    <a:p>
+                      <a:pPr marL="0" marR="0" lvl="0" indent="0" algn="ctr" rtl="0">
+                        <a:spcBef>
+                          <a:spcPts val="0"/>
+                        </a:spcBef>
+                        <a:spcAft>
+                          <a:spcPts val="0"/>
+                        </a:spcAft>
+                        <a:buNone/>
+                      </a:pPr>
+                      <a:endParaRPr sz="1800" dirty="0">
+                        <a:latin typeface="Quattrocento Sans"/>
+                        <a:ea typeface="Quattrocento Sans"/>
+                        <a:cs typeface="Quattrocento Sans"/>
+                        <a:sym typeface="Quattrocento Sans"/>
+                      </a:endParaRPr>
+                    </a:p>
+                  </a:txBody>
+                  <a:tcPr marL="91450" marR="91450" marT="45725" marB="45725">
+                    <a:lnL w="12700" cap="flat" cmpd="sng" algn="ctr">
+                      <a:solidFill>
+                        <a:srgbClr val="BFBFBF"/>
+                      </a:solidFill>
+                      <a:prstDash val="solid"/>
+                      <a:round/>
+                      <a:headEnd type="none" w="sm" len="sm"/>
+                      <a:tailEnd type="none" w="sm" len="sm"/>
+                    </a:lnL>
+                    <a:lnR w="12700" cap="flat" cmpd="sng">
+                      <a:solidFill>
+                        <a:srgbClr val="BFBFBF"/>
+                      </a:solidFill>
+                      <a:prstDash val="solid"/>
+                      <a:round/>
+                      <a:headEnd type="none" w="sm" len="sm"/>
+                      <a:tailEnd type="none" w="sm" len="sm"/>
+                    </a:lnR>
+                    <a:lnT w="12700" cap="flat" cmpd="sng" algn="ctr">
+                      <a:solidFill>
+                        <a:srgbClr val="BFBFBF"/>
+                      </a:solidFill>
+                      <a:prstDash val="solid"/>
+                      <a:round/>
+                      <a:headEnd type="none" w="sm" len="sm"/>
+                      <a:tailEnd type="none" w="sm" len="sm"/>
+                    </a:lnT>
+                    <a:lnB w="12700" cap="flat" cmpd="sng" algn="ctr">
+                      <a:solidFill>
+                        <a:srgbClr val="BFBFBF"/>
+                      </a:solidFill>
+                      <a:prstDash val="solid"/>
+                      <a:round/>
+                      <a:headEnd type="none" w="sm" len="sm"/>
+                      <a:tailEnd type="none" w="sm" len="sm"/>
+                    </a:lnB>
+                    <a:solidFill>
+                      <a:schemeClr val="lt1"/>
+                    </a:solidFill>
+                  </a:tcPr>
+                </a:tc>
+                <a:extLst>
+                  <a:ext uri="{0D108BD9-81ED-4DB2-BD59-A6C34878D82A}">
+                    <a16:rowId xmlns:a16="http://schemas.microsoft.com/office/drawing/2014/main" val="10005"/>
+                  </a:ext>
+                </a:extLst>
+              </a:tr>
+              <a:tr h="370850">
+                <a:tc>
+                  <a:txBody>
+                    <a:bodyPr/>
+                    <a:lstStyle/>
+                    <a:p>
+                      <a:pPr marL="0" marR="0" lvl="0" indent="0" algn="ctr" rtl="0">
+                        <a:lnSpc>
+                          <a:spcPct val="100000"/>
+                        </a:lnSpc>
+                        <a:spcBef>
+                          <a:spcPts val="0"/>
+                        </a:spcBef>
+                        <a:spcAft>
+                          <a:spcPts val="0"/>
+                        </a:spcAft>
+                        <a:buClr>
+                          <a:srgbClr val="000000"/>
+                        </a:buClr>
+                        <a:buFont typeface="Arial"/>
+                        <a:buNone/>
+                      </a:pPr>
+                      <a:r>
+                        <a:rPr lang="en-GB" sz="1800" b="0" i="0" u="none" strike="noStrike" cap="none" dirty="0">
+                          <a:solidFill>
+                            <a:schemeClr val="tx1"/>
+                          </a:solidFill>
+                          <a:latin typeface="Quattrocento Sans"/>
+                          <a:ea typeface="Quattrocento Sans"/>
+                          <a:cs typeface="Quattrocento Sans"/>
+                          <a:sym typeface="Quattrocento Sans"/>
+                        </a:rPr>
+                        <a:t>6</a:t>
+                      </a:r>
+                      <a:endParaRPr sz="1800" b="0" i="0" u="none" strike="noStrike" cap="none" dirty="0">
+                        <a:solidFill>
+                          <a:schemeClr val="tx1"/>
+                        </a:solidFill>
+                        <a:latin typeface="Quattrocento Sans"/>
+                        <a:ea typeface="Quattrocento Sans"/>
+                        <a:cs typeface="Quattrocento Sans"/>
+                        <a:sym typeface="Quattrocento Sans"/>
+                      </a:endParaRPr>
+                    </a:p>
+                  </a:txBody>
+                  <a:tcPr marL="91450" marR="91450" marT="45725" marB="45725">
+                    <a:lnL w="12700" cap="flat" cmpd="sng" algn="ctr">
+                      <a:solidFill>
+                        <a:srgbClr val="BFBFBF"/>
+                      </a:solidFill>
+                      <a:prstDash val="solid"/>
+                      <a:round/>
+                      <a:headEnd type="none" w="sm" len="sm"/>
+                      <a:tailEnd type="none" w="sm" len="sm"/>
+                    </a:lnL>
+                    <a:lnR w="12700" cap="flat" cmpd="sng" algn="ctr">
+                      <a:solidFill>
+                        <a:srgbClr val="BFBFBF"/>
+                      </a:solidFill>
+                      <a:prstDash val="solid"/>
+                      <a:round/>
+                      <a:headEnd type="none" w="sm" len="sm"/>
+                      <a:tailEnd type="none" w="sm" len="sm"/>
+                    </a:lnR>
+                    <a:lnT w="12700" cap="flat" cmpd="sng" algn="ctr">
+                      <a:solidFill>
+                        <a:srgbClr val="BFBFBF"/>
+                      </a:solidFill>
+                      <a:prstDash val="solid"/>
+                      <a:round/>
+                      <a:headEnd type="none" w="sm" len="sm"/>
+                      <a:tailEnd type="none" w="sm" len="sm"/>
+                    </a:lnT>
+                    <a:lnB w="12700" cap="flat" cmpd="sng" algn="ctr">
                       <a:solidFill>
                         <a:srgbClr val="BFBFBF"/>
                       </a:solidFill>
@@ -22183,7 +21415,7 @@
                       <a:headEnd type="none" w="sm" len="sm"/>
                       <a:tailEnd type="none" w="sm" len="sm"/>
                     </a:lnT>
-                    <a:lnB w="12700" cap="flat" cmpd="sng">
+                    <a:lnB w="12700" cap="flat" cmpd="sng" algn="ctr">
                       <a:solidFill>
                         <a:srgbClr val="BFBFBF"/>
                       </a:solidFill>
@@ -22247,7 +21479,7 @@
                       <a:headEnd type="none" w="sm" len="sm"/>
                       <a:tailEnd type="none" w="sm" len="sm"/>
                     </a:lnT>
-                    <a:lnB w="12700" cap="flat" cmpd="sng">
+                    <a:lnB w="12700" cap="flat" cmpd="sng" algn="ctr">
                       <a:solidFill>
                         <a:srgbClr val="BFBFBF"/>
                       </a:solidFill>
@@ -22263,7 +21495,7 @@
                 </a:tc>
                 <a:extLst>
                   <a:ext uri="{0D108BD9-81ED-4DB2-BD59-A6C34878D82A}">
-                    <a16:rowId xmlns:a16="http://schemas.microsoft.com/office/drawing/2014/main" val="10007"/>
+                    <a16:rowId xmlns:a16="http://schemas.microsoft.com/office/drawing/2014/main" val="10006"/>
                   </a:ext>
                 </a:extLst>
               </a:tr>
@@ -22350,7 +21582,7 @@
         </p:nvSpPr>
         <p:spPr>
           <a:xfrm>
-            <a:off x="1728015" y="4777777"/>
+            <a:off x="1728015" y="5120680"/>
             <a:ext cx="285900" cy="279600"/>
           </a:xfrm>
           <a:prstGeom prst="ellipse">
@@ -22414,7 +21646,7 @@
         </p:nvSpPr>
         <p:spPr>
           <a:xfrm>
-            <a:off x="3638441" y="3722419"/>
+            <a:off x="3638441" y="4065322"/>
             <a:ext cx="285900" cy="279600"/>
           </a:xfrm>
           <a:prstGeom prst="ellipse">
@@ -22478,7 +21710,7 @@
         </p:nvSpPr>
         <p:spPr>
           <a:xfrm>
-            <a:off x="3031018" y="5682363"/>
+            <a:off x="3031018" y="6025266"/>
             <a:ext cx="285900" cy="279600"/>
           </a:xfrm>
           <a:prstGeom prst="ellipse">
@@ -22542,7 +21774,7 @@
         </p:nvSpPr>
         <p:spPr>
           <a:xfrm>
-            <a:off x="5070761" y="5477288"/>
+            <a:off x="5070761" y="5820191"/>
             <a:ext cx="388800" cy="380400"/>
           </a:xfrm>
           <a:prstGeom prst="ellipse">
@@ -22606,7 +21838,7 @@
         </p:nvSpPr>
         <p:spPr>
           <a:xfrm>
-            <a:off x="5358246" y="3971763"/>
+            <a:off x="5358246" y="4314666"/>
             <a:ext cx="285900" cy="279600"/>
           </a:xfrm>
           <a:prstGeom prst="ellipse">
@@ -22670,7 +21902,7 @@
         </p:nvSpPr>
         <p:spPr>
           <a:xfrm>
-            <a:off x="3140507" y="4597438"/>
+            <a:off x="3140507" y="4940341"/>
             <a:ext cx="285900" cy="279600"/>
           </a:xfrm>
           <a:prstGeom prst="ellipse">
@@ -22734,7 +21966,7 @@
         </p:nvCxnSpPr>
         <p:spPr>
           <a:xfrm flipH="1">
-            <a:off x="1971941" y="3909378"/>
+            <a:off x="1971941" y="4252281"/>
             <a:ext cx="1666500" cy="956400"/>
           </a:xfrm>
           <a:prstGeom prst="straightConnector1">
@@ -22769,7 +22001,7 @@
         </p:nvCxnSpPr>
         <p:spPr>
           <a:xfrm>
-            <a:off x="1972046" y="5016431"/>
+            <a:off x="1972046" y="5359334"/>
             <a:ext cx="1059000" cy="805800"/>
           </a:xfrm>
           <a:prstGeom prst="straightConnector1">
@@ -22804,7 +22036,7 @@
         </p:nvCxnSpPr>
         <p:spPr>
           <a:xfrm rot="10800000" flipH="1">
-            <a:off x="3173968" y="4877163"/>
+            <a:off x="3173968" y="5220066"/>
             <a:ext cx="109500" cy="805200"/>
           </a:xfrm>
           <a:prstGeom prst="straightConnector1">
@@ -22839,7 +22071,7 @@
         </p:nvCxnSpPr>
         <p:spPr>
           <a:xfrm flipH="1">
-            <a:off x="2014007" y="4737238"/>
+            <a:off x="2014007" y="5080141"/>
             <a:ext cx="1126500" cy="180300"/>
           </a:xfrm>
           <a:prstGeom prst="straightConnector1">
@@ -22874,7 +22106,7 @@
         </p:nvCxnSpPr>
         <p:spPr>
           <a:xfrm rot="10800000" flipH="1">
-            <a:off x="3384538" y="4111584"/>
+            <a:off x="3384538" y="4454487"/>
             <a:ext cx="1973700" cy="526800"/>
           </a:xfrm>
           <a:prstGeom prst="straightConnector1">
@@ -22909,7 +22141,7 @@
         </p:nvCxnSpPr>
         <p:spPr>
           <a:xfrm flipH="1">
-            <a:off x="5265096" y="4251363"/>
+            <a:off x="5265096" y="4594266"/>
             <a:ext cx="236100" cy="1225800"/>
           </a:xfrm>
           <a:prstGeom prst="straightConnector1">
@@ -22944,7 +22176,7 @@
         </p:nvCxnSpPr>
         <p:spPr>
           <a:xfrm flipH="1">
-            <a:off x="3316899" y="5801980"/>
+            <a:off x="3316899" y="6144883"/>
             <a:ext cx="1810800" cy="20100"/>
           </a:xfrm>
           <a:prstGeom prst="straightConnector1">
@@ -22979,7 +22211,7 @@
         </p:nvCxnSpPr>
         <p:spPr>
           <a:xfrm rot="10800000">
-            <a:off x="3924246" y="3862263"/>
+            <a:off x="3924246" y="4205166"/>
             <a:ext cx="1434000" cy="249300"/>
           </a:xfrm>
           <a:prstGeom prst="straightConnector1">
@@ -23014,7 +22246,7 @@
         </p:nvCxnSpPr>
         <p:spPr>
           <a:xfrm flipH="1">
-            <a:off x="3274915" y="4210417"/>
+            <a:off x="3274915" y="4553320"/>
             <a:ext cx="2125200" cy="1512900"/>
           </a:xfrm>
           <a:prstGeom prst="straightConnector1">
@@ -23049,7 +22281,7 @@
         </p:nvCxnSpPr>
         <p:spPr>
           <a:xfrm>
-            <a:off x="3781391" y="4002019"/>
+            <a:off x="3781391" y="4344922"/>
             <a:ext cx="1289400" cy="1665600"/>
           </a:xfrm>
           <a:prstGeom prst="straightConnector1">
@@ -23081,7 +22313,7 @@
         </p:nvSpPr>
         <p:spPr>
           <a:xfrm>
-            <a:off x="3022656" y="3102443"/>
+            <a:off x="3022656" y="3445346"/>
             <a:ext cx="534300" cy="369300"/>
           </a:xfrm>
           <a:prstGeom prst="rect">
@@ -23137,7 +22369,7 @@
         </p:nvSpPr>
         <p:spPr>
           <a:xfrm>
-            <a:off x="4005568" y="3485013"/>
+            <a:off x="4005568" y="3827916"/>
             <a:ext cx="318000" cy="369300"/>
           </a:xfrm>
           <a:prstGeom prst="rect">
@@ -23193,7 +22425,7 @@
         </p:nvSpPr>
         <p:spPr>
           <a:xfrm>
-            <a:off x="3866247" y="3960065"/>
+            <a:off x="3866247" y="4302968"/>
             <a:ext cx="318000" cy="369300"/>
           </a:xfrm>
           <a:prstGeom prst="rect">
@@ -23249,7 +22481,7 @@
         </p:nvSpPr>
         <p:spPr>
           <a:xfrm>
-            <a:off x="2520716" y="4525376"/>
+            <a:off x="2520716" y="4868279"/>
             <a:ext cx="318000" cy="369300"/>
           </a:xfrm>
           <a:prstGeom prst="rect">
@@ -23305,7 +22537,7 @@
         </p:nvSpPr>
         <p:spPr>
           <a:xfrm>
-            <a:off x="2273607" y="5419330"/>
+            <a:off x="2273607" y="5762233"/>
             <a:ext cx="318000" cy="369300"/>
           </a:xfrm>
           <a:prstGeom prst="rect">
@@ -23361,7 +22593,7 @@
         </p:nvSpPr>
         <p:spPr>
           <a:xfrm>
-            <a:off x="2960177" y="5020877"/>
+            <a:off x="2960177" y="5363780"/>
             <a:ext cx="318000" cy="369300"/>
           </a:xfrm>
           <a:prstGeom prst="rect">
@@ -23417,7 +22649,7 @@
         </p:nvSpPr>
         <p:spPr>
           <a:xfrm>
-            <a:off x="4048820" y="5788630"/>
+            <a:off x="4048820" y="6131533"/>
             <a:ext cx="318000" cy="369300"/>
           </a:xfrm>
           <a:prstGeom prst="rect">
@@ -23473,7 +22705,7 @@
         </p:nvSpPr>
         <p:spPr>
           <a:xfrm>
-            <a:off x="5331214" y="4764346"/>
+            <a:off x="5331214" y="5107249"/>
             <a:ext cx="318000" cy="369300"/>
           </a:xfrm>
           <a:prstGeom prst="rect">
@@ -23529,7 +22761,7 @@
         </p:nvSpPr>
         <p:spPr>
           <a:xfrm>
-            <a:off x="3761232" y="4465519"/>
+            <a:off x="3761232" y="4808422"/>
             <a:ext cx="405300" cy="369300"/>
           </a:xfrm>
           <a:prstGeom prst="rect">
@@ -23585,7 +22817,7 @@
         </p:nvSpPr>
         <p:spPr>
           <a:xfrm>
-            <a:off x="3340600" y="5224576"/>
+            <a:off x="3340600" y="5567479"/>
             <a:ext cx="318000" cy="369300"/>
           </a:xfrm>
           <a:prstGeom prst="rect">
@@ -23641,7 +22873,7 @@
         </p:nvSpPr>
         <p:spPr>
           <a:xfrm>
-            <a:off x="2423679" y="3064057"/>
+            <a:off x="2423679" y="3406960"/>
             <a:ext cx="285900" cy="279600"/>
           </a:xfrm>
           <a:prstGeom prst="ellipse">
@@ -23708,7 +22940,7 @@
         </p:nvCxnSpPr>
         <p:spPr>
           <a:xfrm rot="10800000">
-            <a:off x="2667810" y="3302565"/>
+            <a:off x="2667810" y="3645468"/>
             <a:ext cx="1012500" cy="460800"/>
           </a:xfrm>
           <a:prstGeom prst="straightConnector1">
@@ -23740,7 +22972,7 @@
         </p:nvSpPr>
         <p:spPr>
           <a:xfrm>
-            <a:off x="2605211" y="3917453"/>
+            <a:off x="2605211" y="4260356"/>
             <a:ext cx="534300" cy="369300"/>
           </a:xfrm>
           <a:prstGeom prst="rect">
@@ -23795,14 +23027,14 @@
           <p:nvPr>
             <p:extLst>
               <p:ext uri="{D42A27DB-BD31-4B8C-83A1-F6EECF244321}">
-                <p14:modId xmlns:p14="http://schemas.microsoft.com/office/powerpoint/2010/main" val="1011441621"/>
+                <p14:modId xmlns:p14="http://schemas.microsoft.com/office/powerpoint/2010/main" val="383727748"/>
               </p:ext>
             </p:extLst>
           </p:nvPr>
         </p:nvGraphicFramePr>
         <p:xfrm>
-          <a:off x="7045183" y="2711345"/>
-          <a:ext cx="3989312" cy="3236040"/>
+          <a:off x="7045183" y="3054248"/>
+          <a:ext cx="3261582" cy="2865190"/>
         </p:xfrm>
         <a:graphic>
           <a:graphicData uri="http://schemas.openxmlformats.org/drawingml/2006/table">
@@ -23811,13 +23043,6 @@
                 <a:noFill/>
               </a:tblPr>
               <a:tblGrid>
-                <a:gridCol w="727730">
-                  <a:extLst>
-                    <a:ext uri="{9D8B030D-6E8A-4147-A177-3AD203B41FA5}">
-                      <a16:colId xmlns:a16="http://schemas.microsoft.com/office/drawing/2014/main" val="20000"/>
-                    </a:ext>
-                  </a:extLst>
-                </a:gridCol>
                 <a:gridCol w="817786">
                   <a:extLst>
                     <a:ext uri="{9D8B030D-6E8A-4147-A177-3AD203B41FA5}">
@@ -23846,86 +23071,7 @@
                     <a:bodyPr/>
                     <a:lstStyle/>
                     <a:p>
-                      <a:pPr marL="0" marR="0" lvl="0" indent="0" algn="l" rtl="0">
-                        <a:spcBef>
-                          <a:spcPts val="0"/>
-                        </a:spcBef>
-                        <a:spcAft>
-                          <a:spcPts val="0"/>
-                        </a:spcAft>
-                        <a:buNone/>
-                      </a:pPr>
-                      <a:r>
-                        <a:rPr lang="en-US" sz="1800" dirty="0">
-                          <a:solidFill>
-                            <a:schemeClr val="tx1"/>
-                          </a:solidFill>
-                          <a:latin typeface="Quattrocento Sans"/>
-                          <a:ea typeface="Quattrocento Sans"/>
-                          <a:cs typeface="Quattrocento Sans"/>
-                          <a:sym typeface="Quattrocento Sans"/>
-                        </a:rPr>
-                        <a:t>Node</a:t>
-                      </a:r>
-                      <a:endParaRPr dirty="0">
-                        <a:solidFill>
-                          <a:schemeClr val="tx1"/>
-                        </a:solidFill>
-                        <a:latin typeface="Quattrocento Sans"/>
-                        <a:ea typeface="Quattrocento Sans"/>
-                        <a:cs typeface="Quattrocento Sans"/>
-                        <a:sym typeface="Quattrocento Sans"/>
-                      </a:endParaRPr>
-                    </a:p>
-                  </a:txBody>
-                  <a:tcPr marL="91450" marR="91450" marT="45725" marB="45725">
-                    <a:lnL w="12700" cap="flat" cmpd="sng">
-                      <a:solidFill>
-                        <a:srgbClr val="BFBFBF"/>
-                      </a:solidFill>
-                      <a:prstDash val="solid"/>
-                      <a:round/>
-                      <a:headEnd type="none" w="sm" len="sm"/>
-                      <a:tailEnd type="none" w="sm" len="sm"/>
-                    </a:lnL>
-                    <a:lnR w="12700" cap="flat" cmpd="sng">
-                      <a:solidFill>
-                        <a:srgbClr val="BFBFBF"/>
-                      </a:solidFill>
-                      <a:prstDash val="solid"/>
-                      <a:round/>
-                      <a:headEnd type="none" w="sm" len="sm"/>
-                      <a:tailEnd type="none" w="sm" len="sm"/>
-                    </a:lnR>
-                    <a:lnT w="12700" cap="flat" cmpd="sng">
-                      <a:solidFill>
-                        <a:srgbClr val="BFBFBF"/>
-                      </a:solidFill>
-                      <a:prstDash val="solid"/>
-                      <a:round/>
-                      <a:headEnd type="none" w="sm" len="sm"/>
-                      <a:tailEnd type="none" w="sm" len="sm"/>
-                    </a:lnT>
-                    <a:lnB w="38100" cap="flat" cmpd="sng">
-                      <a:solidFill>
-                        <a:srgbClr val="BFBFBF"/>
-                      </a:solidFill>
-                      <a:prstDash val="solid"/>
-                      <a:round/>
-                      <a:headEnd type="none" w="sm" len="sm"/>
-                      <a:tailEnd type="none" w="sm" len="sm"/>
-                    </a:lnB>
-                    <a:solidFill>
-                      <a:srgbClr val="A48DD3"/>
-                    </a:solidFill>
-                  </a:tcPr>
-                </a:tc>
-                <a:tc>
-                  <a:txBody>
-                    <a:bodyPr/>
-                    <a:lstStyle/>
-                    <a:p>
-                      <a:pPr marL="0" marR="0" lvl="0" indent="0" algn="l" rtl="0">
+                      <a:pPr marL="0" marR="0" lvl="0" indent="0" algn="ctr" rtl="0">
                         <a:spcBef>
                           <a:spcPts val="0"/>
                         </a:spcBef>
@@ -24025,7 +23171,7 @@
                     <a:bodyPr/>
                     <a:lstStyle/>
                     <a:p>
-                      <a:pPr marL="0" marR="0" lvl="0" indent="0" algn="l" rtl="0">
+                      <a:pPr marL="0" marR="0" lvl="0" indent="0" algn="ctr" rtl="0">
                         <a:spcBef>
                           <a:spcPts val="0"/>
                         </a:spcBef>
@@ -24041,7 +23187,7 @@
                           <a:cs typeface="Quattrocento Sans"/>
                           <a:sym typeface="Quattrocento Sans"/>
                         </a:rPr>
-                        <a:t>Best Edge</a:t>
+                        <a:t>Edge</a:t>
                       </a:r>
                       <a:endParaRPr dirty="0">
                         <a:latin typeface="Quattrocento Sans"/>
@@ -24098,7 +23244,7 @@
                     <a:bodyPr/>
                     <a:lstStyle/>
                     <a:p>
-                      <a:pPr marL="0" marR="0" lvl="0" indent="0" algn="l" rtl="0">
+                      <a:pPr marL="0" marR="0" lvl="0" indent="0" algn="ctr" rtl="0">
                         <a:spcBef>
                           <a:spcPts val="0"/>
                         </a:spcBef>
@@ -24167,79 +23313,6 @@
                 </a:extLst>
               </a:tr>
               <a:tr h="370850">
-                <a:tc>
-                  <a:txBody>
-                    <a:bodyPr/>
-                    <a:lstStyle/>
-                    <a:p>
-                      <a:pPr marL="0" marR="0" lvl="0" indent="0" algn="ctr" rtl="0">
-                        <a:spcBef>
-                          <a:spcPts val="0"/>
-                        </a:spcBef>
-                        <a:spcAft>
-                          <a:spcPts val="0"/>
-                        </a:spcAft>
-                        <a:buNone/>
-                      </a:pPr>
-                      <a:r>
-                        <a:rPr lang="en-US" sz="1800" dirty="0">
-                          <a:latin typeface="Quattrocento Sans"/>
-                          <a:ea typeface="Quattrocento Sans"/>
-                          <a:cs typeface="Quattrocento Sans"/>
-                          <a:sym typeface="Quattrocento Sans"/>
-                        </a:rPr>
-                        <a:t>A</a:t>
-                      </a:r>
-                      <a:endParaRPr dirty="0">
-                        <a:latin typeface="Quattrocento Sans"/>
-                        <a:ea typeface="Quattrocento Sans"/>
-                        <a:cs typeface="Quattrocento Sans"/>
-                        <a:sym typeface="Quattrocento Sans"/>
-                      </a:endParaRPr>
-                    </a:p>
-                  </a:txBody>
-                  <a:tcPr marL="91450" marR="91450" marT="45725" marB="45725">
-                    <a:lnL w="12700" cap="flat" cmpd="sng">
-                      <a:solidFill>
-                        <a:srgbClr val="BFBFBF"/>
-                      </a:solidFill>
-                      <a:prstDash val="solid"/>
-                      <a:round/>
-                      <a:headEnd type="none" w="sm" len="sm"/>
-                      <a:tailEnd type="none" w="sm" len="sm"/>
-                    </a:lnL>
-                    <a:lnR w="12700" cap="flat" cmpd="sng">
-                      <a:solidFill>
-                        <a:srgbClr val="BFBFBF"/>
-                      </a:solidFill>
-                      <a:prstDash val="solid"/>
-                      <a:round/>
-                      <a:headEnd type="none" w="sm" len="sm"/>
-                      <a:tailEnd type="none" w="sm" len="sm"/>
-                    </a:lnR>
-                    <a:lnT w="38100" cap="flat" cmpd="sng">
-                      <a:solidFill>
-                        <a:srgbClr val="BFBFBF"/>
-                      </a:solidFill>
-                      <a:prstDash val="solid"/>
-                      <a:round/>
-                      <a:headEnd type="none" w="sm" len="sm"/>
-                      <a:tailEnd type="none" w="sm" len="sm"/>
-                    </a:lnT>
-                    <a:lnB w="12700" cap="flat" cmpd="sng">
-                      <a:solidFill>
-                        <a:srgbClr val="BFBFBF"/>
-                      </a:solidFill>
-                      <a:prstDash val="solid"/>
-                      <a:round/>
-                      <a:headEnd type="none" w="sm" len="sm"/>
-                      <a:tailEnd type="none" w="sm" len="sm"/>
-                    </a:lnB>
-                    <a:solidFill>
-                      <a:schemeClr val="lt1"/>
-                    </a:solidFill>
-                  </a:tcPr>
-                </a:tc>
                 <a:tc>
                   <a:txBody>
                     <a:bodyPr/>
@@ -24294,7 +23367,7 @@
                       <a:headEnd type="none" w="sm" len="sm"/>
                       <a:tailEnd type="none" w="sm" len="sm"/>
                     </a:lnL>
-                    <a:lnR w="12700" cap="flat" cmpd="sng">
+                    <a:lnR w="12700" cap="flat" cmpd="sng" algn="ctr">
                       <a:solidFill>
                         <a:srgbClr val="BFBFBF"/>
                       </a:solidFill>
@@ -24304,322 +23377,6 @@
                       <a:tailEnd type="none" w="sm" len="sm"/>
                     </a:lnR>
                     <a:lnT w="38100" cap="flat" cmpd="sng" algn="ctr">
-                      <a:solidFill>
-                        <a:srgbClr val="BFBFBF"/>
-                      </a:solidFill>
-                      <a:prstDash val="solid"/>
-                      <a:round/>
-                      <a:headEnd type="none" w="sm" len="sm"/>
-                      <a:tailEnd type="none" w="sm" len="sm"/>
-                    </a:lnT>
-                    <a:lnB w="12700" cap="flat" cmpd="sng" algn="ctr">
-                      <a:solidFill>
-                        <a:srgbClr val="BFBFBF"/>
-                      </a:solidFill>
-                      <a:prstDash val="solid"/>
-                      <a:round/>
-                      <a:headEnd type="none" w="sm" len="sm"/>
-                      <a:tailEnd type="none" w="sm" len="sm"/>
-                    </a:lnB>
-                    <a:solidFill>
-                      <a:schemeClr val="lt1"/>
-                    </a:solidFill>
-                  </a:tcPr>
-                </a:tc>
-                <a:tc>
-                  <a:txBody>
-                    <a:bodyPr/>
-                    <a:lstStyle/>
-                    <a:p>
-                      <a:pPr marL="0" marR="0" lvl="0" indent="0" algn="ctr" defTabSz="914400" rtl="0" eaLnBrk="1" fontAlgn="auto" latinLnBrk="0" hangingPunct="1">
-                        <a:lnSpc>
-                          <a:spcPct val="100000"/>
-                        </a:lnSpc>
-                        <a:spcBef>
-                          <a:spcPts val="0"/>
-                        </a:spcBef>
-                        <a:spcAft>
-                          <a:spcPts val="0"/>
-                        </a:spcAft>
-                        <a:buClr>
-                          <a:srgbClr val="000000"/>
-                        </a:buClr>
-                        <a:buSzTx/>
-                        <a:buFont typeface="Arial"/>
-                        <a:buNone/>
-                        <a:tabLst/>
-                        <a:defRPr/>
-                      </a:pPr>
-                      <a:r>
-                        <a:rPr lang="en-GB" sz="1800" dirty="0">
-                          <a:latin typeface="Quattrocento Sans"/>
-                          <a:ea typeface="Quattrocento Sans"/>
-                          <a:cs typeface="Quattrocento Sans"/>
-                          <a:sym typeface="Quattrocento Sans"/>
-                        </a:rPr>
-                        <a:t>/</a:t>
-                      </a:r>
-                    </a:p>
-                  </a:txBody>
-                  <a:tcPr marL="91450" marR="91450" marT="45725" marB="45725">
-                    <a:lnL w="12700" cap="flat" cmpd="sng" algn="ctr">
-                      <a:solidFill>
-                        <a:srgbClr val="BFBFBF"/>
-                      </a:solidFill>
-                      <a:prstDash val="solid"/>
-                      <a:round/>
-                      <a:headEnd type="none" w="sm" len="sm"/>
-                      <a:tailEnd type="none" w="sm" len="sm"/>
-                    </a:lnL>
-                    <a:lnR w="12700" cap="flat" cmpd="sng" algn="ctr">
-                      <a:solidFill>
-                        <a:srgbClr val="BFBFBF"/>
-                      </a:solidFill>
-                      <a:prstDash val="solid"/>
-                      <a:round/>
-                      <a:headEnd type="none" w="sm" len="sm"/>
-                      <a:tailEnd type="none" w="sm" len="sm"/>
-                    </a:lnR>
-                    <a:lnT w="38100" cap="flat" cmpd="sng" algn="ctr">
-                      <a:solidFill>
-                        <a:srgbClr val="BFBFBF"/>
-                      </a:solidFill>
-                      <a:prstDash val="solid"/>
-                      <a:round/>
-                      <a:headEnd type="none" w="sm" len="sm"/>
-                      <a:tailEnd type="none" w="sm" len="sm"/>
-                    </a:lnT>
-                    <a:lnB w="12700" cap="flat" cmpd="sng" algn="ctr">
-                      <a:solidFill>
-                        <a:srgbClr val="BFBFBF"/>
-                      </a:solidFill>
-                      <a:prstDash val="solid"/>
-                      <a:round/>
-                      <a:headEnd type="none" w="sm" len="sm"/>
-                      <a:tailEnd type="none" w="sm" len="sm"/>
-                    </a:lnB>
-                    <a:solidFill>
-                      <a:schemeClr val="lt1"/>
-                    </a:solidFill>
-                  </a:tcPr>
-                </a:tc>
-                <a:tc>
-                  <a:txBody>
-                    <a:bodyPr/>
-                    <a:lstStyle/>
-                    <a:p>
-                      <a:pPr marL="0" marR="0" lvl="0" indent="0" algn="ctr" rtl="0">
-                        <a:spcBef>
-                          <a:spcPts val="0"/>
-                        </a:spcBef>
-                        <a:spcAft>
-                          <a:spcPts val="0"/>
-                        </a:spcAft>
-                        <a:buNone/>
-                      </a:pPr>
-                      <a:r>
-                        <a:rPr lang="en-GB" sz="1800" dirty="0">
-                          <a:latin typeface="Quattrocento Sans"/>
-                          <a:ea typeface="Quattrocento Sans"/>
-                          <a:cs typeface="Quattrocento Sans"/>
-                          <a:sym typeface="Quattrocento Sans"/>
-                        </a:rPr>
-                        <a:t>/</a:t>
-                      </a:r>
-                      <a:endParaRPr sz="1800" dirty="0">
-                        <a:latin typeface="Quattrocento Sans"/>
-                        <a:ea typeface="Quattrocento Sans"/>
-                        <a:cs typeface="Quattrocento Sans"/>
-                        <a:sym typeface="Quattrocento Sans"/>
-                      </a:endParaRPr>
-                    </a:p>
-                  </a:txBody>
-                  <a:tcPr marL="91450" marR="91450" marT="45725" marB="45725">
-                    <a:lnL w="12700" cap="flat" cmpd="sng" algn="ctr">
-                      <a:solidFill>
-                        <a:srgbClr val="BFBFBF"/>
-                      </a:solidFill>
-                      <a:prstDash val="solid"/>
-                      <a:round/>
-                      <a:headEnd type="none" w="sm" len="sm"/>
-                      <a:tailEnd type="none" w="sm" len="sm"/>
-                    </a:lnL>
-                    <a:lnR w="12700" cap="flat" cmpd="sng">
-                      <a:solidFill>
-                        <a:srgbClr val="BFBFBF"/>
-                      </a:solidFill>
-                      <a:prstDash val="solid"/>
-                      <a:round/>
-                      <a:headEnd type="none" w="sm" len="sm"/>
-                      <a:tailEnd type="none" w="sm" len="sm"/>
-                    </a:lnR>
-                    <a:lnT w="38100" cap="flat" cmpd="sng" algn="ctr">
-                      <a:solidFill>
-                        <a:srgbClr val="BFBFBF"/>
-                      </a:solidFill>
-                      <a:prstDash val="solid"/>
-                      <a:round/>
-                      <a:headEnd type="none" w="sm" len="sm"/>
-                      <a:tailEnd type="none" w="sm" len="sm"/>
-                    </a:lnT>
-                    <a:lnB w="12700" cap="flat" cmpd="sng" algn="ctr">
-                      <a:solidFill>
-                        <a:srgbClr val="BFBFBF"/>
-                      </a:solidFill>
-                      <a:prstDash val="solid"/>
-                      <a:round/>
-                      <a:headEnd type="none" w="sm" len="sm"/>
-                      <a:tailEnd type="none" w="sm" len="sm"/>
-                    </a:lnB>
-                    <a:solidFill>
-                      <a:schemeClr val="lt1"/>
-                    </a:solidFill>
-                  </a:tcPr>
-                </a:tc>
-                <a:extLst>
-                  <a:ext uri="{0D108BD9-81ED-4DB2-BD59-A6C34878D82A}">
-                    <a16:rowId xmlns:a16="http://schemas.microsoft.com/office/drawing/2014/main" val="10001"/>
-                  </a:ext>
-                </a:extLst>
-              </a:tr>
-              <a:tr h="370850">
-                <a:tc>
-                  <a:txBody>
-                    <a:bodyPr/>
-                    <a:lstStyle/>
-                    <a:p>
-                      <a:pPr marL="0" marR="0" lvl="0" indent="0" algn="ctr" rtl="0">
-                        <a:spcBef>
-                          <a:spcPts val="0"/>
-                        </a:spcBef>
-                        <a:spcAft>
-                          <a:spcPts val="0"/>
-                        </a:spcAft>
-                        <a:buNone/>
-                      </a:pPr>
-                      <a:r>
-                        <a:rPr lang="en-US" sz="1800" dirty="0">
-                          <a:latin typeface="Quattrocento Sans"/>
-                          <a:ea typeface="Quattrocento Sans"/>
-                          <a:cs typeface="Quattrocento Sans"/>
-                          <a:sym typeface="Quattrocento Sans"/>
-                        </a:rPr>
-                        <a:t>B</a:t>
-                      </a:r>
-                      <a:endParaRPr dirty="0">
-                        <a:latin typeface="Quattrocento Sans"/>
-                        <a:ea typeface="Quattrocento Sans"/>
-                        <a:cs typeface="Quattrocento Sans"/>
-                        <a:sym typeface="Quattrocento Sans"/>
-                      </a:endParaRPr>
-                    </a:p>
-                  </a:txBody>
-                  <a:tcPr marL="91450" marR="91450" marT="45725" marB="45725">
-                    <a:lnL w="12700" cap="flat" cmpd="sng">
-                      <a:solidFill>
-                        <a:srgbClr val="BFBFBF"/>
-                      </a:solidFill>
-                      <a:prstDash val="solid"/>
-                      <a:round/>
-                      <a:headEnd type="none" w="sm" len="sm"/>
-                      <a:tailEnd type="none" w="sm" len="sm"/>
-                    </a:lnL>
-                    <a:lnR w="12700" cap="flat" cmpd="sng">
-                      <a:solidFill>
-                        <a:srgbClr val="BFBFBF"/>
-                      </a:solidFill>
-                      <a:prstDash val="solid"/>
-                      <a:round/>
-                      <a:headEnd type="none" w="sm" len="sm"/>
-                      <a:tailEnd type="none" w="sm" len="sm"/>
-                    </a:lnR>
-                    <a:lnT w="12700" cap="flat" cmpd="sng">
-                      <a:solidFill>
-                        <a:srgbClr val="BFBFBF"/>
-                      </a:solidFill>
-                      <a:prstDash val="solid"/>
-                      <a:round/>
-                      <a:headEnd type="none" w="sm" len="sm"/>
-                      <a:tailEnd type="none" w="sm" len="sm"/>
-                    </a:lnT>
-                    <a:lnB w="12700" cap="flat" cmpd="sng">
-                      <a:solidFill>
-                        <a:srgbClr val="BFBFBF"/>
-                      </a:solidFill>
-                      <a:prstDash val="solid"/>
-                      <a:round/>
-                      <a:headEnd type="none" w="sm" len="sm"/>
-                      <a:tailEnd type="none" w="sm" len="sm"/>
-                    </a:lnB>
-                    <a:solidFill>
-                      <a:schemeClr val="lt1"/>
-                    </a:solidFill>
-                  </a:tcPr>
-                </a:tc>
-                <a:tc>
-                  <a:txBody>
-                    <a:bodyPr/>
-                    <a:lstStyle/>
-                    <a:p>
-                      <a:pPr marL="0" marR="0" lvl="0" indent="0" algn="ctr" rtl="0">
-                        <a:lnSpc>
-                          <a:spcPct val="100000"/>
-                        </a:lnSpc>
-                        <a:spcBef>
-                          <a:spcPts val="0"/>
-                        </a:spcBef>
-                        <a:spcAft>
-                          <a:spcPts val="0"/>
-                        </a:spcAft>
-                        <a:buClr>
-                          <a:srgbClr val="000000"/>
-                        </a:buClr>
-                        <a:buFont typeface="Arial"/>
-                        <a:buNone/>
-                      </a:pPr>
-                      <a:r>
-                        <a:rPr lang="en-GB" sz="1800" b="0" i="0" u="none" strike="noStrike" cap="none" dirty="0">
-                          <a:solidFill>
-                            <a:schemeClr val="tx1"/>
-                          </a:solidFill>
-                          <a:latin typeface="Quattrocento Sans"/>
-                          <a:ea typeface="Quattrocento Sans"/>
-                          <a:cs typeface="Quattrocento Sans"/>
-                          <a:sym typeface="Quattrocento Sans"/>
-                        </a:rPr>
-                        <a:t>2</a:t>
-                      </a:r>
-                      <a:endParaRPr sz="1800" b="0" i="0" u="none" strike="noStrike" cap="none" dirty="0">
-                        <a:solidFill>
-                          <a:schemeClr val="tx1"/>
-                        </a:solidFill>
-                        <a:latin typeface="Quattrocento Sans"/>
-                        <a:ea typeface="Quattrocento Sans"/>
-                        <a:cs typeface="Quattrocento Sans"/>
-                        <a:sym typeface="Quattrocento Sans"/>
-                      </a:endParaRPr>
-                    </a:p>
-                  </a:txBody>
-                  <a:tcPr marL="91450" marR="91450" marT="45725" marB="45725">
-                    <a:lnL w="12700" cap="flat" cmpd="sng" algn="ctr">
-                      <a:solidFill>
-                        <a:srgbClr val="BFBFBF"/>
-                      </a:solidFill>
-                      <a:prstDash val="solid"/>
-                      <a:round/>
-                      <a:headEnd type="none" w="sm" len="sm"/>
-                      <a:tailEnd type="none" w="sm" len="sm"/>
-                    </a:lnL>
-                    <a:lnR w="12700" cap="flat" cmpd="sng">
-                      <a:solidFill>
-                        <a:srgbClr val="BFBFBF"/>
-                      </a:solidFill>
-                      <a:prstDash val="solid"/>
-                      <a:round/>
-                      <a:headEnd type="none" w="sm" len="sm"/>
-                      <a:tailEnd type="none" w="sm" len="sm"/>
-                    </a:lnR>
-                    <a:lnT w="12700" cap="flat" cmpd="sng" algn="ctr">
                       <a:solidFill>
                         <a:srgbClr val="BFBFBF"/>
                       </a:solidFill>
@@ -24705,7 +23462,7 @@
                       <a:headEnd type="none" w="sm" len="sm"/>
                       <a:tailEnd type="none" w="sm" len="sm"/>
                     </a:lnR>
-                    <a:lnT w="12700" cap="flat" cmpd="sng" algn="ctr">
+                    <a:lnT w="38100" cap="flat" cmpd="sng" algn="ctr">
                       <a:solidFill>
                         <a:srgbClr val="BFBFBF"/>
                       </a:solidFill>
@@ -24778,7 +23535,7 @@
                       <a:headEnd type="none" w="sm" len="sm"/>
                       <a:tailEnd type="none" w="sm" len="sm"/>
                     </a:lnR>
-                    <a:lnT w="12700" cap="flat" cmpd="sng" algn="ctr">
+                    <a:lnT w="38100" cap="flat" cmpd="sng" algn="ctr">
                       <a:solidFill>
                         <a:srgbClr val="BFBFBF"/>
                       </a:solidFill>
@@ -24803,84 +23560,11 @@
                 </a:tc>
                 <a:extLst>
                   <a:ext uri="{0D108BD9-81ED-4DB2-BD59-A6C34878D82A}">
-                    <a16:rowId xmlns:a16="http://schemas.microsoft.com/office/drawing/2014/main" val="10002"/>
+                    <a16:rowId xmlns:a16="http://schemas.microsoft.com/office/drawing/2014/main" val="10001"/>
                   </a:ext>
                 </a:extLst>
               </a:tr>
               <a:tr h="370850">
-                <a:tc>
-                  <a:txBody>
-                    <a:bodyPr/>
-                    <a:lstStyle/>
-                    <a:p>
-                      <a:pPr marL="0" marR="0" lvl="0" indent="0" algn="ctr" rtl="0">
-                        <a:spcBef>
-                          <a:spcPts val="0"/>
-                        </a:spcBef>
-                        <a:spcAft>
-                          <a:spcPts val="0"/>
-                        </a:spcAft>
-                        <a:buNone/>
-                      </a:pPr>
-                      <a:r>
-                        <a:rPr lang="en-US" sz="1800" dirty="0">
-                          <a:latin typeface="Quattrocento Sans"/>
-                          <a:ea typeface="Quattrocento Sans"/>
-                          <a:cs typeface="Quattrocento Sans"/>
-                          <a:sym typeface="Quattrocento Sans"/>
-                        </a:rPr>
-                        <a:t>C</a:t>
-                      </a:r>
-                      <a:endParaRPr dirty="0">
-                        <a:latin typeface="Quattrocento Sans"/>
-                        <a:ea typeface="Quattrocento Sans"/>
-                        <a:cs typeface="Quattrocento Sans"/>
-                        <a:sym typeface="Quattrocento Sans"/>
-                      </a:endParaRPr>
-                    </a:p>
-                  </a:txBody>
-                  <a:tcPr marL="91450" marR="91450" marT="45725" marB="45725">
-                    <a:lnL w="12700" cap="flat" cmpd="sng">
-                      <a:solidFill>
-                        <a:srgbClr val="BFBFBF"/>
-                      </a:solidFill>
-                      <a:prstDash val="solid"/>
-                      <a:round/>
-                      <a:headEnd type="none" w="sm" len="sm"/>
-                      <a:tailEnd type="none" w="sm" len="sm"/>
-                    </a:lnL>
-                    <a:lnR w="12700" cap="flat" cmpd="sng">
-                      <a:solidFill>
-                        <a:srgbClr val="BFBFBF"/>
-                      </a:solidFill>
-                      <a:prstDash val="solid"/>
-                      <a:round/>
-                      <a:headEnd type="none" w="sm" len="sm"/>
-                      <a:tailEnd type="none" w="sm" len="sm"/>
-                    </a:lnR>
-                    <a:lnT w="12700" cap="flat" cmpd="sng">
-                      <a:solidFill>
-                        <a:srgbClr val="BFBFBF"/>
-                      </a:solidFill>
-                      <a:prstDash val="solid"/>
-                      <a:round/>
-                      <a:headEnd type="none" w="sm" len="sm"/>
-                      <a:tailEnd type="none" w="sm" len="sm"/>
-                    </a:lnT>
-                    <a:lnB w="12700" cap="flat" cmpd="sng">
-                      <a:solidFill>
-                        <a:srgbClr val="BFBFBF"/>
-                      </a:solidFill>
-                      <a:prstDash val="solid"/>
-                      <a:round/>
-                      <a:headEnd type="none" w="sm" len="sm"/>
-                      <a:tailEnd type="none" w="sm" len="sm"/>
-                    </a:lnB>
-                    <a:solidFill>
-                      <a:schemeClr val="lt1"/>
-                    </a:solidFill>
-                  </a:tcPr>
-                </a:tc>
                 <a:tc>
                   <a:txBody>
                     <a:bodyPr/>
@@ -24912,7 +23596,7 @@
                           <a:cs typeface="Quattrocento Sans"/>
                           <a:sym typeface="Quattrocento Sans"/>
                         </a:rPr>
-                        <a:t>3</a:t>
+                        <a:t>2</a:t>
                       </a:r>
                       <a:endParaRPr sz="1800" b="0" i="0" u="none" strike="noStrike" cap="none" dirty="0">
                         <a:solidFill>
@@ -24935,7 +23619,7 @@
                       <a:headEnd type="none" w="sm" len="sm"/>
                       <a:tailEnd type="none" w="sm" len="sm"/>
                     </a:lnL>
-                    <a:lnR w="12700" cap="flat" cmpd="sng">
+                    <a:lnR w="12700" cap="flat" cmpd="sng" algn="ctr">
                       <a:solidFill>
                         <a:srgbClr val="BFBFBF"/>
                       </a:solidFill>
@@ -25128,84 +23812,11 @@
                 </a:tc>
                 <a:extLst>
                   <a:ext uri="{0D108BD9-81ED-4DB2-BD59-A6C34878D82A}">
-                    <a16:rowId xmlns:a16="http://schemas.microsoft.com/office/drawing/2014/main" val="10003"/>
+                    <a16:rowId xmlns:a16="http://schemas.microsoft.com/office/drawing/2014/main" val="10002"/>
                   </a:ext>
                 </a:extLst>
               </a:tr>
               <a:tr h="370850">
-                <a:tc>
-                  <a:txBody>
-                    <a:bodyPr/>
-                    <a:lstStyle/>
-                    <a:p>
-                      <a:pPr marL="0" marR="0" lvl="0" indent="0" algn="ctr" rtl="0">
-                        <a:spcBef>
-                          <a:spcPts val="0"/>
-                        </a:spcBef>
-                        <a:spcAft>
-                          <a:spcPts val="0"/>
-                        </a:spcAft>
-                        <a:buNone/>
-                      </a:pPr>
-                      <a:r>
-                        <a:rPr lang="en-US" sz="1800" dirty="0">
-                          <a:latin typeface="Quattrocento Sans"/>
-                          <a:ea typeface="Quattrocento Sans"/>
-                          <a:cs typeface="Quattrocento Sans"/>
-                          <a:sym typeface="Quattrocento Sans"/>
-                        </a:rPr>
-                        <a:t>D</a:t>
-                      </a:r>
-                      <a:endParaRPr dirty="0">
-                        <a:latin typeface="Quattrocento Sans"/>
-                        <a:ea typeface="Quattrocento Sans"/>
-                        <a:cs typeface="Quattrocento Sans"/>
-                        <a:sym typeface="Quattrocento Sans"/>
-                      </a:endParaRPr>
-                    </a:p>
-                  </a:txBody>
-                  <a:tcPr marL="91450" marR="91450" marT="45725" marB="45725">
-                    <a:lnL w="12700" cap="flat" cmpd="sng">
-                      <a:solidFill>
-                        <a:srgbClr val="BFBFBF"/>
-                      </a:solidFill>
-                      <a:prstDash val="solid"/>
-                      <a:round/>
-                      <a:headEnd type="none" w="sm" len="sm"/>
-                      <a:tailEnd type="none" w="sm" len="sm"/>
-                    </a:lnL>
-                    <a:lnR w="12700" cap="flat" cmpd="sng">
-                      <a:solidFill>
-                        <a:srgbClr val="BFBFBF"/>
-                      </a:solidFill>
-                      <a:prstDash val="solid"/>
-                      <a:round/>
-                      <a:headEnd type="none" w="sm" len="sm"/>
-                      <a:tailEnd type="none" w="sm" len="sm"/>
-                    </a:lnR>
-                    <a:lnT w="12700" cap="flat" cmpd="sng">
-                      <a:solidFill>
-                        <a:srgbClr val="BFBFBF"/>
-                      </a:solidFill>
-                      <a:prstDash val="solid"/>
-                      <a:round/>
-                      <a:headEnd type="none" w="sm" len="sm"/>
-                      <a:tailEnd type="none" w="sm" len="sm"/>
-                    </a:lnT>
-                    <a:lnB w="12700" cap="flat" cmpd="sng">
-                      <a:solidFill>
-                        <a:srgbClr val="BFBFBF"/>
-                      </a:solidFill>
-                      <a:prstDash val="solid"/>
-                      <a:round/>
-                      <a:headEnd type="none" w="sm" len="sm"/>
-                      <a:tailEnd type="none" w="sm" len="sm"/>
-                    </a:lnB>
-                    <a:solidFill>
-                      <a:schemeClr val="lt1"/>
-                    </a:solidFill>
-                  </a:tcPr>
-                </a:tc>
                 <a:tc>
                   <a:txBody>
                     <a:bodyPr/>
@@ -25237,7 +23848,7 @@
                           <a:cs typeface="Quattrocento Sans"/>
                           <a:sym typeface="Quattrocento Sans"/>
                         </a:rPr>
-                        <a:t>4</a:t>
+                        <a:t>3</a:t>
                       </a:r>
                       <a:endParaRPr sz="1800" b="0" i="0" u="none" strike="noStrike" cap="none" dirty="0">
                         <a:solidFill>
@@ -25260,7 +23871,7 @@
                       <a:headEnd type="none" w="sm" len="sm"/>
                       <a:tailEnd type="none" w="sm" len="sm"/>
                     </a:lnL>
-                    <a:lnR w="12700" cap="flat" cmpd="sng">
+                    <a:lnR w="12700" cap="flat" cmpd="sng" algn="ctr">
                       <a:solidFill>
                         <a:srgbClr val="BFBFBF"/>
                       </a:solidFill>
@@ -25459,11 +24070,177 @@
                 </a:tc>
                 <a:extLst>
                   <a:ext uri="{0D108BD9-81ED-4DB2-BD59-A6C34878D82A}">
-                    <a16:rowId xmlns:a16="http://schemas.microsoft.com/office/drawing/2014/main" val="10004"/>
+                    <a16:rowId xmlns:a16="http://schemas.microsoft.com/office/drawing/2014/main" val="10003"/>
                   </a:ext>
                 </a:extLst>
               </a:tr>
               <a:tr h="370850">
+                <a:tc>
+                  <a:txBody>
+                    <a:bodyPr/>
+                    <a:lstStyle/>
+                    <a:p>
+                      <a:pPr marL="0" marR="0" lvl="0" indent="0" algn="ctr" rtl="0">
+                        <a:lnSpc>
+                          <a:spcPct val="100000"/>
+                        </a:lnSpc>
+                        <a:spcBef>
+                          <a:spcPts val="0"/>
+                        </a:spcBef>
+                        <a:spcAft>
+                          <a:spcPts val="0"/>
+                        </a:spcAft>
+                        <a:buClr>
+                          <a:srgbClr val="000000"/>
+                        </a:buClr>
+                        <a:buFont typeface="Arial"/>
+                        <a:buNone/>
+                      </a:pPr>
+                      <a:r>
+                        <a:rPr lang="en-GB" sz="1800" b="0" i="0" u="none" strike="noStrike" cap="none" dirty="0">
+                          <a:solidFill>
+                            <a:schemeClr val="tx1"/>
+                          </a:solidFill>
+                          <a:latin typeface="Quattrocento Sans"/>
+                          <a:ea typeface="Quattrocento Sans"/>
+                          <a:cs typeface="Quattrocento Sans"/>
+                          <a:sym typeface="Quattrocento Sans"/>
+                        </a:rPr>
+                        <a:t>4</a:t>
+                      </a:r>
+                      <a:endParaRPr sz="1800" b="0" i="0" u="none" strike="noStrike" cap="none" dirty="0">
+                        <a:solidFill>
+                          <a:schemeClr val="tx1"/>
+                        </a:solidFill>
+                        <a:latin typeface="Quattrocento Sans"/>
+                        <a:ea typeface="Quattrocento Sans"/>
+                        <a:cs typeface="Quattrocento Sans"/>
+                        <a:sym typeface="Quattrocento Sans"/>
+                      </a:endParaRPr>
+                    </a:p>
+                  </a:txBody>
+                  <a:tcPr marL="91450" marR="91450" marT="45725" marB="45725">
+                    <a:lnL w="12700" cap="flat" cmpd="sng" algn="ctr">
+                      <a:solidFill>
+                        <a:srgbClr val="BFBFBF"/>
+                      </a:solidFill>
+                      <a:prstDash val="solid"/>
+                      <a:round/>
+                      <a:headEnd type="none" w="sm" len="sm"/>
+                      <a:tailEnd type="none" w="sm" len="sm"/>
+                    </a:lnL>
+                    <a:lnR w="12700" cap="flat" cmpd="sng" algn="ctr">
+                      <a:solidFill>
+                        <a:srgbClr val="BFBFBF"/>
+                      </a:solidFill>
+                      <a:prstDash val="solid"/>
+                      <a:round/>
+                      <a:headEnd type="none" w="sm" len="sm"/>
+                      <a:tailEnd type="none" w="sm" len="sm"/>
+                    </a:lnR>
+                    <a:lnT w="12700" cap="flat" cmpd="sng" algn="ctr">
+                      <a:solidFill>
+                        <a:srgbClr val="BFBFBF"/>
+                      </a:solidFill>
+                      <a:prstDash val="solid"/>
+                      <a:round/>
+                      <a:headEnd type="none" w="sm" len="sm"/>
+                      <a:tailEnd type="none" w="sm" len="sm"/>
+                    </a:lnT>
+                    <a:lnB w="12700" cap="flat" cmpd="sng" algn="ctr">
+                      <a:solidFill>
+                        <a:srgbClr val="BFBFBF"/>
+                      </a:solidFill>
+                      <a:prstDash val="solid"/>
+                      <a:round/>
+                      <a:headEnd type="none" w="sm" len="sm"/>
+                      <a:tailEnd type="none" w="sm" len="sm"/>
+                    </a:lnB>
+                    <a:solidFill>
+                      <a:schemeClr val="lt1"/>
+                    </a:solidFill>
+                  </a:tcPr>
+                </a:tc>
+                <a:tc>
+                  <a:txBody>
+                    <a:bodyPr/>
+                    <a:lstStyle/>
+                    <a:p>
+                      <a:pPr marL="0" marR="0" lvl="0" indent="0" algn="ctr" defTabSz="914400" rtl="0" eaLnBrk="1" fontAlgn="auto" latinLnBrk="0" hangingPunct="1">
+                        <a:lnSpc>
+                          <a:spcPct val="100000"/>
+                        </a:lnSpc>
+                        <a:spcBef>
+                          <a:spcPts val="0"/>
+                        </a:spcBef>
+                        <a:spcAft>
+                          <a:spcPts val="0"/>
+                        </a:spcAft>
+                        <a:buClr>
+                          <a:srgbClr val="000000"/>
+                        </a:buClr>
+                        <a:buSzTx/>
+                        <a:buFont typeface="Arial"/>
+                        <a:buNone/>
+                        <a:tabLst/>
+                        <a:defRPr/>
+                      </a:pPr>
+                      <a:r>
+                        <a:rPr lang="en-US" sz="1800" dirty="0">
+                          <a:solidFill>
+                            <a:schemeClr val="dk1"/>
+                          </a:solidFill>
+                          <a:latin typeface="Quattrocento Sans"/>
+                          <a:ea typeface="Quattrocento Sans"/>
+                          <a:cs typeface="Quattrocento Sans"/>
+                          <a:sym typeface="Quattrocento Sans"/>
+                        </a:rPr>
+                        <a:t>(B, F)</a:t>
+                      </a:r>
+                    </a:p>
+                  </a:txBody>
+                  <a:tcPr marL="91450" marR="91450" marT="45725" marB="45725">
+                    <a:lnL w="12700" cap="flat" cmpd="sng" algn="ctr">
+                      <a:solidFill>
+                        <a:srgbClr val="BFBFBF"/>
+                      </a:solidFill>
+                      <a:prstDash val="solid"/>
+                      <a:round/>
+                      <a:headEnd type="none" w="sm" len="sm"/>
+                      <a:tailEnd type="none" w="sm" len="sm"/>
+                    </a:lnL>
+                    <a:lnR w="12700" cap="flat" cmpd="sng" algn="ctr">
+                      <a:solidFill>
+                        <a:srgbClr val="BFBFBF"/>
+                      </a:solidFill>
+                      <a:prstDash val="solid"/>
+                      <a:round/>
+                      <a:headEnd type="none" w="sm" len="sm"/>
+                      <a:tailEnd type="none" w="sm" len="sm"/>
+                    </a:lnR>
+                    <a:lnT w="12700" cap="flat" cmpd="sng" algn="ctr">
+                      <a:solidFill>
+                        <a:srgbClr val="BFBFBF"/>
+                      </a:solidFill>
+                      <a:prstDash val="solid"/>
+                      <a:round/>
+                      <a:headEnd type="none" w="sm" len="sm"/>
+                      <a:tailEnd type="none" w="sm" len="sm"/>
+                    </a:lnT>
+                    <a:lnB w="12700" cap="flat" cmpd="sng" algn="ctr">
+                      <a:solidFill>
+                        <a:srgbClr val="BFBFBF"/>
+                      </a:solidFill>
+                      <a:prstDash val="solid"/>
+                      <a:round/>
+                      <a:headEnd type="none" w="sm" len="sm"/>
+                      <a:tailEnd type="none" w="sm" len="sm"/>
+                    </a:lnB>
+                    <a:solidFill>
+                      <a:schemeClr val="lt1"/>
+                    </a:solidFill>
+                  </a:tcPr>
+                </a:tc>
                 <a:tc>
                   <a:txBody>
                     <a:bodyPr/>
@@ -25479,15 +24256,15 @@
                         <a:buNone/>
                       </a:pPr>
                       <a:r>
-                        <a:rPr lang="en-US" sz="1800" dirty="0">
+                        <a:rPr lang="en-GB" sz="1800" dirty="0">
                           <a:latin typeface="Quattrocento Sans"/>
                           <a:ea typeface="Quattrocento Sans"/>
                           <a:cs typeface="Quattrocento Sans"/>
                           <a:sym typeface="Quattrocento Sans"/>
                         </a:rPr>
-                        <a:t>E</a:t>
+                        <a:t>3</a:t>
                       </a:r>
-                      <a:endParaRPr dirty="0">
+                      <a:endParaRPr sz="1800" dirty="0">
                         <a:latin typeface="Quattrocento Sans"/>
                         <a:ea typeface="Quattrocento Sans"/>
                         <a:cs typeface="Quattrocento Sans"/>
@@ -25496,7 +24273,7 @@
                     </a:p>
                   </a:txBody>
                   <a:tcPr marL="91450" marR="91450" marT="45725" marB="45725">
-                    <a:lnL w="12700" cap="flat" cmpd="sng">
+                    <a:lnL w="12700" cap="flat" cmpd="sng" algn="ctr">
                       <a:solidFill>
                         <a:srgbClr val="BFBFBF"/>
                       </a:solidFill>
@@ -25514,7 +24291,7 @@
                       <a:headEnd type="none" w="sm" len="sm"/>
                       <a:tailEnd type="none" w="sm" len="sm"/>
                     </a:lnR>
-                    <a:lnT w="12700" cap="flat" cmpd="sng">
+                    <a:lnT w="12700" cap="flat" cmpd="sng" algn="ctr">
                       <a:solidFill>
                         <a:srgbClr val="BFBFBF"/>
                       </a:solidFill>
@@ -25523,7 +24300,7 @@
                       <a:headEnd type="none" w="sm" len="sm"/>
                       <a:tailEnd type="none" w="sm" len="sm"/>
                     </a:lnT>
-                    <a:lnB w="12700" cap="flat" cmpd="sng">
+                    <a:lnB w="12700" cap="flat" cmpd="sng" algn="ctr">
                       <a:solidFill>
                         <a:srgbClr val="BFBFBF"/>
                       </a:solidFill>
@@ -25537,6 +24314,13 @@
                     </a:solidFill>
                   </a:tcPr>
                 </a:tc>
+                <a:extLst>
+                  <a:ext uri="{0D108BD9-81ED-4DB2-BD59-A6C34878D82A}">
+                    <a16:rowId xmlns:a16="http://schemas.microsoft.com/office/drawing/2014/main" val="10004"/>
+                  </a:ext>
+                </a:extLst>
+              </a:tr>
+              <a:tr h="370850">
                 <a:tc>
                   <a:txBody>
                     <a:bodyPr/>
@@ -25591,7 +24375,7 @@
                       <a:headEnd type="none" w="sm" len="sm"/>
                       <a:tailEnd type="none" w="sm" len="sm"/>
                     </a:lnL>
-                    <a:lnR w="12700" cap="flat" cmpd="sng">
+                    <a:lnR w="12700" cap="flat" cmpd="sng" algn="ctr">
                       <a:solidFill>
                         <a:srgbClr val="BFBFBF"/>
                       </a:solidFill>
@@ -25652,9 +24436,6 @@
                           <a:solidFill>
                             <a:schemeClr val="dk1"/>
                           </a:solidFill>
-                          <a:highlight>
-                            <a:schemeClr val="lt1"/>
-                          </a:highlight>
                           <a:latin typeface="Quattrocento Sans"/>
                           <a:ea typeface="Quattrocento Sans"/>
                           <a:cs typeface="Quattrocento Sans"/>
@@ -25662,15 +24443,6 @@
                         </a:rPr>
                         <a:t>(C, E)</a:t>
                       </a:r>
-                      <a:endParaRPr lang="en-US" sz="1800" dirty="0">
-                        <a:highlight>
-                          <a:schemeClr val="lt1"/>
-                        </a:highlight>
-                        <a:latin typeface="Quattrocento Sans"/>
-                        <a:ea typeface="Quattrocento Sans"/>
-                        <a:cs typeface="Quattrocento Sans"/>
-                        <a:sym typeface="Quattrocento Sans"/>
-                      </a:endParaRPr>
                     </a:p>
                   </a:txBody>
                   <a:tcPr marL="91450" marR="91450" marT="45725" marB="45725">
@@ -25795,79 +24567,6 @@
                 </a:extLst>
               </a:tr>
               <a:tr h="370850">
-                <a:tc>
-                  <a:txBody>
-                    <a:bodyPr/>
-                    <a:lstStyle/>
-                    <a:p>
-                      <a:pPr marL="0" marR="0" lvl="0" indent="0" algn="ctr" rtl="0">
-                        <a:spcBef>
-                          <a:spcPts val="0"/>
-                        </a:spcBef>
-                        <a:spcAft>
-                          <a:spcPts val="0"/>
-                        </a:spcAft>
-                        <a:buNone/>
-                      </a:pPr>
-                      <a:r>
-                        <a:rPr lang="en-US" sz="1800" dirty="0">
-                          <a:latin typeface="Quattrocento Sans"/>
-                          <a:ea typeface="Quattrocento Sans"/>
-                          <a:cs typeface="Quattrocento Sans"/>
-                          <a:sym typeface="Quattrocento Sans"/>
-                        </a:rPr>
-                        <a:t>F</a:t>
-                      </a:r>
-                      <a:endParaRPr dirty="0">
-                        <a:latin typeface="Quattrocento Sans"/>
-                        <a:ea typeface="Quattrocento Sans"/>
-                        <a:cs typeface="Quattrocento Sans"/>
-                        <a:sym typeface="Quattrocento Sans"/>
-                      </a:endParaRPr>
-                    </a:p>
-                  </a:txBody>
-                  <a:tcPr marL="91450" marR="91450" marT="45725" marB="45725">
-                    <a:lnL w="12700" cap="flat" cmpd="sng">
-                      <a:solidFill>
-                        <a:srgbClr val="BFBFBF"/>
-                      </a:solidFill>
-                      <a:prstDash val="solid"/>
-                      <a:round/>
-                      <a:headEnd type="none" w="sm" len="sm"/>
-                      <a:tailEnd type="none" w="sm" len="sm"/>
-                    </a:lnL>
-                    <a:lnR w="12700" cap="flat" cmpd="sng">
-                      <a:solidFill>
-                        <a:srgbClr val="BFBFBF"/>
-                      </a:solidFill>
-                      <a:prstDash val="solid"/>
-                      <a:round/>
-                      <a:headEnd type="none" w="sm" len="sm"/>
-                      <a:tailEnd type="none" w="sm" len="sm"/>
-                    </a:lnR>
-                    <a:lnT w="12700" cap="flat" cmpd="sng">
-                      <a:solidFill>
-                        <a:srgbClr val="BFBFBF"/>
-                      </a:solidFill>
-                      <a:prstDash val="solid"/>
-                      <a:round/>
-                      <a:headEnd type="none" w="sm" len="sm"/>
-                      <a:tailEnd type="none" w="sm" len="sm"/>
-                    </a:lnT>
-                    <a:lnB w="12700" cap="flat" cmpd="sng">
-                      <a:solidFill>
-                        <a:srgbClr val="BFBFBF"/>
-                      </a:solidFill>
-                      <a:prstDash val="solid"/>
-                      <a:round/>
-                      <a:headEnd type="none" w="sm" len="sm"/>
-                      <a:tailEnd type="none" w="sm" len="sm"/>
-                    </a:lnB>
-                    <a:solidFill>
-                      <a:schemeClr val="lt1"/>
-                    </a:solidFill>
-                  </a:tcPr>
-                </a:tc>
                 <a:tc>
                   <a:txBody>
                     <a:bodyPr/>
@@ -25922,7 +24621,7 @@
                       <a:headEnd type="none" w="sm" len="sm"/>
                       <a:tailEnd type="none" w="sm" len="sm"/>
                     </a:lnL>
-                    <a:lnR w="12700" cap="flat" cmpd="sng">
+                    <a:lnR w="12700" cap="flat" cmpd="sng" algn="ctr">
                       <a:solidFill>
                         <a:srgbClr val="BFBFBF"/>
                       </a:solidFill>
@@ -25941,325 +24640,6 @@
                       <a:tailEnd type="none" w="sm" len="sm"/>
                     </a:lnT>
                     <a:lnB w="12700" cap="flat" cmpd="sng" algn="ctr">
-                      <a:solidFill>
-                        <a:srgbClr val="BFBFBF"/>
-                      </a:solidFill>
-                      <a:prstDash val="solid"/>
-                      <a:round/>
-                      <a:headEnd type="none" w="sm" len="sm"/>
-                      <a:tailEnd type="none" w="sm" len="sm"/>
-                    </a:lnB>
-                    <a:solidFill>
-                      <a:schemeClr val="lt1"/>
-                    </a:solidFill>
-                  </a:tcPr>
-                </a:tc>
-                <a:tc>
-                  <a:txBody>
-                    <a:bodyPr/>
-                    <a:lstStyle/>
-                    <a:p>
-                      <a:pPr marL="0" marR="0" lvl="0" indent="0" algn="ctr" defTabSz="914400" rtl="0" eaLnBrk="1" fontAlgn="auto" latinLnBrk="0" hangingPunct="1">
-                        <a:lnSpc>
-                          <a:spcPct val="100000"/>
-                        </a:lnSpc>
-                        <a:spcBef>
-                          <a:spcPts val="0"/>
-                        </a:spcBef>
-                        <a:spcAft>
-                          <a:spcPts val="0"/>
-                        </a:spcAft>
-                        <a:buClr>
-                          <a:srgbClr val="000000"/>
-                        </a:buClr>
-                        <a:buSzTx/>
-                        <a:buFont typeface="Arial"/>
-                        <a:buNone/>
-                        <a:tabLst/>
-                        <a:defRPr/>
-                      </a:pPr>
-                      <a:r>
-                        <a:rPr lang="en-US" sz="1800" dirty="0">
-                          <a:solidFill>
-                            <a:schemeClr val="dk1"/>
-                          </a:solidFill>
-                          <a:latin typeface="Quattrocento Sans"/>
-                          <a:ea typeface="Quattrocento Sans"/>
-                          <a:cs typeface="Quattrocento Sans"/>
-                          <a:sym typeface="Quattrocento Sans"/>
-                        </a:rPr>
-                        <a:t>(B, F)</a:t>
-                      </a:r>
-                    </a:p>
-                  </a:txBody>
-                  <a:tcPr marL="91450" marR="91450" marT="45725" marB="45725">
-                    <a:lnL w="12700" cap="flat" cmpd="sng" algn="ctr">
-                      <a:solidFill>
-                        <a:srgbClr val="BFBFBF"/>
-                      </a:solidFill>
-                      <a:prstDash val="solid"/>
-                      <a:round/>
-                      <a:headEnd type="none" w="sm" len="sm"/>
-                      <a:tailEnd type="none" w="sm" len="sm"/>
-                    </a:lnL>
-                    <a:lnR w="12700" cap="flat" cmpd="sng" algn="ctr">
-                      <a:solidFill>
-                        <a:srgbClr val="BFBFBF"/>
-                      </a:solidFill>
-                      <a:prstDash val="solid"/>
-                      <a:round/>
-                      <a:headEnd type="none" w="sm" len="sm"/>
-                      <a:tailEnd type="none" w="sm" len="sm"/>
-                    </a:lnR>
-                    <a:lnT w="12700" cap="flat" cmpd="sng" algn="ctr">
-                      <a:solidFill>
-                        <a:srgbClr val="BFBFBF"/>
-                      </a:solidFill>
-                      <a:prstDash val="solid"/>
-                      <a:round/>
-                      <a:headEnd type="none" w="sm" len="sm"/>
-                      <a:tailEnd type="none" w="sm" len="sm"/>
-                    </a:lnT>
-                    <a:lnB w="12700" cap="flat" cmpd="sng" algn="ctr">
-                      <a:solidFill>
-                        <a:srgbClr val="BFBFBF"/>
-                      </a:solidFill>
-                      <a:prstDash val="solid"/>
-                      <a:round/>
-                      <a:headEnd type="none" w="sm" len="sm"/>
-                      <a:tailEnd type="none" w="sm" len="sm"/>
-                    </a:lnB>
-                    <a:solidFill>
-                      <a:schemeClr val="lt1"/>
-                    </a:solidFill>
-                  </a:tcPr>
-                </a:tc>
-                <a:tc>
-                  <a:txBody>
-                    <a:bodyPr/>
-                    <a:lstStyle/>
-                    <a:p>
-                      <a:pPr marL="0" marR="0" lvl="0" indent="0" algn="ctr" rtl="0">
-                        <a:spcBef>
-                          <a:spcPts val="0"/>
-                        </a:spcBef>
-                        <a:spcAft>
-                          <a:spcPts val="0"/>
-                        </a:spcAft>
-                        <a:buNone/>
-                      </a:pPr>
-                      <a:r>
-                        <a:rPr lang="en-GB" sz="1800" dirty="0">
-                          <a:latin typeface="Quattrocento Sans"/>
-                          <a:ea typeface="Quattrocento Sans"/>
-                          <a:cs typeface="Quattrocento Sans"/>
-                          <a:sym typeface="Quattrocento Sans"/>
-                        </a:rPr>
-                        <a:t>3</a:t>
-                      </a:r>
-                      <a:endParaRPr sz="1800" dirty="0">
-                        <a:latin typeface="Quattrocento Sans"/>
-                        <a:ea typeface="Quattrocento Sans"/>
-                        <a:cs typeface="Quattrocento Sans"/>
-                        <a:sym typeface="Quattrocento Sans"/>
-                      </a:endParaRPr>
-                    </a:p>
-                  </a:txBody>
-                  <a:tcPr marL="91450" marR="91450" marT="45725" marB="45725">
-                    <a:lnL w="12700" cap="flat" cmpd="sng" algn="ctr">
-                      <a:solidFill>
-                        <a:srgbClr val="BFBFBF"/>
-                      </a:solidFill>
-                      <a:prstDash val="solid"/>
-                      <a:round/>
-                      <a:headEnd type="none" w="sm" len="sm"/>
-                      <a:tailEnd type="none" w="sm" len="sm"/>
-                    </a:lnL>
-                    <a:lnR w="12700" cap="flat" cmpd="sng">
-                      <a:solidFill>
-                        <a:srgbClr val="BFBFBF"/>
-                      </a:solidFill>
-                      <a:prstDash val="solid"/>
-                      <a:round/>
-                      <a:headEnd type="none" w="sm" len="sm"/>
-                      <a:tailEnd type="none" w="sm" len="sm"/>
-                    </a:lnR>
-                    <a:lnT w="12700" cap="flat" cmpd="sng" algn="ctr">
-                      <a:solidFill>
-                        <a:srgbClr val="BFBFBF"/>
-                      </a:solidFill>
-                      <a:prstDash val="solid"/>
-                      <a:round/>
-                      <a:headEnd type="none" w="sm" len="sm"/>
-                      <a:tailEnd type="none" w="sm" len="sm"/>
-                    </a:lnT>
-                    <a:lnB w="12700" cap="flat" cmpd="sng" algn="ctr">
-                      <a:solidFill>
-                        <a:srgbClr val="BFBFBF"/>
-                      </a:solidFill>
-                      <a:prstDash val="solid"/>
-                      <a:round/>
-                      <a:headEnd type="none" w="sm" len="sm"/>
-                      <a:tailEnd type="none" w="sm" len="sm"/>
-                    </a:lnB>
-                    <a:solidFill>
-                      <a:schemeClr val="lt1"/>
-                    </a:solidFill>
-                  </a:tcPr>
-                </a:tc>
-                <a:extLst>
-                  <a:ext uri="{0D108BD9-81ED-4DB2-BD59-A6C34878D82A}">
-                    <a16:rowId xmlns:a16="http://schemas.microsoft.com/office/drawing/2014/main" val="10006"/>
-                  </a:ext>
-                </a:extLst>
-              </a:tr>
-              <a:tr h="370850">
-                <a:tc>
-                  <a:txBody>
-                    <a:bodyPr/>
-                    <a:lstStyle/>
-                    <a:p>
-                      <a:pPr marL="0" marR="0" lvl="0" indent="0" algn="ctr" rtl="0">
-                        <a:spcBef>
-                          <a:spcPts val="0"/>
-                        </a:spcBef>
-                        <a:spcAft>
-                          <a:spcPts val="0"/>
-                        </a:spcAft>
-                        <a:buNone/>
-                      </a:pPr>
-                      <a:r>
-                        <a:rPr lang="en-US" sz="1800" dirty="0">
-                          <a:latin typeface="Quattrocento Sans"/>
-                          <a:ea typeface="Quattrocento Sans"/>
-                          <a:cs typeface="Quattrocento Sans"/>
-                          <a:sym typeface="Quattrocento Sans"/>
-                        </a:rPr>
-                        <a:t>G</a:t>
-                      </a:r>
-                      <a:endParaRPr dirty="0">
-                        <a:latin typeface="Quattrocento Sans"/>
-                        <a:ea typeface="Quattrocento Sans"/>
-                        <a:cs typeface="Quattrocento Sans"/>
-                        <a:sym typeface="Quattrocento Sans"/>
-                      </a:endParaRPr>
-                    </a:p>
-                  </a:txBody>
-                  <a:tcPr marL="91450" marR="91450" marT="45725" marB="45725">
-                    <a:lnL w="12700" cap="flat" cmpd="sng">
-                      <a:solidFill>
-                        <a:srgbClr val="BFBFBF"/>
-                      </a:solidFill>
-                      <a:prstDash val="solid"/>
-                      <a:round/>
-                      <a:headEnd type="none" w="sm" len="sm"/>
-                      <a:tailEnd type="none" w="sm" len="sm"/>
-                    </a:lnL>
-                    <a:lnR w="12700" cap="flat" cmpd="sng">
-                      <a:solidFill>
-                        <a:srgbClr val="BFBFBF"/>
-                      </a:solidFill>
-                      <a:prstDash val="solid"/>
-                      <a:round/>
-                      <a:headEnd type="none" w="sm" len="sm"/>
-                      <a:tailEnd type="none" w="sm" len="sm"/>
-                    </a:lnR>
-                    <a:lnT w="12700" cap="flat" cmpd="sng">
-                      <a:solidFill>
-                        <a:srgbClr val="BFBFBF"/>
-                      </a:solidFill>
-                      <a:prstDash val="solid"/>
-                      <a:round/>
-                      <a:headEnd type="none" w="sm" len="sm"/>
-                      <a:tailEnd type="none" w="sm" len="sm"/>
-                    </a:lnT>
-                    <a:lnB w="12700" cap="flat" cmpd="sng">
-                      <a:solidFill>
-                        <a:srgbClr val="BFBFBF"/>
-                      </a:solidFill>
-                      <a:prstDash val="solid"/>
-                      <a:round/>
-                      <a:headEnd type="none" w="sm" len="sm"/>
-                      <a:tailEnd type="none" w="sm" len="sm"/>
-                    </a:lnB>
-                    <a:solidFill>
-                      <a:schemeClr val="lt1"/>
-                    </a:solidFill>
-                  </a:tcPr>
-                </a:tc>
-                <a:tc>
-                  <a:txBody>
-                    <a:bodyPr/>
-                    <a:lstStyle/>
-                    <a:p>
-                      <a:pPr marL="0" marR="0" lvl="0" indent="0" algn="ctr" rtl="0">
-                        <a:lnSpc>
-                          <a:spcPct val="100000"/>
-                        </a:lnSpc>
-                        <a:spcBef>
-                          <a:spcPts val="0"/>
-                        </a:spcBef>
-                        <a:spcAft>
-                          <a:spcPts val="0"/>
-                        </a:spcAft>
-                        <a:buClr>
-                          <a:srgbClr val="000000"/>
-                        </a:buClr>
-                        <a:buFont typeface="Arial"/>
-                        <a:buNone/>
-                      </a:pPr>
-                      <a:r>
-                        <a:rPr lang="en-GB" sz="1800" b="0" i="0" u="none" strike="noStrike" cap="none" dirty="0">
-                          <a:solidFill>
-                            <a:schemeClr val="tx1"/>
-                          </a:solidFill>
-                          <a:latin typeface="Quattrocento Sans"/>
-                          <a:ea typeface="Quattrocento Sans"/>
-                          <a:cs typeface="Quattrocento Sans"/>
-                          <a:sym typeface="Quattrocento Sans"/>
-                        </a:rPr>
-                        <a:t>7</a:t>
-                      </a:r>
-                      <a:endParaRPr sz="1800" b="0" i="0" u="none" strike="noStrike" cap="none" dirty="0">
-                        <a:solidFill>
-                          <a:schemeClr val="tx1"/>
-                        </a:solidFill>
-                        <a:latin typeface="Quattrocento Sans"/>
-                        <a:ea typeface="Quattrocento Sans"/>
-                        <a:cs typeface="Quattrocento Sans"/>
-                        <a:sym typeface="Quattrocento Sans"/>
-                      </a:endParaRPr>
-                    </a:p>
-                  </a:txBody>
-                  <a:tcPr marL="91450" marR="91450" marT="45725" marB="45725">
-                    <a:lnL w="12700" cap="flat" cmpd="sng" algn="ctr">
-                      <a:solidFill>
-                        <a:srgbClr val="BFBFBF"/>
-                      </a:solidFill>
-                      <a:prstDash val="solid"/>
-                      <a:round/>
-                      <a:headEnd type="none" w="sm" len="sm"/>
-                      <a:tailEnd type="none" w="sm" len="sm"/>
-                    </a:lnL>
-                    <a:lnR w="12700" cap="flat" cmpd="sng">
-                      <a:solidFill>
-                        <a:srgbClr val="BFBFBF"/>
-                      </a:solidFill>
-                      <a:prstDash val="solid"/>
-                      <a:round/>
-                      <a:headEnd type="none" w="sm" len="sm"/>
-                      <a:tailEnd type="none" w="sm" len="sm"/>
-                    </a:lnR>
-                    <a:lnT w="12700" cap="flat" cmpd="sng" algn="ctr">
-                      <a:solidFill>
-                        <a:srgbClr val="BFBFBF"/>
-                      </a:solidFill>
-                      <a:prstDash val="solid"/>
-                      <a:round/>
-                      <a:headEnd type="none" w="sm" len="sm"/>
-                      <a:tailEnd type="none" w="sm" len="sm"/>
-                    </a:lnT>
-                    <a:lnB w="12700" cap="flat" cmpd="sng">
                       <a:solidFill>
                         <a:srgbClr val="BFBFBF"/>
                       </a:solidFill>
@@ -26345,7 +24725,7 @@
                       <a:headEnd type="none" w="sm" len="sm"/>
                       <a:tailEnd type="none" w="sm" len="sm"/>
                     </a:lnT>
-                    <a:lnB w="12700" cap="flat" cmpd="sng">
+                    <a:lnB w="12700" cap="flat" cmpd="sng" algn="ctr">
                       <a:solidFill>
                         <a:srgbClr val="BFBFBF"/>
                       </a:solidFill>
@@ -26418,7 +24798,7 @@
                       <a:headEnd type="none" w="sm" len="sm"/>
                       <a:tailEnd type="none" w="sm" len="sm"/>
                     </a:lnT>
-                    <a:lnB w="12700" cap="flat" cmpd="sng">
+                    <a:lnB w="12700" cap="flat" cmpd="sng" algn="ctr">
                       <a:solidFill>
                         <a:srgbClr val="BFBFBF"/>
                       </a:solidFill>
@@ -26434,7 +24814,7 @@
                 </a:tc>
                 <a:extLst>
                   <a:ext uri="{0D108BD9-81ED-4DB2-BD59-A6C34878D82A}">
-                    <a16:rowId xmlns:a16="http://schemas.microsoft.com/office/drawing/2014/main" val="10007"/>
+                    <a16:rowId xmlns:a16="http://schemas.microsoft.com/office/drawing/2014/main" val="10006"/>
                   </a:ext>
                 </a:extLst>
               </a:tr>
@@ -26459,7 +24839,7 @@
         </p:nvCxnSpPr>
         <p:spPr>
           <a:xfrm flipH="1">
-            <a:off x="1993373" y="3862219"/>
+            <a:off x="1993373" y="4205122"/>
             <a:ext cx="1645068" cy="998732"/>
           </a:xfrm>
           <a:prstGeom prst="straightConnector1">
@@ -26494,7 +24874,7 @@
         </p:nvCxnSpPr>
         <p:spPr>
           <a:xfrm flipH="1">
-            <a:off x="1982284" y="4737238"/>
+            <a:off x="1982284" y="5080141"/>
             <a:ext cx="1158223" cy="207203"/>
           </a:xfrm>
           <a:prstGeom prst="straightConnector1">
@@ -26529,7 +24909,7 @@
         </p:nvCxnSpPr>
         <p:spPr>
           <a:xfrm flipV="1">
-            <a:off x="3173968" y="4892230"/>
+            <a:off x="3173968" y="5235133"/>
             <a:ext cx="78298" cy="790133"/>
           </a:xfrm>
           <a:prstGeom prst="straightConnector1">
@@ -26565,7 +24945,7 @@
         </p:nvCxnSpPr>
         <p:spPr>
           <a:xfrm flipH="1">
-            <a:off x="3384538" y="4111563"/>
+            <a:off x="3384538" y="4454466"/>
             <a:ext cx="1973708" cy="526821"/>
           </a:xfrm>
           <a:prstGeom prst="straightConnector1">
@@ -26600,7 +24980,7 @@
         </p:nvCxnSpPr>
         <p:spPr>
           <a:xfrm flipH="1" flipV="1">
-            <a:off x="3803101" y="3994069"/>
+            <a:off x="3803101" y="4336972"/>
             <a:ext cx="1267660" cy="1673419"/>
           </a:xfrm>
           <a:prstGeom prst="straightConnector1">
@@ -26635,7 +25015,7 @@
         </p:nvCxnSpPr>
         <p:spPr>
           <a:xfrm flipH="1" flipV="1">
-            <a:off x="2648631" y="3298031"/>
+            <a:off x="2648631" y="3640934"/>
             <a:ext cx="1031679" cy="465334"/>
           </a:xfrm>
           <a:prstGeom prst="straightConnector1">
@@ -26671,8 +25051,8 @@
         </p:nvSpPr>
         <p:spPr>
           <a:xfrm>
-            <a:off x="575239" y="1214314"/>
-            <a:ext cx="11187000" cy="1323397"/>
+            <a:off x="575239" y="1162456"/>
+            <a:ext cx="11187000" cy="1683495"/>
           </a:xfrm>
         </p:spPr>
         <p:txBody>
@@ -26684,7 +25064,7 @@
             </a:pPr>
             <a:r>
               <a:rPr lang="en-GB" dirty="0"/>
-              <a:t>Run Prim’s algorithm starting from node A. Fill in the table with the order in which each node is added, the best edge with minimum distance to the tree, and its distance to the current tree. Highlight the final MST in the graph.</a:t>
+              <a:t>Run Prim’s algorithm starting from node A. Fill in the table with the order in which each edge is added, and its weight. Break ties in alphabetical or numerical order. Highlight the final MST in the graph. For an undirected edge, write the nodes in alphabetical order, e.g., (E, F) instead of (F, E).</a:t>
             </a:r>
             <a:endParaRPr lang="en-SE" dirty="0"/>
           </a:p>
@@ -27035,7 +25415,7 @@
         <p:spPr>
           <a:xfrm>
             <a:off x="575239" y="1214314"/>
-            <a:ext cx="11187000" cy="1323397"/>
+            <a:ext cx="11187000" cy="1683495"/>
           </a:xfrm>
         </p:spPr>
         <p:txBody>
@@ -27047,7 +25427,7 @@
             </a:pPr>
             <a:r>
               <a:rPr lang="en-GB" dirty="0"/>
-              <a:t>Run Kruskal’s algorithm starting from node A. Fill in the table with the order in which each node is added, the best edge with minimum distance to the tree, and its distance to the current tree. Highlight the final MST in the graph.</a:t>
+              <a:t>Run Kruskal’s algorithm. Fill in the table with the order in which each node is added, the best edge with minimum distance to the tree, and its distance to the current tree. Highlight the final MST in the graph. For an undirected edge, write the nodes in alphabetical order, e.g., (E, F) instead of (F, E).</a:t>
             </a:r>
             <a:endParaRPr lang="en-SE" dirty="0"/>
           </a:p>
@@ -27067,7 +25447,7 @@
         </p:nvSpPr>
         <p:spPr>
           <a:xfrm>
-            <a:off x="1728015" y="4777777"/>
+            <a:off x="1728015" y="4912860"/>
             <a:ext cx="285900" cy="279600"/>
           </a:xfrm>
           <a:prstGeom prst="ellipse">
@@ -27131,7 +25511,7 @@
         </p:nvSpPr>
         <p:spPr>
           <a:xfrm>
-            <a:off x="3638441" y="3722419"/>
+            <a:off x="3638441" y="3857502"/>
             <a:ext cx="285900" cy="279600"/>
           </a:xfrm>
           <a:prstGeom prst="ellipse">
@@ -27195,7 +25575,7 @@
         </p:nvSpPr>
         <p:spPr>
           <a:xfrm>
-            <a:off x="3031018" y="5682363"/>
+            <a:off x="3031018" y="5817446"/>
             <a:ext cx="285900" cy="279600"/>
           </a:xfrm>
           <a:prstGeom prst="ellipse">
@@ -27259,7 +25639,7 @@
         </p:nvSpPr>
         <p:spPr>
           <a:xfrm>
-            <a:off x="5070761" y="5477288"/>
+            <a:off x="5070761" y="5612371"/>
             <a:ext cx="388800" cy="380400"/>
           </a:xfrm>
           <a:prstGeom prst="ellipse">
@@ -27323,7 +25703,7 @@
         </p:nvSpPr>
         <p:spPr>
           <a:xfrm>
-            <a:off x="5358246" y="3971763"/>
+            <a:off x="5358246" y="4106846"/>
             <a:ext cx="285900" cy="279600"/>
           </a:xfrm>
           <a:prstGeom prst="ellipse">
@@ -27387,7 +25767,7 @@
         </p:nvSpPr>
         <p:spPr>
           <a:xfrm>
-            <a:off x="3140507" y="4597438"/>
+            <a:off x="3140507" y="4732521"/>
             <a:ext cx="285900" cy="279600"/>
           </a:xfrm>
           <a:prstGeom prst="ellipse">
@@ -27451,7 +25831,7 @@
         </p:nvCxnSpPr>
         <p:spPr>
           <a:xfrm flipH="1">
-            <a:off x="1971941" y="3909378"/>
+            <a:off x="1971941" y="4044461"/>
             <a:ext cx="1666500" cy="956400"/>
           </a:xfrm>
           <a:prstGeom prst="straightConnector1">
@@ -27486,7 +25866,7 @@
         </p:nvCxnSpPr>
         <p:spPr>
           <a:xfrm>
-            <a:off x="1972046" y="5016431"/>
+            <a:off x="1972046" y="5151514"/>
             <a:ext cx="1059000" cy="805800"/>
           </a:xfrm>
           <a:prstGeom prst="straightConnector1">
@@ -27521,7 +25901,7 @@
         </p:nvCxnSpPr>
         <p:spPr>
           <a:xfrm rot="10800000" flipH="1">
-            <a:off x="3173968" y="4877163"/>
+            <a:off x="3173968" y="5012246"/>
             <a:ext cx="109500" cy="805200"/>
           </a:xfrm>
           <a:prstGeom prst="straightConnector1">
@@ -27556,7 +25936,7 @@
         </p:nvCxnSpPr>
         <p:spPr>
           <a:xfrm flipH="1">
-            <a:off x="2014007" y="4737238"/>
+            <a:off x="2014007" y="4872321"/>
             <a:ext cx="1126500" cy="180300"/>
           </a:xfrm>
           <a:prstGeom prst="straightConnector1">
@@ -27591,7 +25971,7 @@
         </p:nvCxnSpPr>
         <p:spPr>
           <a:xfrm rot="10800000" flipH="1">
-            <a:off x="3384538" y="4111584"/>
+            <a:off x="3384538" y="4246667"/>
             <a:ext cx="1973700" cy="526800"/>
           </a:xfrm>
           <a:prstGeom prst="straightConnector1">
@@ -27626,7 +26006,7 @@
         </p:nvCxnSpPr>
         <p:spPr>
           <a:xfrm flipH="1">
-            <a:off x="5265096" y="4251363"/>
+            <a:off x="5265096" y="4386446"/>
             <a:ext cx="236100" cy="1225800"/>
           </a:xfrm>
           <a:prstGeom prst="straightConnector1">
@@ -27661,7 +26041,7 @@
         </p:nvCxnSpPr>
         <p:spPr>
           <a:xfrm flipH="1">
-            <a:off x="3316899" y="5801980"/>
+            <a:off x="3316899" y="5937063"/>
             <a:ext cx="1810800" cy="20100"/>
           </a:xfrm>
           <a:prstGeom prst="straightConnector1">
@@ -27696,7 +26076,7 @@
         </p:nvCxnSpPr>
         <p:spPr>
           <a:xfrm rot="10800000">
-            <a:off x="3924246" y="3862263"/>
+            <a:off x="3924246" y="3997346"/>
             <a:ext cx="1434000" cy="249300"/>
           </a:xfrm>
           <a:prstGeom prst="straightConnector1">
@@ -27731,7 +26111,7 @@
         </p:nvCxnSpPr>
         <p:spPr>
           <a:xfrm flipH="1">
-            <a:off x="3274915" y="4210417"/>
+            <a:off x="3274915" y="4345500"/>
             <a:ext cx="2125200" cy="1512900"/>
           </a:xfrm>
           <a:prstGeom prst="straightConnector1">
@@ -27766,7 +26146,7 @@
         </p:nvCxnSpPr>
         <p:spPr>
           <a:xfrm>
-            <a:off x="3781391" y="4002019"/>
+            <a:off x="3781391" y="4137102"/>
             <a:ext cx="1289400" cy="1665600"/>
           </a:xfrm>
           <a:prstGeom prst="straightConnector1">
@@ -27798,7 +26178,7 @@
         </p:nvSpPr>
         <p:spPr>
           <a:xfrm>
-            <a:off x="3022656" y="3102443"/>
+            <a:off x="3022656" y="3237526"/>
             <a:ext cx="534300" cy="369300"/>
           </a:xfrm>
           <a:prstGeom prst="rect">
@@ -27854,7 +26234,7 @@
         </p:nvSpPr>
         <p:spPr>
           <a:xfrm>
-            <a:off x="4005568" y="3485013"/>
+            <a:off x="4005568" y="3620096"/>
             <a:ext cx="318000" cy="369300"/>
           </a:xfrm>
           <a:prstGeom prst="rect">
@@ -27910,7 +26290,7 @@
         </p:nvSpPr>
         <p:spPr>
           <a:xfrm>
-            <a:off x="3866247" y="3960065"/>
+            <a:off x="3866247" y="4095148"/>
             <a:ext cx="318000" cy="369300"/>
           </a:xfrm>
           <a:prstGeom prst="rect">
@@ -27966,7 +26346,7 @@
         </p:nvSpPr>
         <p:spPr>
           <a:xfrm>
-            <a:off x="2520716" y="4525376"/>
+            <a:off x="2520716" y="4660459"/>
             <a:ext cx="318000" cy="369300"/>
           </a:xfrm>
           <a:prstGeom prst="rect">
@@ -28022,7 +26402,7 @@
         </p:nvSpPr>
         <p:spPr>
           <a:xfrm>
-            <a:off x="2273607" y="5419330"/>
+            <a:off x="2273607" y="5554413"/>
             <a:ext cx="318000" cy="369300"/>
           </a:xfrm>
           <a:prstGeom prst="rect">
@@ -28078,7 +26458,7 @@
         </p:nvSpPr>
         <p:spPr>
           <a:xfrm>
-            <a:off x="2960177" y="5020877"/>
+            <a:off x="2960177" y="5155960"/>
             <a:ext cx="318000" cy="369300"/>
           </a:xfrm>
           <a:prstGeom prst="rect">
@@ -28134,7 +26514,7 @@
         </p:nvSpPr>
         <p:spPr>
           <a:xfrm>
-            <a:off x="4048820" y="5788630"/>
+            <a:off x="4048820" y="5923713"/>
             <a:ext cx="318000" cy="369300"/>
           </a:xfrm>
           <a:prstGeom prst="rect">
@@ -28190,7 +26570,7 @@
         </p:nvSpPr>
         <p:spPr>
           <a:xfrm>
-            <a:off x="5331214" y="4764346"/>
+            <a:off x="5331214" y="4899429"/>
             <a:ext cx="318000" cy="369300"/>
           </a:xfrm>
           <a:prstGeom prst="rect">
@@ -28246,7 +26626,7 @@
         </p:nvSpPr>
         <p:spPr>
           <a:xfrm>
-            <a:off x="3761232" y="4465519"/>
+            <a:off x="3761232" y="4600602"/>
             <a:ext cx="405300" cy="369300"/>
           </a:xfrm>
           <a:prstGeom prst="rect">
@@ -28302,7 +26682,7 @@
         </p:nvSpPr>
         <p:spPr>
           <a:xfrm>
-            <a:off x="3340600" y="5224576"/>
+            <a:off x="3340600" y="5359659"/>
             <a:ext cx="318000" cy="369300"/>
           </a:xfrm>
           <a:prstGeom prst="rect">
@@ -28358,7 +26738,7 @@
         </p:nvSpPr>
         <p:spPr>
           <a:xfrm>
-            <a:off x="2423679" y="3064057"/>
+            <a:off x="2423679" y="3199140"/>
             <a:ext cx="285900" cy="279600"/>
           </a:xfrm>
           <a:prstGeom prst="ellipse">
@@ -28425,7 +26805,7 @@
         </p:nvCxnSpPr>
         <p:spPr>
           <a:xfrm rot="10800000">
-            <a:off x="2667810" y="3302565"/>
+            <a:off x="2667810" y="3437648"/>
             <a:ext cx="1012500" cy="460800"/>
           </a:xfrm>
           <a:prstGeom prst="straightConnector1">
@@ -28457,7 +26837,7 @@
         </p:nvSpPr>
         <p:spPr>
           <a:xfrm>
-            <a:off x="2605211" y="3917453"/>
+            <a:off x="2605211" y="4052536"/>
             <a:ext cx="534300" cy="369300"/>
           </a:xfrm>
           <a:prstGeom prst="rect">
@@ -28501,10 +26881,10 @@
       </p:sp>
       <p:graphicFrame>
         <p:nvGraphicFramePr>
-          <p:cNvPr id="35" name="Google Shape;1044;p47">
+          <p:cNvPr id="36" name="Google Shape;1044;p47">
             <a:extLst>
               <a:ext uri="{FF2B5EF4-FFF2-40B4-BE49-F238E27FC236}">
-                <a16:creationId xmlns:a16="http://schemas.microsoft.com/office/drawing/2014/main" id="{499A897C-F63C-5322-7C74-3567E63B67EE}"/>
+                <a16:creationId xmlns:a16="http://schemas.microsoft.com/office/drawing/2014/main" id="{285E7F1C-89E0-5FB2-30C9-6526EED17F17}"/>
               </a:ext>
             </a:extLst>
           </p:cNvPr>
@@ -28512,14 +26892,14 @@
           <p:nvPr>
             <p:extLst>
               <p:ext uri="{D42A27DB-BD31-4B8C-83A1-F6EECF244321}">
-                <p14:modId xmlns:p14="http://schemas.microsoft.com/office/powerpoint/2010/main" val="2349168991"/>
+                <p14:modId xmlns:p14="http://schemas.microsoft.com/office/powerpoint/2010/main" val="219513198"/>
               </p:ext>
             </p:extLst>
           </p:nvPr>
         </p:nvGraphicFramePr>
         <p:xfrm>
-          <a:off x="7045183" y="2711345"/>
-          <a:ext cx="3989312" cy="3236040"/>
+          <a:off x="7364400" y="3090066"/>
+          <a:ext cx="3261582" cy="2865190"/>
         </p:xfrm>
         <a:graphic>
           <a:graphicData uri="http://schemas.openxmlformats.org/drawingml/2006/table">
@@ -28528,13 +26908,6 @@
                 <a:noFill/>
               </a:tblPr>
               <a:tblGrid>
-                <a:gridCol w="727730">
-                  <a:extLst>
-                    <a:ext uri="{9D8B030D-6E8A-4147-A177-3AD203B41FA5}">
-                      <a16:colId xmlns:a16="http://schemas.microsoft.com/office/drawing/2014/main" val="20000"/>
-                    </a:ext>
-                  </a:extLst>
-                </a:gridCol>
                 <a:gridCol w="817786">
                   <a:extLst>
                     <a:ext uri="{9D8B030D-6E8A-4147-A177-3AD203B41FA5}">
@@ -28563,86 +26936,7 @@
                     <a:bodyPr/>
                     <a:lstStyle/>
                     <a:p>
-                      <a:pPr marL="0" marR="0" lvl="0" indent="0" algn="l" rtl="0">
-                        <a:spcBef>
-                          <a:spcPts val="0"/>
-                        </a:spcBef>
-                        <a:spcAft>
-                          <a:spcPts val="0"/>
-                        </a:spcAft>
-                        <a:buNone/>
-                      </a:pPr>
-                      <a:r>
-                        <a:rPr lang="en-US" sz="1800" dirty="0">
-                          <a:solidFill>
-                            <a:schemeClr val="tx1"/>
-                          </a:solidFill>
-                          <a:latin typeface="Quattrocento Sans"/>
-                          <a:ea typeface="Quattrocento Sans"/>
-                          <a:cs typeface="Quattrocento Sans"/>
-                          <a:sym typeface="Quattrocento Sans"/>
-                        </a:rPr>
-                        <a:t>Node</a:t>
-                      </a:r>
-                      <a:endParaRPr dirty="0">
-                        <a:solidFill>
-                          <a:schemeClr val="tx1"/>
-                        </a:solidFill>
-                        <a:latin typeface="Quattrocento Sans"/>
-                        <a:ea typeface="Quattrocento Sans"/>
-                        <a:cs typeface="Quattrocento Sans"/>
-                        <a:sym typeface="Quattrocento Sans"/>
-                      </a:endParaRPr>
-                    </a:p>
-                  </a:txBody>
-                  <a:tcPr marL="91450" marR="91450" marT="45725" marB="45725">
-                    <a:lnL w="12700" cap="flat" cmpd="sng">
-                      <a:solidFill>
-                        <a:srgbClr val="BFBFBF"/>
-                      </a:solidFill>
-                      <a:prstDash val="solid"/>
-                      <a:round/>
-                      <a:headEnd type="none" w="sm" len="sm"/>
-                      <a:tailEnd type="none" w="sm" len="sm"/>
-                    </a:lnL>
-                    <a:lnR w="12700" cap="flat" cmpd="sng">
-                      <a:solidFill>
-                        <a:srgbClr val="BFBFBF"/>
-                      </a:solidFill>
-                      <a:prstDash val="solid"/>
-                      <a:round/>
-                      <a:headEnd type="none" w="sm" len="sm"/>
-                      <a:tailEnd type="none" w="sm" len="sm"/>
-                    </a:lnR>
-                    <a:lnT w="12700" cap="flat" cmpd="sng">
-                      <a:solidFill>
-                        <a:srgbClr val="BFBFBF"/>
-                      </a:solidFill>
-                      <a:prstDash val="solid"/>
-                      <a:round/>
-                      <a:headEnd type="none" w="sm" len="sm"/>
-                      <a:tailEnd type="none" w="sm" len="sm"/>
-                    </a:lnT>
-                    <a:lnB w="38100" cap="flat" cmpd="sng">
-                      <a:solidFill>
-                        <a:srgbClr val="BFBFBF"/>
-                      </a:solidFill>
-                      <a:prstDash val="solid"/>
-                      <a:round/>
-                      <a:headEnd type="none" w="sm" len="sm"/>
-                      <a:tailEnd type="none" w="sm" len="sm"/>
-                    </a:lnB>
-                    <a:solidFill>
-                      <a:srgbClr val="A48DD3"/>
-                    </a:solidFill>
-                  </a:tcPr>
-                </a:tc>
-                <a:tc>
-                  <a:txBody>
-                    <a:bodyPr/>
-                    <a:lstStyle/>
-                    <a:p>
-                      <a:pPr marL="0" marR="0" lvl="0" indent="0" algn="l" rtl="0">
+                      <a:pPr marL="0" marR="0" lvl="0" indent="0" algn="ctr" rtl="0">
                         <a:spcBef>
                           <a:spcPts val="0"/>
                         </a:spcBef>
@@ -28742,7 +27036,7 @@
                     <a:bodyPr/>
                     <a:lstStyle/>
                     <a:p>
-                      <a:pPr marL="0" marR="0" lvl="0" indent="0" algn="l" rtl="0">
+                      <a:pPr marL="0" marR="0" lvl="0" indent="0" algn="ctr" rtl="0">
                         <a:spcBef>
                           <a:spcPts val="0"/>
                         </a:spcBef>
@@ -28758,7 +27052,7 @@
                           <a:cs typeface="Quattrocento Sans"/>
                           <a:sym typeface="Quattrocento Sans"/>
                         </a:rPr>
-                        <a:t>Best Edge</a:t>
+                        <a:t>Edge</a:t>
                       </a:r>
                       <a:endParaRPr dirty="0">
                         <a:latin typeface="Quattrocento Sans"/>
@@ -28815,7 +27109,7 @@
                     <a:bodyPr/>
                     <a:lstStyle/>
                     <a:p>
-                      <a:pPr marL="0" marR="0" lvl="0" indent="0" algn="l" rtl="0">
+                      <a:pPr marL="0" marR="0" lvl="0" indent="0" algn="ctr" rtl="0">
                         <a:spcBef>
                           <a:spcPts val="0"/>
                         </a:spcBef>
@@ -28890,79 +27184,6 @@
                 </a:extLst>
               </a:tr>
               <a:tr h="370850">
-                <a:tc>
-                  <a:txBody>
-                    <a:bodyPr/>
-                    <a:lstStyle/>
-                    <a:p>
-                      <a:pPr marL="0" marR="0" lvl="0" indent="0" algn="ctr" rtl="0">
-                        <a:spcBef>
-                          <a:spcPts val="0"/>
-                        </a:spcBef>
-                        <a:spcAft>
-                          <a:spcPts val="0"/>
-                        </a:spcAft>
-                        <a:buNone/>
-                      </a:pPr>
-                      <a:r>
-                        <a:rPr lang="en-US" sz="1800" dirty="0">
-                          <a:latin typeface="Quattrocento Sans"/>
-                          <a:ea typeface="Quattrocento Sans"/>
-                          <a:cs typeface="Quattrocento Sans"/>
-                          <a:sym typeface="Quattrocento Sans"/>
-                        </a:rPr>
-                        <a:t>A</a:t>
-                      </a:r>
-                      <a:endParaRPr dirty="0">
-                        <a:latin typeface="Quattrocento Sans"/>
-                        <a:ea typeface="Quattrocento Sans"/>
-                        <a:cs typeface="Quattrocento Sans"/>
-                        <a:sym typeface="Quattrocento Sans"/>
-                      </a:endParaRPr>
-                    </a:p>
-                  </a:txBody>
-                  <a:tcPr marL="91450" marR="91450" marT="45725" marB="45725">
-                    <a:lnL w="12700" cap="flat" cmpd="sng">
-                      <a:solidFill>
-                        <a:srgbClr val="BFBFBF"/>
-                      </a:solidFill>
-                      <a:prstDash val="solid"/>
-                      <a:round/>
-                      <a:headEnd type="none" w="sm" len="sm"/>
-                      <a:tailEnd type="none" w="sm" len="sm"/>
-                    </a:lnL>
-                    <a:lnR w="12700" cap="flat" cmpd="sng" algn="ctr">
-                      <a:solidFill>
-                        <a:srgbClr val="BFBFBF"/>
-                      </a:solidFill>
-                      <a:prstDash val="solid"/>
-                      <a:round/>
-                      <a:headEnd type="none" w="sm" len="sm"/>
-                      <a:tailEnd type="none" w="sm" len="sm"/>
-                    </a:lnR>
-                    <a:lnT w="38100" cap="flat" cmpd="sng">
-                      <a:solidFill>
-                        <a:srgbClr val="BFBFBF"/>
-                      </a:solidFill>
-                      <a:prstDash val="solid"/>
-                      <a:round/>
-                      <a:headEnd type="none" w="sm" len="sm"/>
-                      <a:tailEnd type="none" w="sm" len="sm"/>
-                    </a:lnT>
-                    <a:lnB w="12700" cap="flat" cmpd="sng">
-                      <a:solidFill>
-                        <a:srgbClr val="BFBFBF"/>
-                      </a:solidFill>
-                      <a:prstDash val="solid"/>
-                      <a:round/>
-                      <a:headEnd type="none" w="sm" len="sm"/>
-                      <a:tailEnd type="none" w="sm" len="sm"/>
-                    </a:lnB>
-                    <a:solidFill>
-                      <a:schemeClr val="lt1"/>
-                    </a:solidFill>
-                  </a:tcPr>
-                </a:tc>
                 <a:tc>
                   <a:txBody>
                     <a:bodyPr/>
@@ -29073,83 +27294,7 @@
                         <a:tabLst/>
                         <a:defRPr/>
                       </a:pPr>
-                      <a:r>
-                        <a:rPr lang="en-GB" sz="1800" dirty="0">
-                          <a:latin typeface="Quattrocento Sans"/>
-                          <a:ea typeface="Quattrocento Sans"/>
-                          <a:cs typeface="Quattrocento Sans"/>
-                          <a:sym typeface="Quattrocento Sans"/>
-                        </a:rPr>
-                        <a:t>/</a:t>
-                      </a:r>
-                    </a:p>
-                  </a:txBody>
-                  <a:tcPr marL="91450" marR="91450" marT="45725" marB="45725">
-                    <a:lnL w="12700" cap="flat" cmpd="sng" algn="ctr">
-                      <a:solidFill>
-                        <a:srgbClr val="BFBFBF"/>
-                      </a:solidFill>
-                      <a:prstDash val="solid"/>
-                      <a:round/>
-                      <a:headEnd type="none" w="sm" len="sm"/>
-                      <a:tailEnd type="none" w="sm" len="sm"/>
-                    </a:lnL>
-                    <a:lnR w="12700" cap="flat" cmpd="sng" algn="ctr">
-                      <a:solidFill>
-                        <a:srgbClr val="BFBFBF"/>
-                      </a:solidFill>
-                      <a:prstDash val="solid"/>
-                      <a:round/>
-                      <a:headEnd type="none" w="sm" len="sm"/>
-                      <a:tailEnd type="none" w="sm" len="sm"/>
-                    </a:lnR>
-                    <a:lnT w="38100" cap="flat" cmpd="sng" algn="ctr">
-                      <a:solidFill>
-                        <a:srgbClr val="BFBFBF"/>
-                      </a:solidFill>
-                      <a:prstDash val="solid"/>
-                      <a:round/>
-                      <a:headEnd type="none" w="sm" len="sm"/>
-                      <a:tailEnd type="none" w="sm" len="sm"/>
-                    </a:lnT>
-                    <a:lnB w="12700" cap="flat" cmpd="sng" algn="ctr">
-                      <a:solidFill>
-                        <a:srgbClr val="BFBFBF"/>
-                      </a:solidFill>
-                      <a:prstDash val="solid"/>
-                      <a:round/>
-                      <a:headEnd type="none" w="sm" len="sm"/>
-                      <a:tailEnd type="none" w="sm" len="sm"/>
-                    </a:lnB>
-                    <a:solidFill>
-                      <a:schemeClr val="lt1"/>
-                    </a:solidFill>
-                  </a:tcPr>
-                </a:tc>
-                <a:tc>
-                  <a:txBody>
-                    <a:bodyPr/>
-                    <a:lstStyle/>
-                    <a:p>
-                      <a:pPr marL="0" marR="0" lvl="0" indent="0" algn="ctr" rtl="0">
-                        <a:spcBef>
-                          <a:spcPts val="0"/>
-                        </a:spcBef>
-                        <a:spcAft>
-                          <a:spcPts val="0"/>
-                        </a:spcAft>
-                        <a:buNone/>
-                      </a:pPr>
-                      <a:r>
-                        <a:rPr lang="en-GB" sz="1800" dirty="0">
-                          <a:latin typeface="Quattrocento Sans"/>
-                          <a:ea typeface="Quattrocento Sans"/>
-                          <a:cs typeface="Quattrocento Sans"/>
-                          <a:sym typeface="Quattrocento Sans"/>
-                        </a:rPr>
-                        <a:t>/</a:t>
-                      </a:r>
-                      <a:endParaRPr sz="1800" dirty="0">
+                      <a:endParaRPr lang="en-GB" sz="1800" dirty="0">
                         <a:latin typeface="Quattrocento Sans"/>
                         <a:ea typeface="Quattrocento Sans"/>
                         <a:cs typeface="Quattrocento Sans"/>
@@ -29167,7 +27312,7 @@
                       <a:headEnd type="none" w="sm" len="sm"/>
                       <a:tailEnd type="none" w="sm" len="sm"/>
                     </a:lnL>
-                    <a:lnR w="12700" cap="flat" cmpd="sng">
+                    <a:lnR w="12700" cap="flat" cmpd="sng" algn="ctr">
                       <a:solidFill>
                         <a:srgbClr val="BFBFBF"/>
                       </a:solidFill>
@@ -29177,234 +27322,6 @@
                       <a:tailEnd type="none" w="sm" len="sm"/>
                     </a:lnR>
                     <a:lnT w="38100" cap="flat" cmpd="sng" algn="ctr">
-                      <a:solidFill>
-                        <a:srgbClr val="BFBFBF"/>
-                      </a:solidFill>
-                      <a:prstDash val="solid"/>
-                      <a:round/>
-                      <a:headEnd type="none" w="sm" len="sm"/>
-                      <a:tailEnd type="none" w="sm" len="sm"/>
-                    </a:lnT>
-                    <a:lnB w="12700" cap="flat" cmpd="sng" algn="ctr">
-                      <a:solidFill>
-                        <a:srgbClr val="BFBFBF"/>
-                      </a:solidFill>
-                      <a:prstDash val="solid"/>
-                      <a:round/>
-                      <a:headEnd type="none" w="sm" len="sm"/>
-                      <a:tailEnd type="none" w="sm" len="sm"/>
-                    </a:lnB>
-                    <a:solidFill>
-                      <a:schemeClr val="lt1"/>
-                    </a:solidFill>
-                  </a:tcPr>
-                </a:tc>
-                <a:extLst>
-                  <a:ext uri="{0D108BD9-81ED-4DB2-BD59-A6C34878D82A}">
-                    <a16:rowId xmlns:a16="http://schemas.microsoft.com/office/drawing/2014/main" val="10001"/>
-                  </a:ext>
-                </a:extLst>
-              </a:tr>
-              <a:tr h="370850">
-                <a:tc>
-                  <a:txBody>
-                    <a:bodyPr/>
-                    <a:lstStyle/>
-                    <a:p>
-                      <a:pPr marL="0" marR="0" lvl="0" indent="0" algn="ctr" rtl="0">
-                        <a:spcBef>
-                          <a:spcPts val="0"/>
-                        </a:spcBef>
-                        <a:spcAft>
-                          <a:spcPts val="0"/>
-                        </a:spcAft>
-                        <a:buNone/>
-                      </a:pPr>
-                      <a:r>
-                        <a:rPr lang="en-US" sz="1800" dirty="0">
-                          <a:latin typeface="Quattrocento Sans"/>
-                          <a:ea typeface="Quattrocento Sans"/>
-                          <a:cs typeface="Quattrocento Sans"/>
-                          <a:sym typeface="Quattrocento Sans"/>
-                        </a:rPr>
-                        <a:t>B</a:t>
-                      </a:r>
-                      <a:endParaRPr dirty="0">
-                        <a:latin typeface="Quattrocento Sans"/>
-                        <a:ea typeface="Quattrocento Sans"/>
-                        <a:cs typeface="Quattrocento Sans"/>
-                        <a:sym typeface="Quattrocento Sans"/>
-                      </a:endParaRPr>
-                    </a:p>
-                  </a:txBody>
-                  <a:tcPr marL="91450" marR="91450" marT="45725" marB="45725">
-                    <a:lnL w="12700" cap="flat" cmpd="sng">
-                      <a:solidFill>
-                        <a:srgbClr val="BFBFBF"/>
-                      </a:solidFill>
-                      <a:prstDash val="solid"/>
-                      <a:round/>
-                      <a:headEnd type="none" w="sm" len="sm"/>
-                      <a:tailEnd type="none" w="sm" len="sm"/>
-                    </a:lnL>
-                    <a:lnR w="12700" cap="flat" cmpd="sng" algn="ctr">
-                      <a:solidFill>
-                        <a:srgbClr val="BFBFBF"/>
-                      </a:solidFill>
-                      <a:prstDash val="solid"/>
-                      <a:round/>
-                      <a:headEnd type="none" w="sm" len="sm"/>
-                      <a:tailEnd type="none" w="sm" len="sm"/>
-                    </a:lnR>
-                    <a:lnT w="12700" cap="flat" cmpd="sng">
-                      <a:solidFill>
-                        <a:srgbClr val="BFBFBF"/>
-                      </a:solidFill>
-                      <a:prstDash val="solid"/>
-                      <a:round/>
-                      <a:headEnd type="none" w="sm" len="sm"/>
-                      <a:tailEnd type="none" w="sm" len="sm"/>
-                    </a:lnT>
-                    <a:lnB w="12700" cap="flat" cmpd="sng">
-                      <a:solidFill>
-                        <a:srgbClr val="BFBFBF"/>
-                      </a:solidFill>
-                      <a:prstDash val="solid"/>
-                      <a:round/>
-                      <a:headEnd type="none" w="sm" len="sm"/>
-                      <a:tailEnd type="none" w="sm" len="sm"/>
-                    </a:lnB>
-                    <a:solidFill>
-                      <a:schemeClr val="lt1"/>
-                    </a:solidFill>
-                  </a:tcPr>
-                </a:tc>
-                <a:tc>
-                  <a:txBody>
-                    <a:bodyPr/>
-                    <a:lstStyle/>
-                    <a:p>
-                      <a:pPr marL="0" marR="0" lvl="0" indent="0" algn="ctr" rtl="0">
-                        <a:lnSpc>
-                          <a:spcPct val="100000"/>
-                        </a:lnSpc>
-                        <a:spcBef>
-                          <a:spcPts val="0"/>
-                        </a:spcBef>
-                        <a:spcAft>
-                          <a:spcPts val="0"/>
-                        </a:spcAft>
-                        <a:buClr>
-                          <a:srgbClr val="000000"/>
-                        </a:buClr>
-                        <a:buFont typeface="Arial"/>
-                        <a:buNone/>
-                      </a:pPr>
-                      <a:endParaRPr sz="1800" b="0" i="0" u="none" strike="noStrike" cap="none" dirty="0">
-                        <a:solidFill>
-                          <a:schemeClr val="tx1"/>
-                        </a:solidFill>
-                        <a:latin typeface="Quattrocento Sans"/>
-                        <a:ea typeface="Quattrocento Sans"/>
-                        <a:cs typeface="Quattrocento Sans"/>
-                        <a:sym typeface="Quattrocento Sans"/>
-                      </a:endParaRPr>
-                    </a:p>
-                  </a:txBody>
-                  <a:tcPr marL="91450" marR="91450" marT="45725" marB="45725">
-                    <a:lnL w="12700" cap="flat" cmpd="sng" algn="ctr">
-                      <a:solidFill>
-                        <a:srgbClr val="BFBFBF"/>
-                      </a:solidFill>
-                      <a:prstDash val="solid"/>
-                      <a:round/>
-                      <a:headEnd type="none" w="sm" len="sm"/>
-                      <a:tailEnd type="none" w="sm" len="sm"/>
-                    </a:lnL>
-                    <a:lnR w="12700" cap="flat" cmpd="sng">
-                      <a:solidFill>
-                        <a:srgbClr val="BFBFBF"/>
-                      </a:solidFill>
-                      <a:prstDash val="solid"/>
-                      <a:round/>
-                      <a:headEnd type="none" w="sm" len="sm"/>
-                      <a:tailEnd type="none" w="sm" len="sm"/>
-                    </a:lnR>
-                    <a:lnT w="12700" cap="flat" cmpd="sng" algn="ctr">
-                      <a:solidFill>
-                        <a:srgbClr val="BFBFBF"/>
-                      </a:solidFill>
-                      <a:prstDash val="solid"/>
-                      <a:round/>
-                      <a:headEnd type="none" w="sm" len="sm"/>
-                      <a:tailEnd type="none" w="sm" len="sm"/>
-                    </a:lnT>
-                    <a:lnB w="12700" cap="flat" cmpd="sng" algn="ctr">
-                      <a:solidFill>
-                        <a:srgbClr val="BFBFBF"/>
-                      </a:solidFill>
-                      <a:prstDash val="solid"/>
-                      <a:round/>
-                      <a:headEnd type="none" w="sm" len="sm"/>
-                      <a:tailEnd type="none" w="sm" len="sm"/>
-                    </a:lnB>
-                    <a:solidFill>
-                      <a:schemeClr val="lt1"/>
-                    </a:solidFill>
-                  </a:tcPr>
-                </a:tc>
-                <a:tc>
-                  <a:txBody>
-                    <a:bodyPr/>
-                    <a:lstStyle/>
-                    <a:p>
-                      <a:pPr marL="0" marR="0" lvl="0" indent="0" algn="ctr" defTabSz="914400" rtl="0" eaLnBrk="1" fontAlgn="auto" latinLnBrk="0" hangingPunct="1">
-                        <a:lnSpc>
-                          <a:spcPct val="100000"/>
-                        </a:lnSpc>
-                        <a:spcBef>
-                          <a:spcPts val="0"/>
-                        </a:spcBef>
-                        <a:spcAft>
-                          <a:spcPts val="0"/>
-                        </a:spcAft>
-                        <a:buClr>
-                          <a:srgbClr val="000000"/>
-                        </a:buClr>
-                        <a:buSzTx/>
-                        <a:buFont typeface="Arial"/>
-                        <a:buNone/>
-                        <a:tabLst/>
-                        <a:defRPr/>
-                      </a:pPr>
-                      <a:endParaRPr lang="en-US" sz="1800" dirty="0">
-                        <a:latin typeface="Quattrocento Sans"/>
-                        <a:ea typeface="Quattrocento Sans"/>
-                        <a:cs typeface="Quattrocento Sans"/>
-                        <a:sym typeface="Quattrocento Sans"/>
-                      </a:endParaRPr>
-                    </a:p>
-                  </a:txBody>
-                  <a:tcPr marL="91450" marR="91450" marT="45725" marB="45725">
-                    <a:lnL w="12700" cap="flat" cmpd="sng" algn="ctr">
-                      <a:solidFill>
-                        <a:srgbClr val="BFBFBF"/>
-                      </a:solidFill>
-                      <a:prstDash val="solid"/>
-                      <a:round/>
-                      <a:headEnd type="none" w="sm" len="sm"/>
-                      <a:tailEnd type="none" w="sm" len="sm"/>
-                    </a:lnL>
-                    <a:lnR w="12700" cap="flat" cmpd="sng" algn="ctr">
-                      <a:solidFill>
-                        <a:srgbClr val="BFBFBF"/>
-                      </a:solidFill>
-                      <a:prstDash val="solid"/>
-                      <a:round/>
-                      <a:headEnd type="none" w="sm" len="sm"/>
-                      <a:tailEnd type="none" w="sm" len="sm"/>
-                    </a:lnR>
-                    <a:lnT w="12700" cap="flat" cmpd="sng" algn="ctr">
                       <a:solidFill>
                         <a:srgbClr val="BFBFBF"/>
                       </a:solidFill>
@@ -29468,7 +27385,7 @@
                       <a:headEnd type="none" w="sm" len="sm"/>
                       <a:tailEnd type="none" w="sm" len="sm"/>
                     </a:lnR>
-                    <a:lnT w="12700" cap="flat" cmpd="sng" algn="ctr">
+                    <a:lnT w="38100" cap="flat" cmpd="sng" algn="ctr">
                       <a:solidFill>
                         <a:srgbClr val="BFBFBF"/>
                       </a:solidFill>
@@ -29493,84 +27410,11 @@
                 </a:tc>
                 <a:extLst>
                   <a:ext uri="{0D108BD9-81ED-4DB2-BD59-A6C34878D82A}">
-                    <a16:rowId xmlns:a16="http://schemas.microsoft.com/office/drawing/2014/main" val="10002"/>
+                    <a16:rowId xmlns:a16="http://schemas.microsoft.com/office/drawing/2014/main" val="10001"/>
                   </a:ext>
                 </a:extLst>
               </a:tr>
               <a:tr h="370850">
-                <a:tc>
-                  <a:txBody>
-                    <a:bodyPr/>
-                    <a:lstStyle/>
-                    <a:p>
-                      <a:pPr marL="0" marR="0" lvl="0" indent="0" algn="ctr" rtl="0">
-                        <a:spcBef>
-                          <a:spcPts val="0"/>
-                        </a:spcBef>
-                        <a:spcAft>
-                          <a:spcPts val="0"/>
-                        </a:spcAft>
-                        <a:buNone/>
-                      </a:pPr>
-                      <a:r>
-                        <a:rPr lang="en-US" sz="1800" dirty="0">
-                          <a:latin typeface="Quattrocento Sans"/>
-                          <a:ea typeface="Quattrocento Sans"/>
-                          <a:cs typeface="Quattrocento Sans"/>
-                          <a:sym typeface="Quattrocento Sans"/>
-                        </a:rPr>
-                        <a:t>C</a:t>
-                      </a:r>
-                      <a:endParaRPr dirty="0">
-                        <a:latin typeface="Quattrocento Sans"/>
-                        <a:ea typeface="Quattrocento Sans"/>
-                        <a:cs typeface="Quattrocento Sans"/>
-                        <a:sym typeface="Quattrocento Sans"/>
-                      </a:endParaRPr>
-                    </a:p>
-                  </a:txBody>
-                  <a:tcPr marL="91450" marR="91450" marT="45725" marB="45725">
-                    <a:lnL w="12700" cap="flat" cmpd="sng">
-                      <a:solidFill>
-                        <a:srgbClr val="BFBFBF"/>
-                      </a:solidFill>
-                      <a:prstDash val="solid"/>
-                      <a:round/>
-                      <a:headEnd type="none" w="sm" len="sm"/>
-                      <a:tailEnd type="none" w="sm" len="sm"/>
-                    </a:lnL>
-                    <a:lnR w="12700" cap="flat" cmpd="sng" algn="ctr">
-                      <a:solidFill>
-                        <a:srgbClr val="BFBFBF"/>
-                      </a:solidFill>
-                      <a:prstDash val="solid"/>
-                      <a:round/>
-                      <a:headEnd type="none" w="sm" len="sm"/>
-                      <a:tailEnd type="none" w="sm" len="sm"/>
-                    </a:lnR>
-                    <a:lnT w="12700" cap="flat" cmpd="sng">
-                      <a:solidFill>
-                        <a:srgbClr val="BFBFBF"/>
-                      </a:solidFill>
-                      <a:prstDash val="solid"/>
-                      <a:round/>
-                      <a:headEnd type="none" w="sm" len="sm"/>
-                      <a:tailEnd type="none" w="sm" len="sm"/>
-                    </a:lnT>
-                    <a:lnB w="12700" cap="flat" cmpd="sng">
-                      <a:solidFill>
-                        <a:srgbClr val="BFBFBF"/>
-                      </a:solidFill>
-                      <a:prstDash val="solid"/>
-                      <a:round/>
-                      <a:headEnd type="none" w="sm" len="sm"/>
-                      <a:tailEnd type="none" w="sm" len="sm"/>
-                    </a:lnB>
-                    <a:solidFill>
-                      <a:schemeClr val="lt1"/>
-                    </a:solidFill>
-                  </a:tcPr>
-                </a:tc>
                 <a:tc>
                   <a:txBody>
                     <a:bodyPr/>
@@ -29592,298 +27436,18 @@
                         <a:buFont typeface="Arial"/>
                         <a:buNone/>
                       </a:pPr>
-                      <a:endParaRPr sz="1800" b="0" i="0" u="none" strike="noStrike" cap="none" dirty="0">
-                        <a:solidFill>
-                          <a:schemeClr val="tx1"/>
-                        </a:solidFill>
-                        <a:latin typeface="Quattrocento Sans"/>
-                        <a:ea typeface="Quattrocento Sans"/>
-                        <a:cs typeface="Quattrocento Sans"/>
-                        <a:sym typeface="Quattrocento Sans"/>
-                      </a:endParaRPr>
-                    </a:p>
-                  </a:txBody>
-                  <a:tcPr marL="91450" marR="91450" marT="45725" marB="45725">
-                    <a:lnL w="12700" cap="flat" cmpd="sng" algn="ctr">
-                      <a:solidFill>
-                        <a:srgbClr val="BFBFBF"/>
-                      </a:solidFill>
-                      <a:prstDash val="solid"/>
-                      <a:round/>
-                      <a:headEnd type="none" w="sm" len="sm"/>
-                      <a:tailEnd type="none" w="sm" len="sm"/>
-                    </a:lnL>
-                    <a:lnR w="12700" cap="flat" cmpd="sng">
-                      <a:solidFill>
-                        <a:srgbClr val="BFBFBF"/>
-                      </a:solidFill>
-                      <a:prstDash val="solid"/>
-                      <a:round/>
-                      <a:headEnd type="none" w="sm" len="sm"/>
-                      <a:tailEnd type="none" w="sm" len="sm"/>
-                    </a:lnR>
-                    <a:lnT w="12700" cap="flat" cmpd="sng" algn="ctr">
-                      <a:solidFill>
-                        <a:srgbClr val="BFBFBF"/>
-                      </a:solidFill>
-                      <a:prstDash val="solid"/>
-                      <a:round/>
-                      <a:headEnd type="none" w="sm" len="sm"/>
-                      <a:tailEnd type="none" w="sm" len="sm"/>
-                    </a:lnT>
-                    <a:lnB w="12700" cap="flat" cmpd="sng" algn="ctr">
-                      <a:solidFill>
-                        <a:srgbClr val="BFBFBF"/>
-                      </a:solidFill>
-                      <a:prstDash val="solid"/>
-                      <a:round/>
-                      <a:headEnd type="none" w="sm" len="sm"/>
-                      <a:tailEnd type="none" w="sm" len="sm"/>
-                    </a:lnB>
-                    <a:solidFill>
-                      <a:schemeClr val="lt1"/>
-                    </a:solidFill>
-                  </a:tcPr>
-                </a:tc>
-                <a:tc>
-                  <a:txBody>
-                    <a:bodyPr/>
-                    <a:lstStyle/>
-                    <a:p>
-                      <a:pPr marL="0" marR="0" lvl="0" indent="0" algn="ctr" defTabSz="914400" rtl="0" eaLnBrk="1" fontAlgn="auto" latinLnBrk="0" hangingPunct="1">
-                        <a:lnSpc>
-                          <a:spcPct val="100000"/>
-                        </a:lnSpc>
-                        <a:spcBef>
-                          <a:spcPts val="0"/>
-                        </a:spcBef>
-                        <a:spcAft>
-                          <a:spcPts val="0"/>
-                        </a:spcAft>
-                        <a:buClr>
-                          <a:srgbClr val="000000"/>
-                        </a:buClr>
-                        <a:buSzTx/>
-                        <a:buFont typeface="Arial"/>
-                        <a:buNone/>
-                        <a:tabLst/>
-                        <a:defRPr/>
-                      </a:pPr>
-                      <a:endParaRPr lang="en-US" sz="1800" dirty="0">
-                        <a:latin typeface="Quattrocento Sans"/>
-                        <a:ea typeface="Quattrocento Sans"/>
-                        <a:cs typeface="Quattrocento Sans"/>
-                        <a:sym typeface="Quattrocento Sans"/>
-                      </a:endParaRPr>
-                    </a:p>
-                  </a:txBody>
-                  <a:tcPr marL="91450" marR="91450" marT="45725" marB="45725">
-                    <a:lnL w="12700" cap="flat" cmpd="sng" algn="ctr">
-                      <a:solidFill>
-                        <a:srgbClr val="BFBFBF"/>
-                      </a:solidFill>
-                      <a:prstDash val="solid"/>
-                      <a:round/>
-                      <a:headEnd type="none" w="sm" len="sm"/>
-                      <a:tailEnd type="none" w="sm" len="sm"/>
-                    </a:lnL>
-                    <a:lnR w="12700" cap="flat" cmpd="sng" algn="ctr">
-                      <a:solidFill>
-                        <a:srgbClr val="BFBFBF"/>
-                      </a:solidFill>
-                      <a:prstDash val="solid"/>
-                      <a:round/>
-                      <a:headEnd type="none" w="sm" len="sm"/>
-                      <a:tailEnd type="none" w="sm" len="sm"/>
-                    </a:lnR>
-                    <a:lnT w="12700" cap="flat" cmpd="sng" algn="ctr">
-                      <a:solidFill>
-                        <a:srgbClr val="BFBFBF"/>
-                      </a:solidFill>
-                      <a:prstDash val="solid"/>
-                      <a:round/>
-                      <a:headEnd type="none" w="sm" len="sm"/>
-                      <a:tailEnd type="none" w="sm" len="sm"/>
-                    </a:lnT>
-                    <a:lnB w="12700" cap="flat" cmpd="sng" algn="ctr">
-                      <a:solidFill>
-                        <a:srgbClr val="BFBFBF"/>
-                      </a:solidFill>
-                      <a:prstDash val="solid"/>
-                      <a:round/>
-                      <a:headEnd type="none" w="sm" len="sm"/>
-                      <a:tailEnd type="none" w="sm" len="sm"/>
-                    </a:lnB>
-                    <a:solidFill>
-                      <a:schemeClr val="lt1"/>
-                    </a:solidFill>
-                  </a:tcPr>
-                </a:tc>
-                <a:tc>
-                  <a:txBody>
-                    <a:bodyPr/>
-                    <a:lstStyle/>
-                    <a:p>
-                      <a:pPr marL="0" marR="0" lvl="0" indent="0" algn="ctr" rtl="0">
-                        <a:spcBef>
-                          <a:spcPts val="0"/>
-                        </a:spcBef>
-                        <a:spcAft>
-                          <a:spcPts val="0"/>
-                        </a:spcAft>
-                        <a:buNone/>
-                      </a:pPr>
-                      <a:endParaRPr sz="1800" dirty="0">
-                        <a:latin typeface="Quattrocento Sans"/>
-                        <a:ea typeface="Quattrocento Sans"/>
-                        <a:cs typeface="Quattrocento Sans"/>
-                        <a:sym typeface="Quattrocento Sans"/>
-                      </a:endParaRPr>
-                    </a:p>
-                  </a:txBody>
-                  <a:tcPr marL="91450" marR="91450" marT="45725" marB="45725">
-                    <a:lnL w="12700" cap="flat" cmpd="sng" algn="ctr">
-                      <a:solidFill>
-                        <a:srgbClr val="BFBFBF"/>
-                      </a:solidFill>
-                      <a:prstDash val="solid"/>
-                      <a:round/>
-                      <a:headEnd type="none" w="sm" len="sm"/>
-                      <a:tailEnd type="none" w="sm" len="sm"/>
-                    </a:lnL>
-                    <a:lnR w="12700" cap="flat" cmpd="sng">
-                      <a:solidFill>
-                        <a:srgbClr val="BFBFBF"/>
-                      </a:solidFill>
-                      <a:prstDash val="solid"/>
-                      <a:round/>
-                      <a:headEnd type="none" w="sm" len="sm"/>
-                      <a:tailEnd type="none" w="sm" len="sm"/>
-                    </a:lnR>
-                    <a:lnT w="12700" cap="flat" cmpd="sng" algn="ctr">
-                      <a:solidFill>
-                        <a:srgbClr val="BFBFBF"/>
-                      </a:solidFill>
-                      <a:prstDash val="solid"/>
-                      <a:round/>
-                      <a:headEnd type="none" w="sm" len="sm"/>
-                      <a:tailEnd type="none" w="sm" len="sm"/>
-                    </a:lnT>
-                    <a:lnB w="12700" cap="flat" cmpd="sng" algn="ctr">
-                      <a:solidFill>
-                        <a:srgbClr val="BFBFBF"/>
-                      </a:solidFill>
-                      <a:prstDash val="solid"/>
-                      <a:round/>
-                      <a:headEnd type="none" w="sm" len="sm"/>
-                      <a:tailEnd type="none" w="sm" len="sm"/>
-                    </a:lnB>
-                    <a:solidFill>
-                      <a:schemeClr val="lt1"/>
-                    </a:solidFill>
-                  </a:tcPr>
-                </a:tc>
-                <a:extLst>
-                  <a:ext uri="{0D108BD9-81ED-4DB2-BD59-A6C34878D82A}">
-                    <a16:rowId xmlns:a16="http://schemas.microsoft.com/office/drawing/2014/main" val="10003"/>
-                  </a:ext>
-                </a:extLst>
-              </a:tr>
-              <a:tr h="370850">
-                <a:tc>
-                  <a:txBody>
-                    <a:bodyPr/>
-                    <a:lstStyle/>
-                    <a:p>
-                      <a:pPr marL="0" marR="0" lvl="0" indent="0" algn="ctr" rtl="0">
-                        <a:spcBef>
-                          <a:spcPts val="0"/>
-                        </a:spcBef>
-                        <a:spcAft>
-                          <a:spcPts val="0"/>
-                        </a:spcAft>
-                        <a:buNone/>
-                      </a:pPr>
                       <a:r>
-                        <a:rPr lang="en-US" sz="1800" dirty="0">
+                        <a:rPr lang="en-GB" sz="1800" b="0" i="0" u="none" strike="noStrike" cap="none" dirty="0">
+                          <a:solidFill>
+                            <a:schemeClr val="tx1"/>
+                          </a:solidFill>
                           <a:latin typeface="Quattrocento Sans"/>
                           <a:ea typeface="Quattrocento Sans"/>
                           <a:cs typeface="Quattrocento Sans"/>
                           <a:sym typeface="Quattrocento Sans"/>
                         </a:rPr>
-                        <a:t>D</a:t>
+                        <a:t>2</a:t>
                       </a:r>
-                      <a:endParaRPr dirty="0">
-                        <a:latin typeface="Quattrocento Sans"/>
-                        <a:ea typeface="Quattrocento Sans"/>
-                        <a:cs typeface="Quattrocento Sans"/>
-                        <a:sym typeface="Quattrocento Sans"/>
-                      </a:endParaRPr>
-                    </a:p>
-                  </a:txBody>
-                  <a:tcPr marL="91450" marR="91450" marT="45725" marB="45725">
-                    <a:lnL w="12700" cap="flat" cmpd="sng">
-                      <a:solidFill>
-                        <a:srgbClr val="BFBFBF"/>
-                      </a:solidFill>
-                      <a:prstDash val="solid"/>
-                      <a:round/>
-                      <a:headEnd type="none" w="sm" len="sm"/>
-                      <a:tailEnd type="none" w="sm" len="sm"/>
-                    </a:lnL>
-                    <a:lnR w="12700" cap="flat" cmpd="sng" algn="ctr">
-                      <a:solidFill>
-                        <a:srgbClr val="BFBFBF"/>
-                      </a:solidFill>
-                      <a:prstDash val="solid"/>
-                      <a:round/>
-                      <a:headEnd type="none" w="sm" len="sm"/>
-                      <a:tailEnd type="none" w="sm" len="sm"/>
-                    </a:lnR>
-                    <a:lnT w="12700" cap="flat" cmpd="sng">
-                      <a:solidFill>
-                        <a:srgbClr val="BFBFBF"/>
-                      </a:solidFill>
-                      <a:prstDash val="solid"/>
-                      <a:round/>
-                      <a:headEnd type="none" w="sm" len="sm"/>
-                      <a:tailEnd type="none" w="sm" len="sm"/>
-                    </a:lnT>
-                    <a:lnB w="12700" cap="flat" cmpd="sng">
-                      <a:solidFill>
-                        <a:srgbClr val="BFBFBF"/>
-                      </a:solidFill>
-                      <a:prstDash val="solid"/>
-                      <a:round/>
-                      <a:headEnd type="none" w="sm" len="sm"/>
-                      <a:tailEnd type="none" w="sm" len="sm"/>
-                    </a:lnB>
-                    <a:solidFill>
-                      <a:schemeClr val="lt1"/>
-                    </a:solidFill>
-                  </a:tcPr>
-                </a:tc>
-                <a:tc>
-                  <a:txBody>
-                    <a:bodyPr/>
-                    <a:lstStyle/>
-                    <a:p>
-                      <a:pPr marL="0" marR="0" lvl="0" indent="0" algn="ctr" rtl="0">
-                        <a:lnSpc>
-                          <a:spcPct val="100000"/>
-                        </a:lnSpc>
-                        <a:spcBef>
-                          <a:spcPts val="0"/>
-                        </a:spcBef>
-                        <a:spcAft>
-                          <a:spcPts val="0"/>
-                        </a:spcAft>
-                        <a:buClr>
-                          <a:srgbClr val="000000"/>
-                        </a:buClr>
-                        <a:buFont typeface="Arial"/>
-                        <a:buNone/>
-                      </a:pPr>
                       <a:endParaRPr sz="1800" b="0" i="0" u="none" strike="noStrike" cap="none" dirty="0">
                         <a:solidFill>
                           <a:schemeClr val="tx1"/>
@@ -30080,84 +27644,11 @@
                 </a:tc>
                 <a:extLst>
                   <a:ext uri="{0D108BD9-81ED-4DB2-BD59-A6C34878D82A}">
-                    <a16:rowId xmlns:a16="http://schemas.microsoft.com/office/drawing/2014/main" val="10004"/>
+                    <a16:rowId xmlns:a16="http://schemas.microsoft.com/office/drawing/2014/main" val="10002"/>
                   </a:ext>
                 </a:extLst>
               </a:tr>
               <a:tr h="370850">
-                <a:tc>
-                  <a:txBody>
-                    <a:bodyPr/>
-                    <a:lstStyle/>
-                    <a:p>
-                      <a:pPr marL="0" marR="0" lvl="0" indent="0" algn="ctr" rtl="0">
-                        <a:spcBef>
-                          <a:spcPts val="0"/>
-                        </a:spcBef>
-                        <a:spcAft>
-                          <a:spcPts val="0"/>
-                        </a:spcAft>
-                        <a:buNone/>
-                      </a:pPr>
-                      <a:r>
-                        <a:rPr lang="en-US" sz="1800" dirty="0">
-                          <a:latin typeface="Quattrocento Sans"/>
-                          <a:ea typeface="Quattrocento Sans"/>
-                          <a:cs typeface="Quattrocento Sans"/>
-                          <a:sym typeface="Quattrocento Sans"/>
-                        </a:rPr>
-                        <a:t>E</a:t>
-                      </a:r>
-                      <a:endParaRPr dirty="0">
-                        <a:latin typeface="Quattrocento Sans"/>
-                        <a:ea typeface="Quattrocento Sans"/>
-                        <a:cs typeface="Quattrocento Sans"/>
-                        <a:sym typeface="Quattrocento Sans"/>
-                      </a:endParaRPr>
-                    </a:p>
-                  </a:txBody>
-                  <a:tcPr marL="91450" marR="91450" marT="45725" marB="45725">
-                    <a:lnL w="12700" cap="flat" cmpd="sng">
-                      <a:solidFill>
-                        <a:srgbClr val="BFBFBF"/>
-                      </a:solidFill>
-                      <a:prstDash val="solid"/>
-                      <a:round/>
-                      <a:headEnd type="none" w="sm" len="sm"/>
-                      <a:tailEnd type="none" w="sm" len="sm"/>
-                    </a:lnL>
-                    <a:lnR w="12700" cap="flat" cmpd="sng" algn="ctr">
-                      <a:solidFill>
-                        <a:srgbClr val="BFBFBF"/>
-                      </a:solidFill>
-                      <a:prstDash val="solid"/>
-                      <a:round/>
-                      <a:headEnd type="none" w="sm" len="sm"/>
-                      <a:tailEnd type="none" w="sm" len="sm"/>
-                    </a:lnR>
-                    <a:lnT w="12700" cap="flat" cmpd="sng">
-                      <a:solidFill>
-                        <a:srgbClr val="BFBFBF"/>
-                      </a:solidFill>
-                      <a:prstDash val="solid"/>
-                      <a:round/>
-                      <a:headEnd type="none" w="sm" len="sm"/>
-                      <a:tailEnd type="none" w="sm" len="sm"/>
-                    </a:lnT>
-                    <a:lnB w="12700" cap="flat" cmpd="sng">
-                      <a:solidFill>
-                        <a:srgbClr val="BFBFBF"/>
-                      </a:solidFill>
-                      <a:prstDash val="solid"/>
-                      <a:round/>
-                      <a:headEnd type="none" w="sm" len="sm"/>
-                      <a:tailEnd type="none" w="sm" len="sm"/>
-                    </a:lnB>
-                    <a:solidFill>
-                      <a:schemeClr val="lt1"/>
-                    </a:solidFill>
-                  </a:tcPr>
-                </a:tc>
                 <a:tc>
                   <a:txBody>
                     <a:bodyPr/>
@@ -30179,6 +27670,252 @@
                         <a:buFont typeface="Arial"/>
                         <a:buNone/>
                       </a:pPr>
+                      <a:r>
+                        <a:rPr lang="en-GB" sz="1800" b="0" i="0" u="none" strike="noStrike" cap="none" dirty="0">
+                          <a:solidFill>
+                            <a:schemeClr val="tx1"/>
+                          </a:solidFill>
+                          <a:latin typeface="Quattrocento Sans"/>
+                          <a:ea typeface="Quattrocento Sans"/>
+                          <a:cs typeface="Quattrocento Sans"/>
+                          <a:sym typeface="Quattrocento Sans"/>
+                        </a:rPr>
+                        <a:t>3</a:t>
+                      </a:r>
+                      <a:endParaRPr sz="1800" b="0" i="0" u="none" strike="noStrike" cap="none" dirty="0">
+                        <a:solidFill>
+                          <a:schemeClr val="tx1"/>
+                        </a:solidFill>
+                        <a:latin typeface="Quattrocento Sans"/>
+                        <a:ea typeface="Quattrocento Sans"/>
+                        <a:cs typeface="Quattrocento Sans"/>
+                        <a:sym typeface="Quattrocento Sans"/>
+                      </a:endParaRPr>
+                    </a:p>
+                  </a:txBody>
+                  <a:tcPr marL="91450" marR="91450" marT="45725" marB="45725">
+                    <a:lnL w="12700" cap="flat" cmpd="sng" algn="ctr">
+                      <a:solidFill>
+                        <a:srgbClr val="BFBFBF"/>
+                      </a:solidFill>
+                      <a:prstDash val="solid"/>
+                      <a:round/>
+                      <a:headEnd type="none" w="sm" len="sm"/>
+                      <a:tailEnd type="none" w="sm" len="sm"/>
+                    </a:lnL>
+                    <a:lnR w="12700" cap="flat" cmpd="sng">
+                      <a:solidFill>
+                        <a:srgbClr val="BFBFBF"/>
+                      </a:solidFill>
+                      <a:prstDash val="solid"/>
+                      <a:round/>
+                      <a:headEnd type="none" w="sm" len="sm"/>
+                      <a:tailEnd type="none" w="sm" len="sm"/>
+                    </a:lnR>
+                    <a:lnT w="12700" cap="flat" cmpd="sng" algn="ctr">
+                      <a:solidFill>
+                        <a:srgbClr val="BFBFBF"/>
+                      </a:solidFill>
+                      <a:prstDash val="solid"/>
+                      <a:round/>
+                      <a:headEnd type="none" w="sm" len="sm"/>
+                      <a:tailEnd type="none" w="sm" len="sm"/>
+                    </a:lnT>
+                    <a:lnB w="12700" cap="flat" cmpd="sng" algn="ctr">
+                      <a:solidFill>
+                        <a:srgbClr val="BFBFBF"/>
+                      </a:solidFill>
+                      <a:prstDash val="solid"/>
+                      <a:round/>
+                      <a:headEnd type="none" w="sm" len="sm"/>
+                      <a:tailEnd type="none" w="sm" len="sm"/>
+                    </a:lnB>
+                    <a:solidFill>
+                      <a:schemeClr val="lt1"/>
+                    </a:solidFill>
+                  </a:tcPr>
+                </a:tc>
+                <a:tc>
+                  <a:txBody>
+                    <a:bodyPr/>
+                    <a:lstStyle/>
+                    <a:p>
+                      <a:pPr marL="0" marR="0" lvl="0" indent="0" algn="ctr" defTabSz="914400" rtl="0" eaLnBrk="1" fontAlgn="auto" latinLnBrk="0" hangingPunct="1">
+                        <a:lnSpc>
+                          <a:spcPct val="100000"/>
+                        </a:lnSpc>
+                        <a:spcBef>
+                          <a:spcPts val="0"/>
+                        </a:spcBef>
+                        <a:spcAft>
+                          <a:spcPts val="0"/>
+                        </a:spcAft>
+                        <a:buClr>
+                          <a:srgbClr val="000000"/>
+                        </a:buClr>
+                        <a:buSzTx/>
+                        <a:buFont typeface="Arial"/>
+                        <a:buNone/>
+                        <a:tabLst/>
+                        <a:defRPr/>
+                      </a:pPr>
+                      <a:endParaRPr lang="en-US" sz="1800" dirty="0">
+                        <a:solidFill>
+                          <a:schemeClr val="dk1"/>
+                        </a:solidFill>
+                        <a:latin typeface="Quattrocento Sans"/>
+                        <a:ea typeface="Quattrocento Sans"/>
+                        <a:cs typeface="Quattrocento Sans"/>
+                        <a:sym typeface="Quattrocento Sans"/>
+                      </a:endParaRPr>
+                    </a:p>
+                  </a:txBody>
+                  <a:tcPr marL="91450" marR="91450" marT="45725" marB="45725">
+                    <a:lnL w="12700" cap="flat" cmpd="sng" algn="ctr">
+                      <a:solidFill>
+                        <a:srgbClr val="BFBFBF"/>
+                      </a:solidFill>
+                      <a:prstDash val="solid"/>
+                      <a:round/>
+                      <a:headEnd type="none" w="sm" len="sm"/>
+                      <a:tailEnd type="none" w="sm" len="sm"/>
+                    </a:lnL>
+                    <a:lnR w="12700" cap="flat" cmpd="sng" algn="ctr">
+                      <a:solidFill>
+                        <a:srgbClr val="BFBFBF"/>
+                      </a:solidFill>
+                      <a:prstDash val="solid"/>
+                      <a:round/>
+                      <a:headEnd type="none" w="sm" len="sm"/>
+                      <a:tailEnd type="none" w="sm" len="sm"/>
+                    </a:lnR>
+                    <a:lnT w="12700" cap="flat" cmpd="sng" algn="ctr">
+                      <a:solidFill>
+                        <a:srgbClr val="BFBFBF"/>
+                      </a:solidFill>
+                      <a:prstDash val="solid"/>
+                      <a:round/>
+                      <a:headEnd type="none" w="sm" len="sm"/>
+                      <a:tailEnd type="none" w="sm" len="sm"/>
+                    </a:lnT>
+                    <a:lnB w="12700" cap="flat" cmpd="sng" algn="ctr">
+                      <a:solidFill>
+                        <a:srgbClr val="BFBFBF"/>
+                      </a:solidFill>
+                      <a:prstDash val="solid"/>
+                      <a:round/>
+                      <a:headEnd type="none" w="sm" len="sm"/>
+                      <a:tailEnd type="none" w="sm" len="sm"/>
+                    </a:lnB>
+                    <a:solidFill>
+                      <a:schemeClr val="lt1"/>
+                    </a:solidFill>
+                  </a:tcPr>
+                </a:tc>
+                <a:tc>
+                  <a:txBody>
+                    <a:bodyPr/>
+                    <a:lstStyle/>
+                    <a:p>
+                      <a:pPr marL="0" marR="0" lvl="0" indent="0" algn="ctr" rtl="0">
+                        <a:spcBef>
+                          <a:spcPts val="0"/>
+                        </a:spcBef>
+                        <a:spcAft>
+                          <a:spcPts val="0"/>
+                        </a:spcAft>
+                        <a:buNone/>
+                      </a:pPr>
+                      <a:endParaRPr sz="1800" dirty="0">
+                        <a:latin typeface="Quattrocento Sans"/>
+                        <a:ea typeface="Quattrocento Sans"/>
+                        <a:cs typeface="Quattrocento Sans"/>
+                        <a:sym typeface="Quattrocento Sans"/>
+                      </a:endParaRPr>
+                    </a:p>
+                  </a:txBody>
+                  <a:tcPr marL="91450" marR="91450" marT="45725" marB="45725">
+                    <a:lnL w="12700" cap="flat" cmpd="sng" algn="ctr">
+                      <a:solidFill>
+                        <a:srgbClr val="BFBFBF"/>
+                      </a:solidFill>
+                      <a:prstDash val="solid"/>
+                      <a:round/>
+                      <a:headEnd type="none" w="sm" len="sm"/>
+                      <a:tailEnd type="none" w="sm" len="sm"/>
+                    </a:lnL>
+                    <a:lnR w="12700" cap="flat" cmpd="sng">
+                      <a:solidFill>
+                        <a:srgbClr val="BFBFBF"/>
+                      </a:solidFill>
+                      <a:prstDash val="solid"/>
+                      <a:round/>
+                      <a:headEnd type="none" w="sm" len="sm"/>
+                      <a:tailEnd type="none" w="sm" len="sm"/>
+                    </a:lnR>
+                    <a:lnT w="12700" cap="flat" cmpd="sng" algn="ctr">
+                      <a:solidFill>
+                        <a:srgbClr val="BFBFBF"/>
+                      </a:solidFill>
+                      <a:prstDash val="solid"/>
+                      <a:round/>
+                      <a:headEnd type="none" w="sm" len="sm"/>
+                      <a:tailEnd type="none" w="sm" len="sm"/>
+                    </a:lnT>
+                    <a:lnB w="12700" cap="flat" cmpd="sng" algn="ctr">
+                      <a:solidFill>
+                        <a:srgbClr val="BFBFBF"/>
+                      </a:solidFill>
+                      <a:prstDash val="solid"/>
+                      <a:round/>
+                      <a:headEnd type="none" w="sm" len="sm"/>
+                      <a:tailEnd type="none" w="sm" len="sm"/>
+                    </a:lnB>
+                    <a:solidFill>
+                      <a:schemeClr val="lt1"/>
+                    </a:solidFill>
+                  </a:tcPr>
+                </a:tc>
+                <a:extLst>
+                  <a:ext uri="{0D108BD9-81ED-4DB2-BD59-A6C34878D82A}">
+                    <a16:rowId xmlns:a16="http://schemas.microsoft.com/office/drawing/2014/main" val="10003"/>
+                  </a:ext>
+                </a:extLst>
+              </a:tr>
+              <a:tr h="370850">
+                <a:tc>
+                  <a:txBody>
+                    <a:bodyPr/>
+                    <a:lstStyle/>
+                    <a:p>
+                      <a:pPr marL="0" marR="0" lvl="0" indent="0" algn="ctr" rtl="0">
+                        <a:lnSpc>
+                          <a:spcPct val="100000"/>
+                        </a:lnSpc>
+                        <a:spcBef>
+                          <a:spcPts val="0"/>
+                        </a:spcBef>
+                        <a:spcAft>
+                          <a:spcPts val="0"/>
+                        </a:spcAft>
+                        <a:buClr>
+                          <a:srgbClr val="000000"/>
+                        </a:buClr>
+                        <a:buFont typeface="Arial"/>
+                        <a:buNone/>
+                      </a:pPr>
+                      <a:r>
+                        <a:rPr lang="en-GB" sz="1800" b="0" i="0" u="none" strike="noStrike" cap="none" dirty="0">
+                          <a:solidFill>
+                            <a:schemeClr val="tx1"/>
+                          </a:solidFill>
+                          <a:latin typeface="Quattrocento Sans"/>
+                          <a:ea typeface="Quattrocento Sans"/>
+                          <a:cs typeface="Quattrocento Sans"/>
+                          <a:sym typeface="Quattrocento Sans"/>
+                        </a:rPr>
+                        <a:t>4</a:t>
+                      </a:r>
                       <a:endParaRPr sz="1800" b="0" i="0" u="none" strike="noStrike" cap="none" dirty="0">
                         <a:solidFill>
                           <a:schemeClr val="tx1"/>
@@ -30375,84 +28112,11 @@
                 </a:tc>
                 <a:extLst>
                   <a:ext uri="{0D108BD9-81ED-4DB2-BD59-A6C34878D82A}">
-                    <a16:rowId xmlns:a16="http://schemas.microsoft.com/office/drawing/2014/main" val="10005"/>
+                    <a16:rowId xmlns:a16="http://schemas.microsoft.com/office/drawing/2014/main" val="10004"/>
                   </a:ext>
                 </a:extLst>
               </a:tr>
               <a:tr h="370850">
-                <a:tc>
-                  <a:txBody>
-                    <a:bodyPr/>
-                    <a:lstStyle/>
-                    <a:p>
-                      <a:pPr marL="0" marR="0" lvl="0" indent="0" algn="ctr" rtl="0">
-                        <a:spcBef>
-                          <a:spcPts val="0"/>
-                        </a:spcBef>
-                        <a:spcAft>
-                          <a:spcPts val="0"/>
-                        </a:spcAft>
-                        <a:buNone/>
-                      </a:pPr>
-                      <a:r>
-                        <a:rPr lang="en-US" sz="1800" dirty="0">
-                          <a:latin typeface="Quattrocento Sans"/>
-                          <a:ea typeface="Quattrocento Sans"/>
-                          <a:cs typeface="Quattrocento Sans"/>
-                          <a:sym typeface="Quattrocento Sans"/>
-                        </a:rPr>
-                        <a:t>F</a:t>
-                      </a:r>
-                      <a:endParaRPr dirty="0">
-                        <a:latin typeface="Quattrocento Sans"/>
-                        <a:ea typeface="Quattrocento Sans"/>
-                        <a:cs typeface="Quattrocento Sans"/>
-                        <a:sym typeface="Quattrocento Sans"/>
-                      </a:endParaRPr>
-                    </a:p>
-                  </a:txBody>
-                  <a:tcPr marL="91450" marR="91450" marT="45725" marB="45725">
-                    <a:lnL w="12700" cap="flat" cmpd="sng">
-                      <a:solidFill>
-                        <a:srgbClr val="BFBFBF"/>
-                      </a:solidFill>
-                      <a:prstDash val="solid"/>
-                      <a:round/>
-                      <a:headEnd type="none" w="sm" len="sm"/>
-                      <a:tailEnd type="none" w="sm" len="sm"/>
-                    </a:lnL>
-                    <a:lnR w="12700" cap="flat" cmpd="sng" algn="ctr">
-                      <a:solidFill>
-                        <a:srgbClr val="BFBFBF"/>
-                      </a:solidFill>
-                      <a:prstDash val="solid"/>
-                      <a:round/>
-                      <a:headEnd type="none" w="sm" len="sm"/>
-                      <a:tailEnd type="none" w="sm" len="sm"/>
-                    </a:lnR>
-                    <a:lnT w="12700" cap="flat" cmpd="sng">
-                      <a:solidFill>
-                        <a:srgbClr val="BFBFBF"/>
-                      </a:solidFill>
-                      <a:prstDash val="solid"/>
-                      <a:round/>
-                      <a:headEnd type="none" w="sm" len="sm"/>
-                      <a:tailEnd type="none" w="sm" len="sm"/>
-                    </a:lnT>
-                    <a:lnB w="12700" cap="flat" cmpd="sng">
-                      <a:solidFill>
-                        <a:srgbClr val="BFBFBF"/>
-                      </a:solidFill>
-                      <a:prstDash val="solid"/>
-                      <a:round/>
-                      <a:headEnd type="none" w="sm" len="sm"/>
-                      <a:tailEnd type="none" w="sm" len="sm"/>
-                    </a:lnB>
-                    <a:solidFill>
-                      <a:schemeClr val="lt1"/>
-                    </a:solidFill>
-                  </a:tcPr>
-                </a:tc>
                 <a:tc>
                   <a:txBody>
                     <a:bodyPr/>
@@ -30474,6 +28138,18 @@
                         <a:buFont typeface="Arial"/>
                         <a:buNone/>
                       </a:pPr>
+                      <a:r>
+                        <a:rPr lang="en-GB" sz="1800" b="0" i="0" u="none" strike="noStrike" cap="none" dirty="0">
+                          <a:solidFill>
+                            <a:schemeClr val="tx1"/>
+                          </a:solidFill>
+                          <a:latin typeface="Quattrocento Sans"/>
+                          <a:ea typeface="Quattrocento Sans"/>
+                          <a:cs typeface="Quattrocento Sans"/>
+                          <a:sym typeface="Quattrocento Sans"/>
+                        </a:rPr>
+                        <a:t>5</a:t>
+                      </a:r>
                       <a:endParaRPr sz="1800" b="0" i="0" u="none" strike="noStrike" cap="none" dirty="0">
                         <a:solidFill>
                           <a:schemeClr val="tx1"/>
@@ -30495,7 +28171,7 @@
                       <a:headEnd type="none" w="sm" len="sm"/>
                       <a:tailEnd type="none" w="sm" len="sm"/>
                     </a:lnL>
-                    <a:lnR w="12700" cap="flat" cmpd="sng">
+                    <a:lnR w="12700" cap="flat" cmpd="sng" algn="ctr">
                       <a:solidFill>
                         <a:srgbClr val="BFBFBF"/>
                       </a:solidFill>
@@ -30552,9 +28228,9 @@
                         <a:defRPr/>
                       </a:pPr>
                       <a:endParaRPr lang="en-US" sz="1800" dirty="0">
-                        <a:solidFill>
-                          <a:schemeClr val="dk1"/>
-                        </a:solidFill>
+                        <a:highlight>
+                          <a:schemeClr val="lt1"/>
+                        </a:highlight>
                         <a:latin typeface="Quattrocento Sans"/>
                         <a:ea typeface="Quattrocento Sans"/>
                         <a:cs typeface="Quattrocento Sans"/>
@@ -30670,84 +28346,11 @@
                 </a:tc>
                 <a:extLst>
                   <a:ext uri="{0D108BD9-81ED-4DB2-BD59-A6C34878D82A}">
-                    <a16:rowId xmlns:a16="http://schemas.microsoft.com/office/drawing/2014/main" val="10006"/>
+                    <a16:rowId xmlns:a16="http://schemas.microsoft.com/office/drawing/2014/main" val="10005"/>
                   </a:ext>
                 </a:extLst>
               </a:tr>
               <a:tr h="370850">
-                <a:tc>
-                  <a:txBody>
-                    <a:bodyPr/>
-                    <a:lstStyle/>
-                    <a:p>
-                      <a:pPr marL="0" marR="0" lvl="0" indent="0" algn="ctr" rtl="0">
-                        <a:spcBef>
-                          <a:spcPts val="0"/>
-                        </a:spcBef>
-                        <a:spcAft>
-                          <a:spcPts val="0"/>
-                        </a:spcAft>
-                        <a:buNone/>
-                      </a:pPr>
-                      <a:r>
-                        <a:rPr lang="en-US" sz="1800" dirty="0">
-                          <a:latin typeface="Quattrocento Sans"/>
-                          <a:ea typeface="Quattrocento Sans"/>
-                          <a:cs typeface="Quattrocento Sans"/>
-                          <a:sym typeface="Quattrocento Sans"/>
-                        </a:rPr>
-                        <a:t>G</a:t>
-                      </a:r>
-                      <a:endParaRPr dirty="0">
-                        <a:latin typeface="Quattrocento Sans"/>
-                        <a:ea typeface="Quattrocento Sans"/>
-                        <a:cs typeface="Quattrocento Sans"/>
-                        <a:sym typeface="Quattrocento Sans"/>
-                      </a:endParaRPr>
-                    </a:p>
-                  </a:txBody>
-                  <a:tcPr marL="91450" marR="91450" marT="45725" marB="45725">
-                    <a:lnL w="12700" cap="flat" cmpd="sng">
-                      <a:solidFill>
-                        <a:srgbClr val="BFBFBF"/>
-                      </a:solidFill>
-                      <a:prstDash val="solid"/>
-                      <a:round/>
-                      <a:headEnd type="none" w="sm" len="sm"/>
-                      <a:tailEnd type="none" w="sm" len="sm"/>
-                    </a:lnL>
-                    <a:lnR w="12700" cap="flat" cmpd="sng" algn="ctr">
-                      <a:solidFill>
-                        <a:srgbClr val="BFBFBF"/>
-                      </a:solidFill>
-                      <a:prstDash val="solid"/>
-                      <a:round/>
-                      <a:headEnd type="none" w="sm" len="sm"/>
-                      <a:tailEnd type="none" w="sm" len="sm"/>
-                    </a:lnR>
-                    <a:lnT w="12700" cap="flat" cmpd="sng">
-                      <a:solidFill>
-                        <a:srgbClr val="BFBFBF"/>
-                      </a:solidFill>
-                      <a:prstDash val="solid"/>
-                      <a:round/>
-                      <a:headEnd type="none" w="sm" len="sm"/>
-                      <a:tailEnd type="none" w="sm" len="sm"/>
-                    </a:lnT>
-                    <a:lnB w="12700" cap="flat" cmpd="sng">
-                      <a:solidFill>
-                        <a:srgbClr val="BFBFBF"/>
-                      </a:solidFill>
-                      <a:prstDash val="solid"/>
-                      <a:round/>
-                      <a:headEnd type="none" w="sm" len="sm"/>
-                      <a:tailEnd type="none" w="sm" len="sm"/>
-                    </a:lnB>
-                    <a:solidFill>
-                      <a:schemeClr val="lt1"/>
-                    </a:solidFill>
-                  </a:tcPr>
-                </a:tc>
                 <a:tc>
                   <a:txBody>
                     <a:bodyPr/>
@@ -30769,6 +28372,18 @@
                         <a:buFont typeface="Arial"/>
                         <a:buNone/>
                       </a:pPr>
+                      <a:r>
+                        <a:rPr lang="en-GB" sz="1800" b="0" i="0" u="none" strike="noStrike" cap="none" dirty="0">
+                          <a:solidFill>
+                            <a:schemeClr val="tx1"/>
+                          </a:solidFill>
+                          <a:latin typeface="Quattrocento Sans"/>
+                          <a:ea typeface="Quattrocento Sans"/>
+                          <a:cs typeface="Quattrocento Sans"/>
+                          <a:sym typeface="Quattrocento Sans"/>
+                        </a:rPr>
+                        <a:t>6</a:t>
+                      </a:r>
                       <a:endParaRPr sz="1800" b="0" i="0" u="none" strike="noStrike" cap="none" dirty="0">
                         <a:solidFill>
                           <a:schemeClr val="tx1"/>
@@ -30790,7 +28405,7 @@
                       <a:headEnd type="none" w="sm" len="sm"/>
                       <a:tailEnd type="none" w="sm" len="sm"/>
                     </a:lnL>
-                    <a:lnR w="12700" cap="flat" cmpd="sng">
+                    <a:lnR w="12700" cap="flat" cmpd="sng" algn="ctr">
                       <a:solidFill>
                         <a:srgbClr val="BFBFBF"/>
                       </a:solidFill>
@@ -30808,7 +28423,7 @@
                       <a:headEnd type="none" w="sm" len="sm"/>
                       <a:tailEnd type="none" w="sm" len="sm"/>
                     </a:lnT>
-                    <a:lnB w="12700" cap="flat" cmpd="sng">
+                    <a:lnB w="12700" cap="flat" cmpd="sng" algn="ctr">
                       <a:solidFill>
                         <a:srgbClr val="BFBFBF"/>
                       </a:solidFill>
@@ -30882,7 +28497,7 @@
                       <a:headEnd type="none" w="sm" len="sm"/>
                       <a:tailEnd type="none" w="sm" len="sm"/>
                     </a:lnT>
-                    <a:lnB w="12700" cap="flat" cmpd="sng">
+                    <a:lnB w="12700" cap="flat" cmpd="sng" algn="ctr">
                       <a:solidFill>
                         <a:srgbClr val="BFBFBF"/>
                       </a:solidFill>
@@ -30946,7 +28561,7 @@
                       <a:headEnd type="none" w="sm" len="sm"/>
                       <a:tailEnd type="none" w="sm" len="sm"/>
                     </a:lnT>
-                    <a:lnB w="12700" cap="flat" cmpd="sng">
+                    <a:lnB w="12700" cap="flat" cmpd="sng" algn="ctr">
                       <a:solidFill>
                         <a:srgbClr val="BFBFBF"/>
                       </a:solidFill>
@@ -30962,7 +28577,7 @@
                 </a:tc>
                 <a:extLst>
                   <a:ext uri="{0D108BD9-81ED-4DB2-BD59-A6C34878D82A}">
-                    <a16:rowId xmlns:a16="http://schemas.microsoft.com/office/drawing/2014/main" val="10007"/>
+                    <a16:rowId xmlns:a16="http://schemas.microsoft.com/office/drawing/2014/main" val="10006"/>
                   </a:ext>
                 </a:extLst>
               </a:tr>
@@ -31049,7 +28664,7 @@
         </p:nvSpPr>
         <p:spPr>
           <a:xfrm>
-            <a:off x="1728015" y="4777777"/>
+            <a:off x="1728015" y="4808950"/>
             <a:ext cx="285900" cy="279600"/>
           </a:xfrm>
           <a:prstGeom prst="ellipse">
@@ -31113,7 +28728,7 @@
         </p:nvSpPr>
         <p:spPr>
           <a:xfrm>
-            <a:off x="3638441" y="3722419"/>
+            <a:off x="3638441" y="3753592"/>
             <a:ext cx="285900" cy="279600"/>
           </a:xfrm>
           <a:prstGeom prst="ellipse">
@@ -31177,7 +28792,7 @@
         </p:nvSpPr>
         <p:spPr>
           <a:xfrm>
-            <a:off x="3031018" y="5682363"/>
+            <a:off x="3031018" y="5713536"/>
             <a:ext cx="285900" cy="279600"/>
           </a:xfrm>
           <a:prstGeom prst="ellipse">
@@ -31241,7 +28856,7 @@
         </p:nvSpPr>
         <p:spPr>
           <a:xfrm>
-            <a:off x="5070761" y="5477288"/>
+            <a:off x="5070761" y="5508461"/>
             <a:ext cx="388800" cy="380400"/>
           </a:xfrm>
           <a:prstGeom prst="ellipse">
@@ -31305,7 +28920,7 @@
         </p:nvSpPr>
         <p:spPr>
           <a:xfrm>
-            <a:off x="5358246" y="3971763"/>
+            <a:off x="5358246" y="4002936"/>
             <a:ext cx="285900" cy="279600"/>
           </a:xfrm>
           <a:prstGeom prst="ellipse">
@@ -31369,7 +28984,7 @@
         </p:nvSpPr>
         <p:spPr>
           <a:xfrm>
-            <a:off x="3140507" y="4597438"/>
+            <a:off x="3140507" y="4628611"/>
             <a:ext cx="285900" cy="279600"/>
           </a:xfrm>
           <a:prstGeom prst="ellipse">
@@ -31433,7 +29048,7 @@
         </p:nvCxnSpPr>
         <p:spPr>
           <a:xfrm flipH="1">
-            <a:off x="1971941" y="3909378"/>
+            <a:off x="1971941" y="3940551"/>
             <a:ext cx="1666500" cy="956400"/>
           </a:xfrm>
           <a:prstGeom prst="straightConnector1">
@@ -31468,7 +29083,7 @@
         </p:nvCxnSpPr>
         <p:spPr>
           <a:xfrm>
-            <a:off x="1972046" y="5016431"/>
+            <a:off x="1972046" y="5047604"/>
             <a:ext cx="1059000" cy="805800"/>
           </a:xfrm>
           <a:prstGeom prst="straightConnector1">
@@ -31503,7 +29118,7 @@
         </p:nvCxnSpPr>
         <p:spPr>
           <a:xfrm rot="10800000" flipH="1">
-            <a:off x="3173968" y="4877163"/>
+            <a:off x="3173968" y="4908336"/>
             <a:ext cx="109500" cy="805200"/>
           </a:xfrm>
           <a:prstGeom prst="straightConnector1">
@@ -31538,7 +29153,7 @@
         </p:nvCxnSpPr>
         <p:spPr>
           <a:xfrm flipH="1">
-            <a:off x="2014007" y="4737238"/>
+            <a:off x="2014007" y="4768411"/>
             <a:ext cx="1126500" cy="180300"/>
           </a:xfrm>
           <a:prstGeom prst="straightConnector1">
@@ -31573,7 +29188,7 @@
         </p:nvCxnSpPr>
         <p:spPr>
           <a:xfrm rot="10800000" flipH="1">
-            <a:off x="3384538" y="4111584"/>
+            <a:off x="3384538" y="4142757"/>
             <a:ext cx="1973700" cy="526800"/>
           </a:xfrm>
           <a:prstGeom prst="straightConnector1">
@@ -31608,7 +29223,7 @@
         </p:nvCxnSpPr>
         <p:spPr>
           <a:xfrm flipH="1">
-            <a:off x="5265096" y="4251363"/>
+            <a:off x="5265096" y="4282536"/>
             <a:ext cx="236100" cy="1225800"/>
           </a:xfrm>
           <a:prstGeom prst="straightConnector1">
@@ -31643,7 +29258,7 @@
         </p:nvCxnSpPr>
         <p:spPr>
           <a:xfrm flipH="1">
-            <a:off x="3316899" y="5801980"/>
+            <a:off x="3316899" y="5833153"/>
             <a:ext cx="1810800" cy="20100"/>
           </a:xfrm>
           <a:prstGeom prst="straightConnector1">
@@ -31678,7 +29293,7 @@
         </p:nvCxnSpPr>
         <p:spPr>
           <a:xfrm rot="10800000">
-            <a:off x="3924246" y="3862263"/>
+            <a:off x="3924246" y="3893436"/>
             <a:ext cx="1434000" cy="249300"/>
           </a:xfrm>
           <a:prstGeom prst="straightConnector1">
@@ -31713,7 +29328,7 @@
         </p:nvCxnSpPr>
         <p:spPr>
           <a:xfrm flipH="1">
-            <a:off x="3274915" y="4210417"/>
+            <a:off x="3274915" y="4241590"/>
             <a:ext cx="2125200" cy="1512900"/>
           </a:xfrm>
           <a:prstGeom prst="straightConnector1">
@@ -31748,7 +29363,7 @@
         </p:nvCxnSpPr>
         <p:spPr>
           <a:xfrm>
-            <a:off x="3781391" y="4002019"/>
+            <a:off x="3781391" y="4033192"/>
             <a:ext cx="1289400" cy="1665600"/>
           </a:xfrm>
           <a:prstGeom prst="straightConnector1">
@@ -31780,7 +29395,7 @@
         </p:nvSpPr>
         <p:spPr>
           <a:xfrm>
-            <a:off x="3022656" y="3102443"/>
+            <a:off x="3022656" y="3133616"/>
             <a:ext cx="534300" cy="369300"/>
           </a:xfrm>
           <a:prstGeom prst="rect">
@@ -31836,7 +29451,7 @@
         </p:nvSpPr>
         <p:spPr>
           <a:xfrm>
-            <a:off x="4005568" y="3485013"/>
+            <a:off x="4005568" y="3516186"/>
             <a:ext cx="318000" cy="369300"/>
           </a:xfrm>
           <a:prstGeom prst="rect">
@@ -31863,7 +29478,7 @@
               <a:buNone/>
             </a:pPr>
             <a:r>
-              <a:rPr lang="en-US" sz="1800">
+              <a:rPr lang="en-US" sz="1800" dirty="0">
                 <a:solidFill>
                   <a:schemeClr val="dk1"/>
                 </a:solidFill>
@@ -31874,7 +29489,7 @@
               </a:rPr>
               <a:t>6</a:t>
             </a:r>
-            <a:endParaRPr/>
+            <a:endParaRPr dirty="0"/>
           </a:p>
         </p:txBody>
       </p:sp>
@@ -31892,7 +29507,7 @@
         </p:nvSpPr>
         <p:spPr>
           <a:xfrm>
-            <a:off x="3866247" y="3960065"/>
+            <a:off x="3866247" y="3991238"/>
             <a:ext cx="318000" cy="369300"/>
           </a:xfrm>
           <a:prstGeom prst="rect">
@@ -31948,7 +29563,7 @@
         </p:nvSpPr>
         <p:spPr>
           <a:xfrm>
-            <a:off x="2520716" y="4525376"/>
+            <a:off x="2520716" y="4556549"/>
             <a:ext cx="318000" cy="369300"/>
           </a:xfrm>
           <a:prstGeom prst="rect">
@@ -32004,7 +29619,7 @@
         </p:nvSpPr>
         <p:spPr>
           <a:xfrm>
-            <a:off x="2273607" y="5419330"/>
+            <a:off x="2273607" y="5450503"/>
             <a:ext cx="318000" cy="369300"/>
           </a:xfrm>
           <a:prstGeom prst="rect">
@@ -32060,7 +29675,7 @@
         </p:nvSpPr>
         <p:spPr>
           <a:xfrm>
-            <a:off x="2960177" y="5020877"/>
+            <a:off x="2960177" y="5052050"/>
             <a:ext cx="318000" cy="369300"/>
           </a:xfrm>
           <a:prstGeom prst="rect">
@@ -32116,7 +29731,7 @@
         </p:nvSpPr>
         <p:spPr>
           <a:xfrm>
-            <a:off x="4048820" y="5788630"/>
+            <a:off x="4048820" y="5819803"/>
             <a:ext cx="318000" cy="369300"/>
           </a:xfrm>
           <a:prstGeom prst="rect">
@@ -32172,7 +29787,7 @@
         </p:nvSpPr>
         <p:spPr>
           <a:xfrm>
-            <a:off x="5331214" y="4764346"/>
+            <a:off x="5331214" y="4795519"/>
             <a:ext cx="318000" cy="369300"/>
           </a:xfrm>
           <a:prstGeom prst="rect">
@@ -32228,7 +29843,7 @@
         </p:nvSpPr>
         <p:spPr>
           <a:xfrm>
-            <a:off x="3761232" y="4465519"/>
+            <a:off x="3761232" y="4496692"/>
             <a:ext cx="405300" cy="369300"/>
           </a:xfrm>
           <a:prstGeom prst="rect">
@@ -32284,7 +29899,7 @@
         </p:nvSpPr>
         <p:spPr>
           <a:xfrm>
-            <a:off x="3340600" y="5224576"/>
+            <a:off x="3340600" y="5255749"/>
             <a:ext cx="318000" cy="369300"/>
           </a:xfrm>
           <a:prstGeom prst="rect">
@@ -32340,7 +29955,7 @@
         </p:nvSpPr>
         <p:spPr>
           <a:xfrm>
-            <a:off x="2423679" y="3064057"/>
+            <a:off x="2423679" y="3095230"/>
             <a:ext cx="285900" cy="279600"/>
           </a:xfrm>
           <a:prstGeom prst="ellipse">
@@ -32407,7 +30022,7 @@
         </p:nvCxnSpPr>
         <p:spPr>
           <a:xfrm rot="10800000">
-            <a:off x="2667810" y="3302565"/>
+            <a:off x="2667810" y="3333738"/>
             <a:ext cx="1012500" cy="460800"/>
           </a:xfrm>
           <a:prstGeom prst="straightConnector1">
@@ -32439,7 +30054,7 @@
         </p:nvSpPr>
         <p:spPr>
           <a:xfrm>
-            <a:off x="2605211" y="3917453"/>
+            <a:off x="2605211" y="3948626"/>
             <a:ext cx="534300" cy="369300"/>
           </a:xfrm>
           <a:prstGeom prst="rect">
@@ -32498,7 +30113,7 @@
         </p:nvCxnSpPr>
         <p:spPr>
           <a:xfrm flipH="1">
-            <a:off x="1993373" y="3862219"/>
+            <a:off x="1993373" y="3893392"/>
             <a:ext cx="1645068" cy="998732"/>
           </a:xfrm>
           <a:prstGeom prst="straightConnector1">
@@ -32533,7 +30148,7 @@
         </p:nvCxnSpPr>
         <p:spPr>
           <a:xfrm flipH="1">
-            <a:off x="1982284" y="4737238"/>
+            <a:off x="1982284" y="4768411"/>
             <a:ext cx="1158223" cy="207203"/>
           </a:xfrm>
           <a:prstGeom prst="straightConnector1">
@@ -32568,7 +30183,7 @@
         </p:nvCxnSpPr>
         <p:spPr>
           <a:xfrm flipV="1">
-            <a:off x="3173968" y="4892230"/>
+            <a:off x="3173968" y="4923403"/>
             <a:ext cx="78298" cy="790133"/>
           </a:xfrm>
           <a:prstGeom prst="straightConnector1">
@@ -32604,7 +30219,7 @@
         </p:nvCxnSpPr>
         <p:spPr>
           <a:xfrm flipH="1">
-            <a:off x="3384538" y="4111563"/>
+            <a:off x="3384538" y="4142736"/>
             <a:ext cx="1973708" cy="526821"/>
           </a:xfrm>
           <a:prstGeom prst="straightConnector1">
@@ -32639,7 +30254,7 @@
         </p:nvCxnSpPr>
         <p:spPr>
           <a:xfrm flipH="1" flipV="1">
-            <a:off x="3803101" y="3994069"/>
+            <a:off x="3803101" y="4025242"/>
             <a:ext cx="1267660" cy="1673419"/>
           </a:xfrm>
           <a:prstGeom prst="straightConnector1">
@@ -32674,7 +30289,7 @@
         </p:nvCxnSpPr>
         <p:spPr>
           <a:xfrm flipH="1" flipV="1">
-            <a:off x="2648631" y="3298031"/>
+            <a:off x="2648631" y="3329204"/>
             <a:ext cx="1031679" cy="465334"/>
           </a:xfrm>
           <a:prstGeom prst="straightConnector1">
@@ -32710,8 +30325,8 @@
         </p:nvSpPr>
         <p:spPr>
           <a:xfrm>
-            <a:off x="575239" y="1214314"/>
-            <a:ext cx="11187000" cy="1323397"/>
+            <a:off x="572192" y="1129100"/>
+            <a:ext cx="11187000" cy="1683495"/>
           </a:xfrm>
         </p:spPr>
         <p:txBody>
@@ -32723,18 +30338,17 @@
             </a:pPr>
             <a:r>
               <a:rPr lang="en-GB" dirty="0"/>
-              <a:t>Run Kruskal’s algorithm starting from node A. Fill in the table with the order in which each node is added, the best edge with minimum distance to the tree, and its distance to the current tree. Highlight the final MST in the graph.</a:t>
+              <a:t>Run Kruskal’s algorithm. Fill in the table with the order in which each edge is added, and its weight. Break ties in alphabetical or numerical order. Highlight the final MST in the graph. For an undirected edge, write the nodes in alphabetical order, e.g., (E, F) instead of (F, E).</a:t>
             </a:r>
-            <a:endParaRPr lang="en-SE" dirty="0"/>
           </a:p>
         </p:txBody>
       </p:sp>
       <p:graphicFrame>
         <p:nvGraphicFramePr>
-          <p:cNvPr id="35" name="Google Shape;1044;p47">
+          <p:cNvPr id="3" name="Google Shape;1044;p47">
             <a:extLst>
               <a:ext uri="{FF2B5EF4-FFF2-40B4-BE49-F238E27FC236}">
-                <a16:creationId xmlns:a16="http://schemas.microsoft.com/office/drawing/2014/main" id="{74592CDA-F7C2-FC99-A367-853920E1363D}"/>
+                <a16:creationId xmlns:a16="http://schemas.microsoft.com/office/drawing/2014/main" id="{FD7B8D06-26F8-7FD4-A4BD-254D28474541}"/>
               </a:ext>
             </a:extLst>
           </p:cNvPr>
@@ -32742,14 +30356,14 @@
           <p:nvPr>
             <p:extLst>
               <p:ext uri="{D42A27DB-BD31-4B8C-83A1-F6EECF244321}">
-                <p14:modId xmlns:p14="http://schemas.microsoft.com/office/powerpoint/2010/main" val="3760969335"/>
+                <p14:modId xmlns:p14="http://schemas.microsoft.com/office/powerpoint/2010/main" val="220244738"/>
               </p:ext>
             </p:extLst>
           </p:nvPr>
         </p:nvGraphicFramePr>
         <p:xfrm>
-          <a:off x="7045183" y="2711345"/>
-          <a:ext cx="3989312" cy="3236040"/>
+          <a:off x="7364400" y="2986156"/>
+          <a:ext cx="3261582" cy="2865190"/>
         </p:xfrm>
         <a:graphic>
           <a:graphicData uri="http://schemas.openxmlformats.org/drawingml/2006/table">
@@ -32758,13 +30372,6 @@
                 <a:noFill/>
               </a:tblPr>
               <a:tblGrid>
-                <a:gridCol w="727730">
-                  <a:extLst>
-                    <a:ext uri="{9D8B030D-6E8A-4147-A177-3AD203B41FA5}">
-                      <a16:colId xmlns:a16="http://schemas.microsoft.com/office/drawing/2014/main" val="20000"/>
-                    </a:ext>
-                  </a:extLst>
-                </a:gridCol>
                 <a:gridCol w="817786">
                   <a:extLst>
                     <a:ext uri="{9D8B030D-6E8A-4147-A177-3AD203B41FA5}">
@@ -32793,86 +30400,7 @@
                     <a:bodyPr/>
                     <a:lstStyle/>
                     <a:p>
-                      <a:pPr marL="0" marR="0" lvl="0" indent="0" algn="l" rtl="0">
-                        <a:spcBef>
-                          <a:spcPts val="0"/>
-                        </a:spcBef>
-                        <a:spcAft>
-                          <a:spcPts val="0"/>
-                        </a:spcAft>
-                        <a:buNone/>
-                      </a:pPr>
-                      <a:r>
-                        <a:rPr lang="en-US" sz="1800" dirty="0">
-                          <a:solidFill>
-                            <a:schemeClr val="tx1"/>
-                          </a:solidFill>
-                          <a:latin typeface="Quattrocento Sans"/>
-                          <a:ea typeface="Quattrocento Sans"/>
-                          <a:cs typeface="Quattrocento Sans"/>
-                          <a:sym typeface="Quattrocento Sans"/>
-                        </a:rPr>
-                        <a:t>Node</a:t>
-                      </a:r>
-                      <a:endParaRPr dirty="0">
-                        <a:solidFill>
-                          <a:schemeClr val="tx1"/>
-                        </a:solidFill>
-                        <a:latin typeface="Quattrocento Sans"/>
-                        <a:ea typeface="Quattrocento Sans"/>
-                        <a:cs typeface="Quattrocento Sans"/>
-                        <a:sym typeface="Quattrocento Sans"/>
-                      </a:endParaRPr>
-                    </a:p>
-                  </a:txBody>
-                  <a:tcPr marL="91450" marR="91450" marT="45725" marB="45725">
-                    <a:lnL w="12700" cap="flat" cmpd="sng">
-                      <a:solidFill>
-                        <a:srgbClr val="BFBFBF"/>
-                      </a:solidFill>
-                      <a:prstDash val="solid"/>
-                      <a:round/>
-                      <a:headEnd type="none" w="sm" len="sm"/>
-                      <a:tailEnd type="none" w="sm" len="sm"/>
-                    </a:lnL>
-                    <a:lnR w="12700" cap="flat" cmpd="sng">
-                      <a:solidFill>
-                        <a:srgbClr val="BFBFBF"/>
-                      </a:solidFill>
-                      <a:prstDash val="solid"/>
-                      <a:round/>
-                      <a:headEnd type="none" w="sm" len="sm"/>
-                      <a:tailEnd type="none" w="sm" len="sm"/>
-                    </a:lnR>
-                    <a:lnT w="12700" cap="flat" cmpd="sng">
-                      <a:solidFill>
-                        <a:srgbClr val="BFBFBF"/>
-                      </a:solidFill>
-                      <a:prstDash val="solid"/>
-                      <a:round/>
-                      <a:headEnd type="none" w="sm" len="sm"/>
-                      <a:tailEnd type="none" w="sm" len="sm"/>
-                    </a:lnT>
-                    <a:lnB w="38100" cap="flat" cmpd="sng">
-                      <a:solidFill>
-                        <a:srgbClr val="BFBFBF"/>
-                      </a:solidFill>
-                      <a:prstDash val="solid"/>
-                      <a:round/>
-                      <a:headEnd type="none" w="sm" len="sm"/>
-                      <a:tailEnd type="none" w="sm" len="sm"/>
-                    </a:lnB>
-                    <a:solidFill>
-                      <a:srgbClr val="A48DD3"/>
-                    </a:solidFill>
-                  </a:tcPr>
-                </a:tc>
-                <a:tc>
-                  <a:txBody>
-                    <a:bodyPr/>
-                    <a:lstStyle/>
-                    <a:p>
-                      <a:pPr marL="0" marR="0" lvl="0" indent="0" algn="l" rtl="0">
+                      <a:pPr marL="0" marR="0" lvl="0" indent="0" algn="ctr" rtl="0">
                         <a:spcBef>
                           <a:spcPts val="0"/>
                         </a:spcBef>
@@ -32972,7 +30500,7 @@
                     <a:bodyPr/>
                     <a:lstStyle/>
                     <a:p>
-                      <a:pPr marL="0" marR="0" lvl="0" indent="0" algn="l" rtl="0">
+                      <a:pPr marL="0" marR="0" lvl="0" indent="0" algn="ctr" rtl="0">
                         <a:spcBef>
                           <a:spcPts val="0"/>
                         </a:spcBef>
@@ -32988,7 +30516,7 @@
                           <a:cs typeface="Quattrocento Sans"/>
                           <a:sym typeface="Quattrocento Sans"/>
                         </a:rPr>
-                        <a:t>Best Edge</a:t>
+                        <a:t>Edge</a:t>
                       </a:r>
                       <a:endParaRPr dirty="0">
                         <a:latin typeface="Quattrocento Sans"/>
@@ -33045,7 +30573,7 @@
                     <a:bodyPr/>
                     <a:lstStyle/>
                     <a:p>
-                      <a:pPr marL="0" marR="0" lvl="0" indent="0" algn="l" rtl="0">
+                      <a:pPr marL="0" marR="0" lvl="0" indent="0" algn="ctr" rtl="0">
                         <a:spcBef>
                           <a:spcPts val="0"/>
                         </a:spcBef>
@@ -33120,79 +30648,6 @@
                 </a:extLst>
               </a:tr>
               <a:tr h="370850">
-                <a:tc>
-                  <a:txBody>
-                    <a:bodyPr/>
-                    <a:lstStyle/>
-                    <a:p>
-                      <a:pPr marL="0" marR="0" lvl="0" indent="0" algn="ctr" rtl="0">
-                        <a:spcBef>
-                          <a:spcPts val="0"/>
-                        </a:spcBef>
-                        <a:spcAft>
-                          <a:spcPts val="0"/>
-                        </a:spcAft>
-                        <a:buNone/>
-                      </a:pPr>
-                      <a:r>
-                        <a:rPr lang="en-US" sz="1800" dirty="0">
-                          <a:latin typeface="Quattrocento Sans"/>
-                          <a:ea typeface="Quattrocento Sans"/>
-                          <a:cs typeface="Quattrocento Sans"/>
-                          <a:sym typeface="Quattrocento Sans"/>
-                        </a:rPr>
-                        <a:t>A</a:t>
-                      </a:r>
-                      <a:endParaRPr dirty="0">
-                        <a:latin typeface="Quattrocento Sans"/>
-                        <a:ea typeface="Quattrocento Sans"/>
-                        <a:cs typeface="Quattrocento Sans"/>
-                        <a:sym typeface="Quattrocento Sans"/>
-                      </a:endParaRPr>
-                    </a:p>
-                  </a:txBody>
-                  <a:tcPr marL="91450" marR="91450" marT="45725" marB="45725">
-                    <a:lnL w="12700" cap="flat" cmpd="sng">
-                      <a:solidFill>
-                        <a:srgbClr val="BFBFBF"/>
-                      </a:solidFill>
-                      <a:prstDash val="solid"/>
-                      <a:round/>
-                      <a:headEnd type="none" w="sm" len="sm"/>
-                      <a:tailEnd type="none" w="sm" len="sm"/>
-                    </a:lnL>
-                    <a:lnR w="12700" cap="flat" cmpd="sng" algn="ctr">
-                      <a:solidFill>
-                        <a:srgbClr val="BFBFBF"/>
-                      </a:solidFill>
-                      <a:prstDash val="solid"/>
-                      <a:round/>
-                      <a:headEnd type="none" w="sm" len="sm"/>
-                      <a:tailEnd type="none" w="sm" len="sm"/>
-                    </a:lnR>
-                    <a:lnT w="38100" cap="flat" cmpd="sng">
-                      <a:solidFill>
-                        <a:srgbClr val="BFBFBF"/>
-                      </a:solidFill>
-                      <a:prstDash val="solid"/>
-                      <a:round/>
-                      <a:headEnd type="none" w="sm" len="sm"/>
-                      <a:tailEnd type="none" w="sm" len="sm"/>
-                    </a:lnT>
-                    <a:lnB w="12700" cap="flat" cmpd="sng">
-                      <a:solidFill>
-                        <a:srgbClr val="BFBFBF"/>
-                      </a:solidFill>
-                      <a:prstDash val="solid"/>
-                      <a:round/>
-                      <a:headEnd type="none" w="sm" len="sm"/>
-                      <a:tailEnd type="none" w="sm" len="sm"/>
-                    </a:lnB>
-                    <a:solidFill>
-                      <a:schemeClr val="lt1"/>
-                    </a:solidFill>
-                  </a:tcPr>
-                </a:tc>
                 <a:tc>
                   <a:txBody>
                     <a:bodyPr/>
@@ -33310,7 +30765,7 @@
                           <a:cs typeface="Quattrocento Sans"/>
                           <a:sym typeface="Quattrocento Sans"/>
                         </a:rPr>
-                        <a:t>/</a:t>
+                        <a:t>(A, B)</a:t>
                       </a:r>
                     </a:p>
                   </a:txBody>
@@ -33334,331 +30789,6 @@
                       <a:tailEnd type="none" w="sm" len="sm"/>
                     </a:lnR>
                     <a:lnT w="38100" cap="flat" cmpd="sng" algn="ctr">
-                      <a:solidFill>
-                        <a:srgbClr val="BFBFBF"/>
-                      </a:solidFill>
-                      <a:prstDash val="solid"/>
-                      <a:round/>
-                      <a:headEnd type="none" w="sm" len="sm"/>
-                      <a:tailEnd type="none" w="sm" len="sm"/>
-                    </a:lnT>
-                    <a:lnB w="12700" cap="flat" cmpd="sng" algn="ctr">
-                      <a:solidFill>
-                        <a:srgbClr val="BFBFBF"/>
-                      </a:solidFill>
-                      <a:prstDash val="solid"/>
-                      <a:round/>
-                      <a:headEnd type="none" w="sm" len="sm"/>
-                      <a:tailEnd type="none" w="sm" len="sm"/>
-                    </a:lnB>
-                    <a:solidFill>
-                      <a:schemeClr val="lt1"/>
-                    </a:solidFill>
-                  </a:tcPr>
-                </a:tc>
-                <a:tc>
-                  <a:txBody>
-                    <a:bodyPr/>
-                    <a:lstStyle/>
-                    <a:p>
-                      <a:pPr marL="0" marR="0" lvl="0" indent="0" algn="ctr" rtl="0">
-                        <a:spcBef>
-                          <a:spcPts val="0"/>
-                        </a:spcBef>
-                        <a:spcAft>
-                          <a:spcPts val="0"/>
-                        </a:spcAft>
-                        <a:buNone/>
-                      </a:pPr>
-                      <a:r>
-                        <a:rPr lang="en-GB" sz="1800" dirty="0">
-                          <a:latin typeface="Quattrocento Sans"/>
-                          <a:ea typeface="Quattrocento Sans"/>
-                          <a:cs typeface="Quattrocento Sans"/>
-                          <a:sym typeface="Quattrocento Sans"/>
-                        </a:rPr>
-                        <a:t>/</a:t>
-                      </a:r>
-                      <a:endParaRPr sz="1800" dirty="0">
-                        <a:latin typeface="Quattrocento Sans"/>
-                        <a:ea typeface="Quattrocento Sans"/>
-                        <a:cs typeface="Quattrocento Sans"/>
-                        <a:sym typeface="Quattrocento Sans"/>
-                      </a:endParaRPr>
-                    </a:p>
-                  </a:txBody>
-                  <a:tcPr marL="91450" marR="91450" marT="45725" marB="45725">
-                    <a:lnL w="12700" cap="flat" cmpd="sng" algn="ctr">
-                      <a:solidFill>
-                        <a:srgbClr val="BFBFBF"/>
-                      </a:solidFill>
-                      <a:prstDash val="solid"/>
-                      <a:round/>
-                      <a:headEnd type="none" w="sm" len="sm"/>
-                      <a:tailEnd type="none" w="sm" len="sm"/>
-                    </a:lnL>
-                    <a:lnR w="12700" cap="flat" cmpd="sng">
-                      <a:solidFill>
-                        <a:srgbClr val="BFBFBF"/>
-                      </a:solidFill>
-                      <a:prstDash val="solid"/>
-                      <a:round/>
-                      <a:headEnd type="none" w="sm" len="sm"/>
-                      <a:tailEnd type="none" w="sm" len="sm"/>
-                    </a:lnR>
-                    <a:lnT w="38100" cap="flat" cmpd="sng" algn="ctr">
-                      <a:solidFill>
-                        <a:srgbClr val="BFBFBF"/>
-                      </a:solidFill>
-                      <a:prstDash val="solid"/>
-                      <a:round/>
-                      <a:headEnd type="none" w="sm" len="sm"/>
-                      <a:tailEnd type="none" w="sm" len="sm"/>
-                    </a:lnT>
-                    <a:lnB w="12700" cap="flat" cmpd="sng" algn="ctr">
-                      <a:solidFill>
-                        <a:srgbClr val="BFBFBF"/>
-                      </a:solidFill>
-                      <a:prstDash val="solid"/>
-                      <a:round/>
-                      <a:headEnd type="none" w="sm" len="sm"/>
-                      <a:tailEnd type="none" w="sm" len="sm"/>
-                    </a:lnB>
-                    <a:solidFill>
-                      <a:schemeClr val="lt1"/>
-                    </a:solidFill>
-                  </a:tcPr>
-                </a:tc>
-                <a:extLst>
-                  <a:ext uri="{0D108BD9-81ED-4DB2-BD59-A6C34878D82A}">
-                    <a16:rowId xmlns:a16="http://schemas.microsoft.com/office/drawing/2014/main" val="10001"/>
-                  </a:ext>
-                </a:extLst>
-              </a:tr>
-              <a:tr h="370850">
-                <a:tc>
-                  <a:txBody>
-                    <a:bodyPr/>
-                    <a:lstStyle/>
-                    <a:p>
-                      <a:pPr marL="0" marR="0" lvl="0" indent="0" algn="ctr" rtl="0">
-                        <a:spcBef>
-                          <a:spcPts val="0"/>
-                        </a:spcBef>
-                        <a:spcAft>
-                          <a:spcPts val="0"/>
-                        </a:spcAft>
-                        <a:buNone/>
-                      </a:pPr>
-                      <a:r>
-                        <a:rPr lang="en-US" sz="1800" dirty="0">
-                          <a:latin typeface="Quattrocento Sans"/>
-                          <a:ea typeface="Quattrocento Sans"/>
-                          <a:cs typeface="Quattrocento Sans"/>
-                          <a:sym typeface="Quattrocento Sans"/>
-                        </a:rPr>
-                        <a:t>B</a:t>
-                      </a:r>
-                      <a:endParaRPr dirty="0">
-                        <a:latin typeface="Quattrocento Sans"/>
-                        <a:ea typeface="Quattrocento Sans"/>
-                        <a:cs typeface="Quattrocento Sans"/>
-                        <a:sym typeface="Quattrocento Sans"/>
-                      </a:endParaRPr>
-                    </a:p>
-                  </a:txBody>
-                  <a:tcPr marL="91450" marR="91450" marT="45725" marB="45725">
-                    <a:lnL w="12700" cap="flat" cmpd="sng">
-                      <a:solidFill>
-                        <a:srgbClr val="BFBFBF"/>
-                      </a:solidFill>
-                      <a:prstDash val="solid"/>
-                      <a:round/>
-                      <a:headEnd type="none" w="sm" len="sm"/>
-                      <a:tailEnd type="none" w="sm" len="sm"/>
-                    </a:lnL>
-                    <a:lnR w="12700" cap="flat" cmpd="sng" algn="ctr">
-                      <a:solidFill>
-                        <a:srgbClr val="BFBFBF"/>
-                      </a:solidFill>
-                      <a:prstDash val="solid"/>
-                      <a:round/>
-                      <a:headEnd type="none" w="sm" len="sm"/>
-                      <a:tailEnd type="none" w="sm" len="sm"/>
-                    </a:lnR>
-                    <a:lnT w="12700" cap="flat" cmpd="sng">
-                      <a:solidFill>
-                        <a:srgbClr val="BFBFBF"/>
-                      </a:solidFill>
-                      <a:prstDash val="solid"/>
-                      <a:round/>
-                      <a:headEnd type="none" w="sm" len="sm"/>
-                      <a:tailEnd type="none" w="sm" len="sm"/>
-                    </a:lnT>
-                    <a:lnB w="12700" cap="flat" cmpd="sng">
-                      <a:solidFill>
-                        <a:srgbClr val="BFBFBF"/>
-                      </a:solidFill>
-                      <a:prstDash val="solid"/>
-                      <a:round/>
-                      <a:headEnd type="none" w="sm" len="sm"/>
-                      <a:tailEnd type="none" w="sm" len="sm"/>
-                    </a:lnB>
-                    <a:solidFill>
-                      <a:schemeClr val="lt1"/>
-                    </a:solidFill>
-                  </a:tcPr>
-                </a:tc>
-                <a:tc>
-                  <a:txBody>
-                    <a:bodyPr/>
-                    <a:lstStyle/>
-                    <a:p>
-                      <a:pPr marL="0" marR="0" lvl="0" indent="0" algn="ctr" rtl="0">
-                        <a:lnSpc>
-                          <a:spcPct val="100000"/>
-                        </a:lnSpc>
-                        <a:spcBef>
-                          <a:spcPts val="0"/>
-                        </a:spcBef>
-                        <a:spcAft>
-                          <a:spcPts val="0"/>
-                        </a:spcAft>
-                        <a:buClr>
-                          <a:srgbClr val="000000"/>
-                        </a:buClr>
-                        <a:buFont typeface="Arial"/>
-                        <a:buNone/>
-                      </a:pPr>
-                      <a:r>
-                        <a:rPr lang="en-GB" sz="1800" b="0" i="0" u="none" strike="noStrike" cap="none" dirty="0">
-                          <a:solidFill>
-                            <a:schemeClr val="tx1"/>
-                          </a:solidFill>
-                          <a:latin typeface="Quattrocento Sans"/>
-                          <a:ea typeface="Quattrocento Sans"/>
-                          <a:cs typeface="Quattrocento Sans"/>
-                          <a:sym typeface="Quattrocento Sans"/>
-                        </a:rPr>
-                        <a:t>2</a:t>
-                      </a:r>
-                      <a:endParaRPr sz="1800" b="0" i="0" u="none" strike="noStrike" cap="none" dirty="0">
-                        <a:solidFill>
-                          <a:schemeClr val="tx1"/>
-                        </a:solidFill>
-                        <a:latin typeface="Quattrocento Sans"/>
-                        <a:ea typeface="Quattrocento Sans"/>
-                        <a:cs typeface="Quattrocento Sans"/>
-                        <a:sym typeface="Quattrocento Sans"/>
-                      </a:endParaRPr>
-                    </a:p>
-                  </a:txBody>
-                  <a:tcPr marL="91450" marR="91450" marT="45725" marB="45725">
-                    <a:lnL w="12700" cap="flat" cmpd="sng" algn="ctr">
-                      <a:solidFill>
-                        <a:srgbClr val="BFBFBF"/>
-                      </a:solidFill>
-                      <a:prstDash val="solid"/>
-                      <a:round/>
-                      <a:headEnd type="none" w="sm" len="sm"/>
-                      <a:tailEnd type="none" w="sm" len="sm"/>
-                    </a:lnL>
-                    <a:lnR w="12700" cap="flat" cmpd="sng">
-                      <a:solidFill>
-                        <a:srgbClr val="BFBFBF"/>
-                      </a:solidFill>
-                      <a:prstDash val="solid"/>
-                      <a:round/>
-                      <a:headEnd type="none" w="sm" len="sm"/>
-                      <a:tailEnd type="none" w="sm" len="sm"/>
-                    </a:lnR>
-                    <a:lnT w="12700" cap="flat" cmpd="sng" algn="ctr">
-                      <a:solidFill>
-                        <a:srgbClr val="BFBFBF"/>
-                      </a:solidFill>
-                      <a:prstDash val="solid"/>
-                      <a:round/>
-                      <a:headEnd type="none" w="sm" len="sm"/>
-                      <a:tailEnd type="none" w="sm" len="sm"/>
-                    </a:lnT>
-                    <a:lnB w="12700" cap="flat" cmpd="sng" algn="ctr">
-                      <a:solidFill>
-                        <a:srgbClr val="BFBFBF"/>
-                      </a:solidFill>
-                      <a:prstDash val="solid"/>
-                      <a:round/>
-                      <a:headEnd type="none" w="sm" len="sm"/>
-                      <a:tailEnd type="none" w="sm" len="sm"/>
-                    </a:lnB>
-                    <a:solidFill>
-                      <a:schemeClr val="lt1"/>
-                    </a:solidFill>
-                  </a:tcPr>
-                </a:tc>
-                <a:tc>
-                  <a:txBody>
-                    <a:bodyPr/>
-                    <a:lstStyle/>
-                    <a:p>
-                      <a:pPr marL="0" marR="0" lvl="0" indent="0" algn="ctr" defTabSz="914400" rtl="0" eaLnBrk="1" fontAlgn="auto" latinLnBrk="0" hangingPunct="1">
-                        <a:lnSpc>
-                          <a:spcPct val="100000"/>
-                        </a:lnSpc>
-                        <a:spcBef>
-                          <a:spcPts val="0"/>
-                        </a:spcBef>
-                        <a:spcAft>
-                          <a:spcPts val="0"/>
-                        </a:spcAft>
-                        <a:buClr>
-                          <a:srgbClr val="000000"/>
-                        </a:buClr>
-                        <a:buSzTx/>
-                        <a:buFont typeface="Arial"/>
-                        <a:buNone/>
-                        <a:tabLst/>
-                        <a:defRPr/>
-                      </a:pPr>
-                      <a:r>
-                        <a:rPr lang="en-US" sz="1800" dirty="0">
-                          <a:solidFill>
-                            <a:schemeClr val="dk1"/>
-                          </a:solidFill>
-                          <a:latin typeface="Quattrocento Sans"/>
-                          <a:ea typeface="Quattrocento Sans"/>
-                          <a:cs typeface="Quattrocento Sans"/>
-                          <a:sym typeface="Quattrocento Sans"/>
-                        </a:rPr>
-                        <a:t>(A, B)</a:t>
-                      </a:r>
-                      <a:endParaRPr lang="en-US" sz="1800" dirty="0">
-                        <a:latin typeface="Quattrocento Sans"/>
-                        <a:ea typeface="Quattrocento Sans"/>
-                        <a:cs typeface="Quattrocento Sans"/>
-                        <a:sym typeface="Quattrocento Sans"/>
-                      </a:endParaRPr>
-                    </a:p>
-                  </a:txBody>
-                  <a:tcPr marL="91450" marR="91450" marT="45725" marB="45725">
-                    <a:lnL w="12700" cap="flat" cmpd="sng" algn="ctr">
-                      <a:solidFill>
-                        <a:srgbClr val="BFBFBF"/>
-                      </a:solidFill>
-                      <a:prstDash val="solid"/>
-                      <a:round/>
-                      <a:headEnd type="none" w="sm" len="sm"/>
-                      <a:tailEnd type="none" w="sm" len="sm"/>
-                    </a:lnL>
-                    <a:lnR w="12700" cap="flat" cmpd="sng" algn="ctr">
-                      <a:solidFill>
-                        <a:srgbClr val="BFBFBF"/>
-                      </a:solidFill>
-                      <a:prstDash val="solid"/>
-                      <a:round/>
-                      <a:headEnd type="none" w="sm" len="sm"/>
-                      <a:tailEnd type="none" w="sm" len="sm"/>
-                    </a:lnR>
-                    <a:lnT w="12700" cap="flat" cmpd="sng" algn="ctr">
                       <a:solidFill>
                         <a:srgbClr val="BFBFBF"/>
                       </a:solidFill>
@@ -33731,7 +30861,7 @@
                       <a:headEnd type="none" w="sm" len="sm"/>
                       <a:tailEnd type="none" w="sm" len="sm"/>
                     </a:lnR>
-                    <a:lnT w="12700" cap="flat" cmpd="sng" algn="ctr">
+                    <a:lnT w="38100" cap="flat" cmpd="sng" algn="ctr">
                       <a:solidFill>
                         <a:srgbClr val="BFBFBF"/>
                       </a:solidFill>
@@ -33756,84 +30886,11 @@
                 </a:tc>
                 <a:extLst>
                   <a:ext uri="{0D108BD9-81ED-4DB2-BD59-A6C34878D82A}">
-                    <a16:rowId xmlns:a16="http://schemas.microsoft.com/office/drawing/2014/main" val="10002"/>
+                    <a16:rowId xmlns:a16="http://schemas.microsoft.com/office/drawing/2014/main" val="10001"/>
                   </a:ext>
                 </a:extLst>
               </a:tr>
               <a:tr h="370850">
-                <a:tc>
-                  <a:txBody>
-                    <a:bodyPr/>
-                    <a:lstStyle/>
-                    <a:p>
-                      <a:pPr marL="0" marR="0" lvl="0" indent="0" algn="ctr" rtl="0">
-                        <a:spcBef>
-                          <a:spcPts val="0"/>
-                        </a:spcBef>
-                        <a:spcAft>
-                          <a:spcPts val="0"/>
-                        </a:spcAft>
-                        <a:buNone/>
-                      </a:pPr>
-                      <a:r>
-                        <a:rPr lang="en-US" sz="1800" dirty="0">
-                          <a:latin typeface="Quattrocento Sans"/>
-                          <a:ea typeface="Quattrocento Sans"/>
-                          <a:cs typeface="Quattrocento Sans"/>
-                          <a:sym typeface="Quattrocento Sans"/>
-                        </a:rPr>
-                        <a:t>C</a:t>
-                      </a:r>
-                      <a:endParaRPr dirty="0">
-                        <a:latin typeface="Quattrocento Sans"/>
-                        <a:ea typeface="Quattrocento Sans"/>
-                        <a:cs typeface="Quattrocento Sans"/>
-                        <a:sym typeface="Quattrocento Sans"/>
-                      </a:endParaRPr>
-                    </a:p>
-                  </a:txBody>
-                  <a:tcPr marL="91450" marR="91450" marT="45725" marB="45725">
-                    <a:lnL w="12700" cap="flat" cmpd="sng">
-                      <a:solidFill>
-                        <a:srgbClr val="BFBFBF"/>
-                      </a:solidFill>
-                      <a:prstDash val="solid"/>
-                      <a:round/>
-                      <a:headEnd type="none" w="sm" len="sm"/>
-                      <a:tailEnd type="none" w="sm" len="sm"/>
-                    </a:lnL>
-                    <a:lnR w="12700" cap="flat" cmpd="sng" algn="ctr">
-                      <a:solidFill>
-                        <a:srgbClr val="BFBFBF"/>
-                      </a:solidFill>
-                      <a:prstDash val="solid"/>
-                      <a:round/>
-                      <a:headEnd type="none" w="sm" len="sm"/>
-                      <a:tailEnd type="none" w="sm" len="sm"/>
-                    </a:lnR>
-                    <a:lnT w="12700" cap="flat" cmpd="sng">
-                      <a:solidFill>
-                        <a:srgbClr val="BFBFBF"/>
-                      </a:solidFill>
-                      <a:prstDash val="solid"/>
-                      <a:round/>
-                      <a:headEnd type="none" w="sm" len="sm"/>
-                      <a:tailEnd type="none" w="sm" len="sm"/>
-                    </a:lnT>
-                    <a:lnB w="12700" cap="flat" cmpd="sng">
-                      <a:solidFill>
-                        <a:srgbClr val="BFBFBF"/>
-                      </a:solidFill>
-                      <a:prstDash val="solid"/>
-                      <a:round/>
-                      <a:headEnd type="none" w="sm" len="sm"/>
-                      <a:tailEnd type="none" w="sm" len="sm"/>
-                    </a:lnB>
-                    <a:solidFill>
-                      <a:schemeClr val="lt1"/>
-                    </a:solidFill>
-                  </a:tcPr>
-                </a:tc>
                 <a:tc>
                   <a:txBody>
                     <a:bodyPr/>
@@ -33865,332 +30922,7 @@
                           <a:cs typeface="Quattrocento Sans"/>
                           <a:sym typeface="Quattrocento Sans"/>
                         </a:rPr>
-                        <a:t>5</a:t>
-                      </a:r>
-                      <a:endParaRPr sz="1800" b="0" i="0" u="none" strike="noStrike" cap="none" dirty="0">
-                        <a:solidFill>
-                          <a:schemeClr val="tx1"/>
-                        </a:solidFill>
-                        <a:latin typeface="Quattrocento Sans"/>
-                        <a:ea typeface="Quattrocento Sans"/>
-                        <a:cs typeface="Quattrocento Sans"/>
-                        <a:sym typeface="Quattrocento Sans"/>
-                      </a:endParaRPr>
-                    </a:p>
-                  </a:txBody>
-                  <a:tcPr marL="91450" marR="91450" marT="45725" marB="45725">
-                    <a:lnL w="12700" cap="flat" cmpd="sng" algn="ctr">
-                      <a:solidFill>
-                        <a:srgbClr val="BFBFBF"/>
-                      </a:solidFill>
-                      <a:prstDash val="solid"/>
-                      <a:round/>
-                      <a:headEnd type="none" w="sm" len="sm"/>
-                      <a:tailEnd type="none" w="sm" len="sm"/>
-                    </a:lnL>
-                    <a:lnR w="12700" cap="flat" cmpd="sng">
-                      <a:solidFill>
-                        <a:srgbClr val="BFBFBF"/>
-                      </a:solidFill>
-                      <a:prstDash val="solid"/>
-                      <a:round/>
-                      <a:headEnd type="none" w="sm" len="sm"/>
-                      <a:tailEnd type="none" w="sm" len="sm"/>
-                    </a:lnR>
-                    <a:lnT w="12700" cap="flat" cmpd="sng" algn="ctr">
-                      <a:solidFill>
-                        <a:srgbClr val="BFBFBF"/>
-                      </a:solidFill>
-                      <a:prstDash val="solid"/>
-                      <a:round/>
-                      <a:headEnd type="none" w="sm" len="sm"/>
-                      <a:tailEnd type="none" w="sm" len="sm"/>
-                    </a:lnT>
-                    <a:lnB w="12700" cap="flat" cmpd="sng" algn="ctr">
-                      <a:solidFill>
-                        <a:srgbClr val="BFBFBF"/>
-                      </a:solidFill>
-                      <a:prstDash val="solid"/>
-                      <a:round/>
-                      <a:headEnd type="none" w="sm" len="sm"/>
-                      <a:tailEnd type="none" w="sm" len="sm"/>
-                    </a:lnB>
-                    <a:solidFill>
-                      <a:schemeClr val="lt1"/>
-                    </a:solidFill>
-                  </a:tcPr>
-                </a:tc>
-                <a:tc>
-                  <a:txBody>
-                    <a:bodyPr/>
-                    <a:lstStyle/>
-                    <a:p>
-                      <a:pPr marL="0" marR="0" lvl="0" indent="0" algn="ctr" defTabSz="914400" rtl="0" eaLnBrk="1" fontAlgn="auto" latinLnBrk="0" hangingPunct="1">
-                        <a:lnSpc>
-                          <a:spcPct val="100000"/>
-                        </a:lnSpc>
-                        <a:spcBef>
-                          <a:spcPts val="0"/>
-                        </a:spcBef>
-                        <a:spcAft>
-                          <a:spcPts val="0"/>
-                        </a:spcAft>
-                        <a:buClr>
-                          <a:srgbClr val="000000"/>
-                        </a:buClr>
-                        <a:buSzTx/>
-                        <a:buFont typeface="Arial"/>
-                        <a:buNone/>
-                        <a:tabLst/>
-                        <a:defRPr/>
-                      </a:pPr>
-                      <a:r>
-                        <a:rPr lang="en-US" sz="1800" dirty="0">
-                          <a:solidFill>
-                            <a:schemeClr val="dk1"/>
-                          </a:solidFill>
-                          <a:latin typeface="Quattrocento Sans"/>
-                          <a:ea typeface="Quattrocento Sans"/>
-                          <a:cs typeface="Quattrocento Sans"/>
-                          <a:sym typeface="Quattrocento Sans"/>
-                        </a:rPr>
-                        <a:t>(A, C)</a:t>
-                      </a:r>
-                      <a:endParaRPr lang="en-US" sz="1800" dirty="0">
-                        <a:latin typeface="Quattrocento Sans"/>
-                        <a:ea typeface="Quattrocento Sans"/>
-                        <a:cs typeface="Quattrocento Sans"/>
-                        <a:sym typeface="Quattrocento Sans"/>
-                      </a:endParaRPr>
-                    </a:p>
-                  </a:txBody>
-                  <a:tcPr marL="91450" marR="91450" marT="45725" marB="45725">
-                    <a:lnL w="12700" cap="flat" cmpd="sng" algn="ctr">
-                      <a:solidFill>
-                        <a:srgbClr val="BFBFBF"/>
-                      </a:solidFill>
-                      <a:prstDash val="solid"/>
-                      <a:round/>
-                      <a:headEnd type="none" w="sm" len="sm"/>
-                      <a:tailEnd type="none" w="sm" len="sm"/>
-                    </a:lnL>
-                    <a:lnR w="12700" cap="flat" cmpd="sng" algn="ctr">
-                      <a:solidFill>
-                        <a:srgbClr val="BFBFBF"/>
-                      </a:solidFill>
-                      <a:prstDash val="solid"/>
-                      <a:round/>
-                      <a:headEnd type="none" w="sm" len="sm"/>
-                      <a:tailEnd type="none" w="sm" len="sm"/>
-                    </a:lnR>
-                    <a:lnT w="12700" cap="flat" cmpd="sng" algn="ctr">
-                      <a:solidFill>
-                        <a:srgbClr val="BFBFBF"/>
-                      </a:solidFill>
-                      <a:prstDash val="solid"/>
-                      <a:round/>
-                      <a:headEnd type="none" w="sm" len="sm"/>
-                      <a:tailEnd type="none" w="sm" len="sm"/>
-                    </a:lnT>
-                    <a:lnB w="12700" cap="flat" cmpd="sng" algn="ctr">
-                      <a:solidFill>
-                        <a:srgbClr val="BFBFBF"/>
-                      </a:solidFill>
-                      <a:prstDash val="solid"/>
-                      <a:round/>
-                      <a:headEnd type="none" w="sm" len="sm"/>
-                      <a:tailEnd type="none" w="sm" len="sm"/>
-                    </a:lnB>
-                    <a:solidFill>
-                      <a:schemeClr val="lt1"/>
-                    </a:solidFill>
-                  </a:tcPr>
-                </a:tc>
-                <a:tc>
-                  <a:txBody>
-                    <a:bodyPr/>
-                    <a:lstStyle/>
-                    <a:p>
-                      <a:pPr marL="0" marR="0" lvl="0" indent="0" algn="ctr" rtl="0">
-                        <a:spcBef>
-                          <a:spcPts val="0"/>
-                        </a:spcBef>
-                        <a:spcAft>
-                          <a:spcPts val="0"/>
-                        </a:spcAft>
-                        <a:buNone/>
-                      </a:pPr>
-                      <a:r>
-                        <a:rPr lang="en-GB" sz="1800" dirty="0">
-                          <a:latin typeface="Quattrocento Sans"/>
-                          <a:ea typeface="Quattrocento Sans"/>
-                          <a:cs typeface="Quattrocento Sans"/>
-                          <a:sym typeface="Quattrocento Sans"/>
-                        </a:rPr>
-                        <a:t>4</a:t>
-                      </a:r>
-                      <a:endParaRPr sz="1800" dirty="0">
-                        <a:latin typeface="Quattrocento Sans"/>
-                        <a:ea typeface="Quattrocento Sans"/>
-                        <a:cs typeface="Quattrocento Sans"/>
-                        <a:sym typeface="Quattrocento Sans"/>
-                      </a:endParaRPr>
-                    </a:p>
-                  </a:txBody>
-                  <a:tcPr marL="91450" marR="91450" marT="45725" marB="45725">
-                    <a:lnL w="12700" cap="flat" cmpd="sng" algn="ctr">
-                      <a:solidFill>
-                        <a:srgbClr val="BFBFBF"/>
-                      </a:solidFill>
-                      <a:prstDash val="solid"/>
-                      <a:round/>
-                      <a:headEnd type="none" w="sm" len="sm"/>
-                      <a:tailEnd type="none" w="sm" len="sm"/>
-                    </a:lnL>
-                    <a:lnR w="12700" cap="flat" cmpd="sng">
-                      <a:solidFill>
-                        <a:srgbClr val="BFBFBF"/>
-                      </a:solidFill>
-                      <a:prstDash val="solid"/>
-                      <a:round/>
-                      <a:headEnd type="none" w="sm" len="sm"/>
-                      <a:tailEnd type="none" w="sm" len="sm"/>
-                    </a:lnR>
-                    <a:lnT w="12700" cap="flat" cmpd="sng" algn="ctr">
-                      <a:solidFill>
-                        <a:srgbClr val="BFBFBF"/>
-                      </a:solidFill>
-                      <a:prstDash val="solid"/>
-                      <a:round/>
-                      <a:headEnd type="none" w="sm" len="sm"/>
-                      <a:tailEnd type="none" w="sm" len="sm"/>
-                    </a:lnT>
-                    <a:lnB w="12700" cap="flat" cmpd="sng" algn="ctr">
-                      <a:solidFill>
-                        <a:srgbClr val="BFBFBF"/>
-                      </a:solidFill>
-                      <a:prstDash val="solid"/>
-                      <a:round/>
-                      <a:headEnd type="none" w="sm" len="sm"/>
-                      <a:tailEnd type="none" w="sm" len="sm"/>
-                    </a:lnB>
-                    <a:solidFill>
-                      <a:schemeClr val="lt1"/>
-                    </a:solidFill>
-                  </a:tcPr>
-                </a:tc>
-                <a:extLst>
-                  <a:ext uri="{0D108BD9-81ED-4DB2-BD59-A6C34878D82A}">
-                    <a16:rowId xmlns:a16="http://schemas.microsoft.com/office/drawing/2014/main" val="10003"/>
-                  </a:ext>
-                </a:extLst>
-              </a:tr>
-              <a:tr h="370850">
-                <a:tc>
-                  <a:txBody>
-                    <a:bodyPr/>
-                    <a:lstStyle/>
-                    <a:p>
-                      <a:pPr marL="0" marR="0" lvl="0" indent="0" algn="ctr" rtl="0">
-                        <a:spcBef>
-                          <a:spcPts val="0"/>
-                        </a:spcBef>
-                        <a:spcAft>
-                          <a:spcPts val="0"/>
-                        </a:spcAft>
-                        <a:buNone/>
-                      </a:pPr>
-                      <a:r>
-                        <a:rPr lang="en-US" sz="1800" dirty="0">
-                          <a:latin typeface="Quattrocento Sans"/>
-                          <a:ea typeface="Quattrocento Sans"/>
-                          <a:cs typeface="Quattrocento Sans"/>
-                          <a:sym typeface="Quattrocento Sans"/>
-                        </a:rPr>
-                        <a:t>D</a:t>
-                      </a:r>
-                      <a:endParaRPr dirty="0">
-                        <a:latin typeface="Quattrocento Sans"/>
-                        <a:ea typeface="Quattrocento Sans"/>
-                        <a:cs typeface="Quattrocento Sans"/>
-                        <a:sym typeface="Quattrocento Sans"/>
-                      </a:endParaRPr>
-                    </a:p>
-                  </a:txBody>
-                  <a:tcPr marL="91450" marR="91450" marT="45725" marB="45725">
-                    <a:lnL w="12700" cap="flat" cmpd="sng">
-                      <a:solidFill>
-                        <a:srgbClr val="BFBFBF"/>
-                      </a:solidFill>
-                      <a:prstDash val="solid"/>
-                      <a:round/>
-                      <a:headEnd type="none" w="sm" len="sm"/>
-                      <a:tailEnd type="none" w="sm" len="sm"/>
-                    </a:lnL>
-                    <a:lnR w="12700" cap="flat" cmpd="sng" algn="ctr">
-                      <a:solidFill>
-                        <a:srgbClr val="BFBFBF"/>
-                      </a:solidFill>
-                      <a:prstDash val="solid"/>
-                      <a:round/>
-                      <a:headEnd type="none" w="sm" len="sm"/>
-                      <a:tailEnd type="none" w="sm" len="sm"/>
-                    </a:lnR>
-                    <a:lnT w="12700" cap="flat" cmpd="sng">
-                      <a:solidFill>
-                        <a:srgbClr val="BFBFBF"/>
-                      </a:solidFill>
-                      <a:prstDash val="solid"/>
-                      <a:round/>
-                      <a:headEnd type="none" w="sm" len="sm"/>
-                      <a:tailEnd type="none" w="sm" len="sm"/>
-                    </a:lnT>
-                    <a:lnB w="12700" cap="flat" cmpd="sng">
-                      <a:solidFill>
-                        <a:srgbClr val="BFBFBF"/>
-                      </a:solidFill>
-                      <a:prstDash val="solid"/>
-                      <a:round/>
-                      <a:headEnd type="none" w="sm" len="sm"/>
-                      <a:tailEnd type="none" w="sm" len="sm"/>
-                    </a:lnB>
-                    <a:solidFill>
-                      <a:schemeClr val="lt1"/>
-                    </a:solidFill>
-                  </a:tcPr>
-                </a:tc>
-                <a:tc>
-                  <a:txBody>
-                    <a:bodyPr/>
-                    <a:lstStyle/>
-                    <a:p>
-                      <a:pPr marL="0" marR="0" lvl="0" indent="0" algn="ctr" rtl="0">
-                        <a:lnSpc>
-                          <a:spcPct val="100000"/>
-                        </a:lnSpc>
-                        <a:spcBef>
-                          <a:spcPts val="0"/>
-                        </a:spcBef>
-                        <a:spcAft>
-                          <a:spcPts val="0"/>
-                        </a:spcAft>
-                        <a:buClr>
-                          <a:srgbClr val="000000"/>
-                        </a:buClr>
-                        <a:buFont typeface="Arial"/>
-                        <a:buNone/>
-                      </a:pPr>
-                      <a:r>
-                        <a:rPr lang="en-GB" sz="1800" b="0" i="0" u="none" strike="noStrike" cap="none" dirty="0">
-                          <a:solidFill>
-                            <a:schemeClr val="tx1"/>
-                          </a:solidFill>
-                          <a:latin typeface="Quattrocento Sans"/>
-                          <a:ea typeface="Quattrocento Sans"/>
-                          <a:cs typeface="Quattrocento Sans"/>
-                          <a:sym typeface="Quattrocento Sans"/>
-                        </a:rPr>
-                        <a:t>3</a:t>
+                        <a:t>2</a:t>
                       </a:r>
                       <a:endParaRPr sz="1800" b="0" i="0" u="none" strike="noStrike" cap="none" dirty="0">
                         <a:solidFill>
@@ -34412,84 +31144,11 @@
                 </a:tc>
                 <a:extLst>
                   <a:ext uri="{0D108BD9-81ED-4DB2-BD59-A6C34878D82A}">
-                    <a16:rowId xmlns:a16="http://schemas.microsoft.com/office/drawing/2014/main" val="10004"/>
+                    <a16:rowId xmlns:a16="http://schemas.microsoft.com/office/drawing/2014/main" val="10002"/>
                   </a:ext>
                 </a:extLst>
               </a:tr>
               <a:tr h="370850">
-                <a:tc>
-                  <a:txBody>
-                    <a:bodyPr/>
-                    <a:lstStyle/>
-                    <a:p>
-                      <a:pPr marL="0" marR="0" lvl="0" indent="0" algn="ctr" rtl="0">
-                        <a:spcBef>
-                          <a:spcPts val="0"/>
-                        </a:spcBef>
-                        <a:spcAft>
-                          <a:spcPts val="0"/>
-                        </a:spcAft>
-                        <a:buNone/>
-                      </a:pPr>
-                      <a:r>
-                        <a:rPr lang="en-US" sz="1800" dirty="0">
-                          <a:latin typeface="Quattrocento Sans"/>
-                          <a:ea typeface="Quattrocento Sans"/>
-                          <a:cs typeface="Quattrocento Sans"/>
-                          <a:sym typeface="Quattrocento Sans"/>
-                        </a:rPr>
-                        <a:t>E</a:t>
-                      </a:r>
-                      <a:endParaRPr dirty="0">
-                        <a:latin typeface="Quattrocento Sans"/>
-                        <a:ea typeface="Quattrocento Sans"/>
-                        <a:cs typeface="Quattrocento Sans"/>
-                        <a:sym typeface="Quattrocento Sans"/>
-                      </a:endParaRPr>
-                    </a:p>
-                  </a:txBody>
-                  <a:tcPr marL="91450" marR="91450" marT="45725" marB="45725">
-                    <a:lnL w="12700" cap="flat" cmpd="sng">
-                      <a:solidFill>
-                        <a:srgbClr val="BFBFBF"/>
-                      </a:solidFill>
-                      <a:prstDash val="solid"/>
-                      <a:round/>
-                      <a:headEnd type="none" w="sm" len="sm"/>
-                      <a:tailEnd type="none" w="sm" len="sm"/>
-                    </a:lnL>
-                    <a:lnR w="12700" cap="flat" cmpd="sng" algn="ctr">
-                      <a:solidFill>
-                        <a:srgbClr val="BFBFBF"/>
-                      </a:solidFill>
-                      <a:prstDash val="solid"/>
-                      <a:round/>
-                      <a:headEnd type="none" w="sm" len="sm"/>
-                      <a:tailEnd type="none" w="sm" len="sm"/>
-                    </a:lnR>
-                    <a:lnT w="12700" cap="flat" cmpd="sng">
-                      <a:solidFill>
-                        <a:srgbClr val="BFBFBF"/>
-                      </a:solidFill>
-                      <a:prstDash val="solid"/>
-                      <a:round/>
-                      <a:headEnd type="none" w="sm" len="sm"/>
-                      <a:tailEnd type="none" w="sm" len="sm"/>
-                    </a:lnT>
-                    <a:lnB w="12700" cap="flat" cmpd="sng">
-                      <a:solidFill>
-                        <a:srgbClr val="BFBFBF"/>
-                      </a:solidFill>
-                      <a:prstDash val="solid"/>
-                      <a:round/>
-                      <a:headEnd type="none" w="sm" len="sm"/>
-                      <a:tailEnd type="none" w="sm" len="sm"/>
-                    </a:lnB>
-                    <a:solidFill>
-                      <a:schemeClr val="lt1"/>
-                    </a:solidFill>
-                  </a:tcPr>
-                </a:tc>
                 <a:tc>
                   <a:txBody>
                     <a:bodyPr/>
@@ -34521,7 +31180,7 @@
                           <a:cs typeface="Quattrocento Sans"/>
                           <a:sym typeface="Quattrocento Sans"/>
                         </a:rPr>
-                        <a:t>6</a:t>
+                        <a:t>3</a:t>
                       </a:r>
                       <a:endParaRPr sz="1800" b="0" i="0" u="none" strike="noStrike" cap="none" dirty="0">
                         <a:solidFill>
@@ -34545,6 +31204,510 @@
                       <a:tailEnd type="none" w="sm" len="sm"/>
                     </a:lnL>
                     <a:lnR w="12700" cap="flat" cmpd="sng">
+                      <a:solidFill>
+                        <a:srgbClr val="BFBFBF"/>
+                      </a:solidFill>
+                      <a:prstDash val="solid"/>
+                      <a:round/>
+                      <a:headEnd type="none" w="sm" len="sm"/>
+                      <a:tailEnd type="none" w="sm" len="sm"/>
+                    </a:lnR>
+                    <a:lnT w="12700" cap="flat" cmpd="sng" algn="ctr">
+                      <a:solidFill>
+                        <a:srgbClr val="BFBFBF"/>
+                      </a:solidFill>
+                      <a:prstDash val="solid"/>
+                      <a:round/>
+                      <a:headEnd type="none" w="sm" len="sm"/>
+                      <a:tailEnd type="none" w="sm" len="sm"/>
+                    </a:lnT>
+                    <a:lnB w="12700" cap="flat" cmpd="sng" algn="ctr">
+                      <a:solidFill>
+                        <a:srgbClr val="BFBFBF"/>
+                      </a:solidFill>
+                      <a:prstDash val="solid"/>
+                      <a:round/>
+                      <a:headEnd type="none" w="sm" len="sm"/>
+                      <a:tailEnd type="none" w="sm" len="sm"/>
+                    </a:lnB>
+                    <a:solidFill>
+                      <a:schemeClr val="lt1"/>
+                    </a:solidFill>
+                  </a:tcPr>
+                </a:tc>
+                <a:tc>
+                  <a:txBody>
+                    <a:bodyPr/>
+                    <a:lstStyle/>
+                    <a:p>
+                      <a:pPr marL="0" marR="0" lvl="0" indent="0" algn="ctr" defTabSz="914400" rtl="0" eaLnBrk="1" fontAlgn="auto" latinLnBrk="0" hangingPunct="1">
+                        <a:lnSpc>
+                          <a:spcPct val="100000"/>
+                        </a:lnSpc>
+                        <a:spcBef>
+                          <a:spcPts val="0"/>
+                        </a:spcBef>
+                        <a:spcAft>
+                          <a:spcPts val="0"/>
+                        </a:spcAft>
+                        <a:buClr>
+                          <a:srgbClr val="000000"/>
+                        </a:buClr>
+                        <a:buSzTx/>
+                        <a:buFont typeface="Arial"/>
+                        <a:buNone/>
+                        <a:tabLst/>
+                        <a:defRPr/>
+                      </a:pPr>
+                      <a:r>
+                        <a:rPr lang="en-US" sz="1800" dirty="0">
+                          <a:solidFill>
+                            <a:schemeClr val="dk1"/>
+                          </a:solidFill>
+                          <a:latin typeface="Quattrocento Sans"/>
+                          <a:ea typeface="Quattrocento Sans"/>
+                          <a:cs typeface="Quattrocento Sans"/>
+                          <a:sym typeface="Quattrocento Sans"/>
+                        </a:rPr>
+                        <a:t>(B, F)</a:t>
+                      </a:r>
+                    </a:p>
+                  </a:txBody>
+                  <a:tcPr marL="91450" marR="91450" marT="45725" marB="45725">
+                    <a:lnL w="12700" cap="flat" cmpd="sng" algn="ctr">
+                      <a:solidFill>
+                        <a:srgbClr val="BFBFBF"/>
+                      </a:solidFill>
+                      <a:prstDash val="solid"/>
+                      <a:round/>
+                      <a:headEnd type="none" w="sm" len="sm"/>
+                      <a:tailEnd type="none" w="sm" len="sm"/>
+                    </a:lnL>
+                    <a:lnR w="12700" cap="flat" cmpd="sng" algn="ctr">
+                      <a:solidFill>
+                        <a:srgbClr val="BFBFBF"/>
+                      </a:solidFill>
+                      <a:prstDash val="solid"/>
+                      <a:round/>
+                      <a:headEnd type="none" w="sm" len="sm"/>
+                      <a:tailEnd type="none" w="sm" len="sm"/>
+                    </a:lnR>
+                    <a:lnT w="12700" cap="flat" cmpd="sng" algn="ctr">
+                      <a:solidFill>
+                        <a:srgbClr val="BFBFBF"/>
+                      </a:solidFill>
+                      <a:prstDash val="solid"/>
+                      <a:round/>
+                      <a:headEnd type="none" w="sm" len="sm"/>
+                      <a:tailEnd type="none" w="sm" len="sm"/>
+                    </a:lnT>
+                    <a:lnB w="12700" cap="flat" cmpd="sng" algn="ctr">
+                      <a:solidFill>
+                        <a:srgbClr val="BFBFBF"/>
+                      </a:solidFill>
+                      <a:prstDash val="solid"/>
+                      <a:round/>
+                      <a:headEnd type="none" w="sm" len="sm"/>
+                      <a:tailEnd type="none" w="sm" len="sm"/>
+                    </a:lnB>
+                    <a:solidFill>
+                      <a:schemeClr val="lt1"/>
+                    </a:solidFill>
+                  </a:tcPr>
+                </a:tc>
+                <a:tc>
+                  <a:txBody>
+                    <a:bodyPr/>
+                    <a:lstStyle/>
+                    <a:p>
+                      <a:pPr marL="0" marR="0" lvl="0" indent="0" algn="ctr" rtl="0">
+                        <a:spcBef>
+                          <a:spcPts val="0"/>
+                        </a:spcBef>
+                        <a:spcAft>
+                          <a:spcPts val="0"/>
+                        </a:spcAft>
+                        <a:buNone/>
+                      </a:pPr>
+                      <a:r>
+                        <a:rPr lang="en-GB" sz="1800" dirty="0">
+                          <a:latin typeface="Quattrocento Sans"/>
+                          <a:ea typeface="Quattrocento Sans"/>
+                          <a:cs typeface="Quattrocento Sans"/>
+                          <a:sym typeface="Quattrocento Sans"/>
+                        </a:rPr>
+                        <a:t>3</a:t>
+                      </a:r>
+                      <a:endParaRPr sz="1800" dirty="0">
+                        <a:latin typeface="Quattrocento Sans"/>
+                        <a:ea typeface="Quattrocento Sans"/>
+                        <a:cs typeface="Quattrocento Sans"/>
+                        <a:sym typeface="Quattrocento Sans"/>
+                      </a:endParaRPr>
+                    </a:p>
+                  </a:txBody>
+                  <a:tcPr marL="91450" marR="91450" marT="45725" marB="45725">
+                    <a:lnL w="12700" cap="flat" cmpd="sng" algn="ctr">
+                      <a:solidFill>
+                        <a:srgbClr val="BFBFBF"/>
+                      </a:solidFill>
+                      <a:prstDash val="solid"/>
+                      <a:round/>
+                      <a:headEnd type="none" w="sm" len="sm"/>
+                      <a:tailEnd type="none" w="sm" len="sm"/>
+                    </a:lnL>
+                    <a:lnR w="12700" cap="flat" cmpd="sng">
+                      <a:solidFill>
+                        <a:srgbClr val="BFBFBF"/>
+                      </a:solidFill>
+                      <a:prstDash val="solid"/>
+                      <a:round/>
+                      <a:headEnd type="none" w="sm" len="sm"/>
+                      <a:tailEnd type="none" w="sm" len="sm"/>
+                    </a:lnR>
+                    <a:lnT w="12700" cap="flat" cmpd="sng" algn="ctr">
+                      <a:solidFill>
+                        <a:srgbClr val="BFBFBF"/>
+                      </a:solidFill>
+                      <a:prstDash val="solid"/>
+                      <a:round/>
+                      <a:headEnd type="none" w="sm" len="sm"/>
+                      <a:tailEnd type="none" w="sm" len="sm"/>
+                    </a:lnT>
+                    <a:lnB w="12700" cap="flat" cmpd="sng" algn="ctr">
+                      <a:solidFill>
+                        <a:srgbClr val="BFBFBF"/>
+                      </a:solidFill>
+                      <a:prstDash val="solid"/>
+                      <a:round/>
+                      <a:headEnd type="none" w="sm" len="sm"/>
+                      <a:tailEnd type="none" w="sm" len="sm"/>
+                    </a:lnB>
+                    <a:solidFill>
+                      <a:schemeClr val="lt1"/>
+                    </a:solidFill>
+                  </a:tcPr>
+                </a:tc>
+                <a:extLst>
+                  <a:ext uri="{0D108BD9-81ED-4DB2-BD59-A6C34878D82A}">
+                    <a16:rowId xmlns:a16="http://schemas.microsoft.com/office/drawing/2014/main" val="10003"/>
+                  </a:ext>
+                </a:extLst>
+              </a:tr>
+              <a:tr h="370850">
+                <a:tc>
+                  <a:txBody>
+                    <a:bodyPr/>
+                    <a:lstStyle/>
+                    <a:p>
+                      <a:pPr marL="0" marR="0" lvl="0" indent="0" algn="ctr" rtl="0">
+                        <a:lnSpc>
+                          <a:spcPct val="100000"/>
+                        </a:lnSpc>
+                        <a:spcBef>
+                          <a:spcPts val="0"/>
+                        </a:spcBef>
+                        <a:spcAft>
+                          <a:spcPts val="0"/>
+                        </a:spcAft>
+                        <a:buClr>
+                          <a:srgbClr val="000000"/>
+                        </a:buClr>
+                        <a:buFont typeface="Arial"/>
+                        <a:buNone/>
+                      </a:pPr>
+                      <a:r>
+                        <a:rPr lang="en-GB" sz="1800" b="0" i="0" u="none" strike="noStrike" cap="none" dirty="0">
+                          <a:solidFill>
+                            <a:schemeClr val="tx1"/>
+                          </a:solidFill>
+                          <a:latin typeface="Quattrocento Sans"/>
+                          <a:ea typeface="Quattrocento Sans"/>
+                          <a:cs typeface="Quattrocento Sans"/>
+                          <a:sym typeface="Quattrocento Sans"/>
+                        </a:rPr>
+                        <a:t>4</a:t>
+                      </a:r>
+                      <a:endParaRPr sz="1800" b="0" i="0" u="none" strike="noStrike" cap="none" dirty="0">
+                        <a:solidFill>
+                          <a:schemeClr val="tx1"/>
+                        </a:solidFill>
+                        <a:latin typeface="Quattrocento Sans"/>
+                        <a:ea typeface="Quattrocento Sans"/>
+                        <a:cs typeface="Quattrocento Sans"/>
+                        <a:sym typeface="Quattrocento Sans"/>
+                      </a:endParaRPr>
+                    </a:p>
+                  </a:txBody>
+                  <a:tcPr marL="91450" marR="91450" marT="45725" marB="45725">
+                    <a:lnL w="12700" cap="flat" cmpd="sng" algn="ctr">
+                      <a:solidFill>
+                        <a:srgbClr val="BFBFBF"/>
+                      </a:solidFill>
+                      <a:prstDash val="solid"/>
+                      <a:round/>
+                      <a:headEnd type="none" w="sm" len="sm"/>
+                      <a:tailEnd type="none" w="sm" len="sm"/>
+                    </a:lnL>
+                    <a:lnR w="12700" cap="flat" cmpd="sng">
+                      <a:solidFill>
+                        <a:srgbClr val="BFBFBF"/>
+                      </a:solidFill>
+                      <a:prstDash val="solid"/>
+                      <a:round/>
+                      <a:headEnd type="none" w="sm" len="sm"/>
+                      <a:tailEnd type="none" w="sm" len="sm"/>
+                    </a:lnR>
+                    <a:lnT w="12700" cap="flat" cmpd="sng" algn="ctr">
+                      <a:solidFill>
+                        <a:srgbClr val="BFBFBF"/>
+                      </a:solidFill>
+                      <a:prstDash val="solid"/>
+                      <a:round/>
+                      <a:headEnd type="none" w="sm" len="sm"/>
+                      <a:tailEnd type="none" w="sm" len="sm"/>
+                    </a:lnT>
+                    <a:lnB w="12700" cap="flat" cmpd="sng" algn="ctr">
+                      <a:solidFill>
+                        <a:srgbClr val="BFBFBF"/>
+                      </a:solidFill>
+                      <a:prstDash val="solid"/>
+                      <a:round/>
+                      <a:headEnd type="none" w="sm" len="sm"/>
+                      <a:tailEnd type="none" w="sm" len="sm"/>
+                    </a:lnB>
+                    <a:solidFill>
+                      <a:schemeClr val="lt1"/>
+                    </a:solidFill>
+                  </a:tcPr>
+                </a:tc>
+                <a:tc>
+                  <a:txBody>
+                    <a:bodyPr/>
+                    <a:lstStyle/>
+                    <a:p>
+                      <a:pPr marL="0" marR="0" lvl="0" indent="0" algn="ctr" defTabSz="914400" rtl="0" eaLnBrk="1" fontAlgn="auto" latinLnBrk="0" hangingPunct="1">
+                        <a:lnSpc>
+                          <a:spcPct val="100000"/>
+                        </a:lnSpc>
+                        <a:spcBef>
+                          <a:spcPts val="0"/>
+                        </a:spcBef>
+                        <a:spcAft>
+                          <a:spcPts val="0"/>
+                        </a:spcAft>
+                        <a:buClr>
+                          <a:srgbClr val="000000"/>
+                        </a:buClr>
+                        <a:buSzTx/>
+                        <a:buFont typeface="Arial"/>
+                        <a:buNone/>
+                        <a:tabLst/>
+                        <a:defRPr/>
+                      </a:pPr>
+                      <a:r>
+                        <a:rPr lang="en-US" sz="1800" dirty="0">
+                          <a:solidFill>
+                            <a:schemeClr val="dk1"/>
+                          </a:solidFill>
+                          <a:highlight>
+                            <a:schemeClr val="lt1"/>
+                          </a:highlight>
+                          <a:latin typeface="Quattrocento Sans"/>
+                          <a:ea typeface="Quattrocento Sans"/>
+                          <a:cs typeface="Quattrocento Sans"/>
+                          <a:sym typeface="Quattrocento Sans"/>
+                        </a:rPr>
+                        <a:t>(A, C)</a:t>
+                      </a:r>
+                      <a:endParaRPr lang="en-US" sz="1800" dirty="0">
+                        <a:highlight>
+                          <a:schemeClr val="lt1"/>
+                        </a:highlight>
+                        <a:latin typeface="Quattrocento Sans"/>
+                        <a:ea typeface="Quattrocento Sans"/>
+                        <a:cs typeface="Quattrocento Sans"/>
+                        <a:sym typeface="Quattrocento Sans"/>
+                      </a:endParaRPr>
+                    </a:p>
+                  </a:txBody>
+                  <a:tcPr marL="91450" marR="91450" marT="45725" marB="45725">
+                    <a:lnL w="12700" cap="flat" cmpd="sng" algn="ctr">
+                      <a:solidFill>
+                        <a:srgbClr val="BFBFBF"/>
+                      </a:solidFill>
+                      <a:prstDash val="solid"/>
+                      <a:round/>
+                      <a:headEnd type="none" w="sm" len="sm"/>
+                      <a:tailEnd type="none" w="sm" len="sm"/>
+                    </a:lnL>
+                    <a:lnR w="12700" cap="flat" cmpd="sng" algn="ctr">
+                      <a:solidFill>
+                        <a:srgbClr val="BFBFBF"/>
+                      </a:solidFill>
+                      <a:prstDash val="solid"/>
+                      <a:round/>
+                      <a:headEnd type="none" w="sm" len="sm"/>
+                      <a:tailEnd type="none" w="sm" len="sm"/>
+                    </a:lnR>
+                    <a:lnT w="12700" cap="flat" cmpd="sng" algn="ctr">
+                      <a:solidFill>
+                        <a:srgbClr val="BFBFBF"/>
+                      </a:solidFill>
+                      <a:prstDash val="solid"/>
+                      <a:round/>
+                      <a:headEnd type="none" w="sm" len="sm"/>
+                      <a:tailEnd type="none" w="sm" len="sm"/>
+                    </a:lnT>
+                    <a:lnB w="12700" cap="flat" cmpd="sng" algn="ctr">
+                      <a:solidFill>
+                        <a:srgbClr val="BFBFBF"/>
+                      </a:solidFill>
+                      <a:prstDash val="solid"/>
+                      <a:round/>
+                      <a:headEnd type="none" w="sm" len="sm"/>
+                      <a:tailEnd type="none" w="sm" len="sm"/>
+                    </a:lnB>
+                    <a:solidFill>
+                      <a:schemeClr val="lt1"/>
+                    </a:solidFill>
+                  </a:tcPr>
+                </a:tc>
+                <a:tc>
+                  <a:txBody>
+                    <a:bodyPr/>
+                    <a:lstStyle/>
+                    <a:p>
+                      <a:pPr marL="0" marR="0" lvl="0" indent="0" algn="ctr" rtl="0">
+                        <a:spcBef>
+                          <a:spcPts val="0"/>
+                        </a:spcBef>
+                        <a:spcAft>
+                          <a:spcPts val="0"/>
+                        </a:spcAft>
+                        <a:buNone/>
+                      </a:pPr>
+                      <a:r>
+                        <a:rPr lang="en-GB" sz="1800" dirty="0">
+                          <a:latin typeface="Quattrocento Sans"/>
+                          <a:ea typeface="Quattrocento Sans"/>
+                          <a:cs typeface="Quattrocento Sans"/>
+                          <a:sym typeface="Quattrocento Sans"/>
+                        </a:rPr>
+                        <a:t>4</a:t>
+                      </a:r>
+                      <a:endParaRPr sz="1800" dirty="0">
+                        <a:latin typeface="Quattrocento Sans"/>
+                        <a:ea typeface="Quattrocento Sans"/>
+                        <a:cs typeface="Quattrocento Sans"/>
+                        <a:sym typeface="Quattrocento Sans"/>
+                      </a:endParaRPr>
+                    </a:p>
+                  </a:txBody>
+                  <a:tcPr marL="91450" marR="91450" marT="45725" marB="45725">
+                    <a:lnL w="12700" cap="flat" cmpd="sng" algn="ctr">
+                      <a:solidFill>
+                        <a:srgbClr val="BFBFBF"/>
+                      </a:solidFill>
+                      <a:prstDash val="solid"/>
+                      <a:round/>
+                      <a:headEnd type="none" w="sm" len="sm"/>
+                      <a:tailEnd type="none" w="sm" len="sm"/>
+                    </a:lnL>
+                    <a:lnR w="12700" cap="flat" cmpd="sng">
+                      <a:solidFill>
+                        <a:srgbClr val="BFBFBF"/>
+                      </a:solidFill>
+                      <a:prstDash val="solid"/>
+                      <a:round/>
+                      <a:headEnd type="none" w="sm" len="sm"/>
+                      <a:tailEnd type="none" w="sm" len="sm"/>
+                    </a:lnR>
+                    <a:lnT w="12700" cap="flat" cmpd="sng" algn="ctr">
+                      <a:solidFill>
+                        <a:srgbClr val="BFBFBF"/>
+                      </a:solidFill>
+                      <a:prstDash val="solid"/>
+                      <a:round/>
+                      <a:headEnd type="none" w="sm" len="sm"/>
+                      <a:tailEnd type="none" w="sm" len="sm"/>
+                    </a:lnT>
+                    <a:lnB w="12700" cap="flat" cmpd="sng" algn="ctr">
+                      <a:solidFill>
+                        <a:srgbClr val="BFBFBF"/>
+                      </a:solidFill>
+                      <a:prstDash val="solid"/>
+                      <a:round/>
+                      <a:headEnd type="none" w="sm" len="sm"/>
+                      <a:tailEnd type="none" w="sm" len="sm"/>
+                    </a:lnB>
+                    <a:solidFill>
+                      <a:schemeClr val="lt1"/>
+                    </a:solidFill>
+                  </a:tcPr>
+                </a:tc>
+                <a:extLst>
+                  <a:ext uri="{0D108BD9-81ED-4DB2-BD59-A6C34878D82A}">
+                    <a16:rowId xmlns:a16="http://schemas.microsoft.com/office/drawing/2014/main" val="10004"/>
+                  </a:ext>
+                </a:extLst>
+              </a:tr>
+              <a:tr h="370850">
+                <a:tc>
+                  <a:txBody>
+                    <a:bodyPr/>
+                    <a:lstStyle/>
+                    <a:p>
+                      <a:pPr marL="0" marR="0" lvl="0" indent="0" algn="ctr" rtl="0">
+                        <a:lnSpc>
+                          <a:spcPct val="100000"/>
+                        </a:lnSpc>
+                        <a:spcBef>
+                          <a:spcPts val="0"/>
+                        </a:spcBef>
+                        <a:spcAft>
+                          <a:spcPts val="0"/>
+                        </a:spcAft>
+                        <a:buClr>
+                          <a:srgbClr val="000000"/>
+                        </a:buClr>
+                        <a:buFont typeface="Arial"/>
+                        <a:buNone/>
+                      </a:pPr>
+                      <a:r>
+                        <a:rPr lang="en-GB" sz="1800" b="0" i="0" u="none" strike="noStrike" cap="none" dirty="0">
+                          <a:solidFill>
+                            <a:schemeClr val="tx1"/>
+                          </a:solidFill>
+                          <a:latin typeface="Quattrocento Sans"/>
+                          <a:ea typeface="Quattrocento Sans"/>
+                          <a:cs typeface="Quattrocento Sans"/>
+                          <a:sym typeface="Quattrocento Sans"/>
+                        </a:rPr>
+                        <a:t>5</a:t>
+                      </a:r>
+                      <a:endParaRPr sz="1800" b="0" i="0" u="none" strike="noStrike" cap="none" dirty="0">
+                        <a:solidFill>
+                          <a:schemeClr val="tx1"/>
+                        </a:solidFill>
+                        <a:latin typeface="Quattrocento Sans"/>
+                        <a:ea typeface="Quattrocento Sans"/>
+                        <a:cs typeface="Quattrocento Sans"/>
+                        <a:sym typeface="Quattrocento Sans"/>
+                      </a:endParaRPr>
+                    </a:p>
+                  </a:txBody>
+                  <a:tcPr marL="91450" marR="91450" marT="45725" marB="45725">
+                    <a:lnL w="12700" cap="flat" cmpd="sng" algn="ctr">
+                      <a:solidFill>
+                        <a:srgbClr val="BFBFBF"/>
+                      </a:solidFill>
+                      <a:prstDash val="solid"/>
+                      <a:round/>
+                      <a:headEnd type="none" w="sm" len="sm"/>
+                      <a:tailEnd type="none" w="sm" len="sm"/>
+                    </a:lnL>
+                    <a:lnR w="12700" cap="flat" cmpd="sng" algn="ctr">
                       <a:solidFill>
                         <a:srgbClr val="BFBFBF"/>
                       </a:solidFill>
@@ -34754,79 +31917,6 @@
                     <a:lstStyle/>
                     <a:p>
                       <a:pPr marL="0" marR="0" lvl="0" indent="0" algn="ctr" rtl="0">
-                        <a:spcBef>
-                          <a:spcPts val="0"/>
-                        </a:spcBef>
-                        <a:spcAft>
-                          <a:spcPts val="0"/>
-                        </a:spcAft>
-                        <a:buNone/>
-                      </a:pPr>
-                      <a:r>
-                        <a:rPr lang="en-US" sz="1800" dirty="0">
-                          <a:latin typeface="Quattrocento Sans"/>
-                          <a:ea typeface="Quattrocento Sans"/>
-                          <a:cs typeface="Quattrocento Sans"/>
-                          <a:sym typeface="Quattrocento Sans"/>
-                        </a:rPr>
-                        <a:t>F</a:t>
-                      </a:r>
-                      <a:endParaRPr dirty="0">
-                        <a:latin typeface="Quattrocento Sans"/>
-                        <a:ea typeface="Quattrocento Sans"/>
-                        <a:cs typeface="Quattrocento Sans"/>
-                        <a:sym typeface="Quattrocento Sans"/>
-                      </a:endParaRPr>
-                    </a:p>
-                  </a:txBody>
-                  <a:tcPr marL="91450" marR="91450" marT="45725" marB="45725">
-                    <a:lnL w="12700" cap="flat" cmpd="sng">
-                      <a:solidFill>
-                        <a:srgbClr val="BFBFBF"/>
-                      </a:solidFill>
-                      <a:prstDash val="solid"/>
-                      <a:round/>
-                      <a:headEnd type="none" w="sm" len="sm"/>
-                      <a:tailEnd type="none" w="sm" len="sm"/>
-                    </a:lnL>
-                    <a:lnR w="12700" cap="flat" cmpd="sng" algn="ctr">
-                      <a:solidFill>
-                        <a:srgbClr val="BFBFBF"/>
-                      </a:solidFill>
-                      <a:prstDash val="solid"/>
-                      <a:round/>
-                      <a:headEnd type="none" w="sm" len="sm"/>
-                      <a:tailEnd type="none" w="sm" len="sm"/>
-                    </a:lnR>
-                    <a:lnT w="12700" cap="flat" cmpd="sng">
-                      <a:solidFill>
-                        <a:srgbClr val="BFBFBF"/>
-                      </a:solidFill>
-                      <a:prstDash val="solid"/>
-                      <a:round/>
-                      <a:headEnd type="none" w="sm" len="sm"/>
-                      <a:tailEnd type="none" w="sm" len="sm"/>
-                    </a:lnT>
-                    <a:lnB w="12700" cap="flat" cmpd="sng">
-                      <a:solidFill>
-                        <a:srgbClr val="BFBFBF"/>
-                      </a:solidFill>
-                      <a:prstDash val="solid"/>
-                      <a:round/>
-                      <a:headEnd type="none" w="sm" len="sm"/>
-                      <a:tailEnd type="none" w="sm" len="sm"/>
-                    </a:lnB>
-                    <a:solidFill>
-                      <a:schemeClr val="lt1"/>
-                    </a:solidFill>
-                  </a:tcPr>
-                </a:tc>
-                <a:tc>
-                  <a:txBody>
-                    <a:bodyPr/>
-                    <a:lstStyle/>
-                    <a:p>
-                      <a:pPr marL="0" marR="0" lvl="0" indent="0" algn="ctr" rtl="0">
                         <a:lnSpc>
                           <a:spcPct val="100000"/>
                         </a:lnSpc>
@@ -34852,7 +31942,7 @@
                           <a:cs typeface="Quattrocento Sans"/>
                           <a:sym typeface="Quattrocento Sans"/>
                         </a:rPr>
-                        <a:t>4</a:t>
+                        <a:t>6</a:t>
                       </a:r>
                       <a:endParaRPr sz="1800" b="0" i="0" u="none" strike="noStrike" cap="none" dirty="0">
                         <a:solidFill>
@@ -34875,7 +31965,7 @@
                       <a:headEnd type="none" w="sm" len="sm"/>
                       <a:tailEnd type="none" w="sm" len="sm"/>
                     </a:lnL>
-                    <a:lnR w="12700" cap="flat" cmpd="sng">
+                    <a:lnR w="12700" cap="flat" cmpd="sng" algn="ctr">
                       <a:solidFill>
                         <a:srgbClr val="BFBFBF"/>
                       </a:solidFill>
@@ -34894,325 +31984,6 @@
                       <a:tailEnd type="none" w="sm" len="sm"/>
                     </a:lnT>
                     <a:lnB w="12700" cap="flat" cmpd="sng" algn="ctr">
-                      <a:solidFill>
-                        <a:srgbClr val="BFBFBF"/>
-                      </a:solidFill>
-                      <a:prstDash val="solid"/>
-                      <a:round/>
-                      <a:headEnd type="none" w="sm" len="sm"/>
-                      <a:tailEnd type="none" w="sm" len="sm"/>
-                    </a:lnB>
-                    <a:solidFill>
-                      <a:schemeClr val="lt1"/>
-                    </a:solidFill>
-                  </a:tcPr>
-                </a:tc>
-                <a:tc>
-                  <a:txBody>
-                    <a:bodyPr/>
-                    <a:lstStyle/>
-                    <a:p>
-                      <a:pPr marL="0" marR="0" lvl="0" indent="0" algn="ctr" defTabSz="914400" rtl="0" eaLnBrk="1" fontAlgn="auto" latinLnBrk="0" hangingPunct="1">
-                        <a:lnSpc>
-                          <a:spcPct val="100000"/>
-                        </a:lnSpc>
-                        <a:spcBef>
-                          <a:spcPts val="0"/>
-                        </a:spcBef>
-                        <a:spcAft>
-                          <a:spcPts val="0"/>
-                        </a:spcAft>
-                        <a:buClr>
-                          <a:srgbClr val="000000"/>
-                        </a:buClr>
-                        <a:buSzTx/>
-                        <a:buFont typeface="Arial"/>
-                        <a:buNone/>
-                        <a:tabLst/>
-                        <a:defRPr/>
-                      </a:pPr>
-                      <a:r>
-                        <a:rPr lang="en-US" sz="1800" dirty="0">
-                          <a:solidFill>
-                            <a:schemeClr val="dk1"/>
-                          </a:solidFill>
-                          <a:latin typeface="Quattrocento Sans"/>
-                          <a:ea typeface="Quattrocento Sans"/>
-                          <a:cs typeface="Quattrocento Sans"/>
-                          <a:sym typeface="Quattrocento Sans"/>
-                        </a:rPr>
-                        <a:t>(B, F)</a:t>
-                      </a:r>
-                    </a:p>
-                  </a:txBody>
-                  <a:tcPr marL="91450" marR="91450" marT="45725" marB="45725">
-                    <a:lnL w="12700" cap="flat" cmpd="sng" algn="ctr">
-                      <a:solidFill>
-                        <a:srgbClr val="BFBFBF"/>
-                      </a:solidFill>
-                      <a:prstDash val="solid"/>
-                      <a:round/>
-                      <a:headEnd type="none" w="sm" len="sm"/>
-                      <a:tailEnd type="none" w="sm" len="sm"/>
-                    </a:lnL>
-                    <a:lnR w="12700" cap="flat" cmpd="sng" algn="ctr">
-                      <a:solidFill>
-                        <a:srgbClr val="BFBFBF"/>
-                      </a:solidFill>
-                      <a:prstDash val="solid"/>
-                      <a:round/>
-                      <a:headEnd type="none" w="sm" len="sm"/>
-                      <a:tailEnd type="none" w="sm" len="sm"/>
-                    </a:lnR>
-                    <a:lnT w="12700" cap="flat" cmpd="sng" algn="ctr">
-                      <a:solidFill>
-                        <a:srgbClr val="BFBFBF"/>
-                      </a:solidFill>
-                      <a:prstDash val="solid"/>
-                      <a:round/>
-                      <a:headEnd type="none" w="sm" len="sm"/>
-                      <a:tailEnd type="none" w="sm" len="sm"/>
-                    </a:lnT>
-                    <a:lnB w="12700" cap="flat" cmpd="sng" algn="ctr">
-                      <a:solidFill>
-                        <a:srgbClr val="BFBFBF"/>
-                      </a:solidFill>
-                      <a:prstDash val="solid"/>
-                      <a:round/>
-                      <a:headEnd type="none" w="sm" len="sm"/>
-                      <a:tailEnd type="none" w="sm" len="sm"/>
-                    </a:lnB>
-                    <a:solidFill>
-                      <a:schemeClr val="lt1"/>
-                    </a:solidFill>
-                  </a:tcPr>
-                </a:tc>
-                <a:tc>
-                  <a:txBody>
-                    <a:bodyPr/>
-                    <a:lstStyle/>
-                    <a:p>
-                      <a:pPr marL="0" marR="0" lvl="0" indent="0" algn="ctr" rtl="0">
-                        <a:spcBef>
-                          <a:spcPts val="0"/>
-                        </a:spcBef>
-                        <a:spcAft>
-                          <a:spcPts val="0"/>
-                        </a:spcAft>
-                        <a:buNone/>
-                      </a:pPr>
-                      <a:r>
-                        <a:rPr lang="en-GB" sz="1800" dirty="0">
-                          <a:latin typeface="Quattrocento Sans"/>
-                          <a:ea typeface="Quattrocento Sans"/>
-                          <a:cs typeface="Quattrocento Sans"/>
-                          <a:sym typeface="Quattrocento Sans"/>
-                        </a:rPr>
-                        <a:t>3</a:t>
-                      </a:r>
-                      <a:endParaRPr sz="1800" dirty="0">
-                        <a:latin typeface="Quattrocento Sans"/>
-                        <a:ea typeface="Quattrocento Sans"/>
-                        <a:cs typeface="Quattrocento Sans"/>
-                        <a:sym typeface="Quattrocento Sans"/>
-                      </a:endParaRPr>
-                    </a:p>
-                  </a:txBody>
-                  <a:tcPr marL="91450" marR="91450" marT="45725" marB="45725">
-                    <a:lnL w="12700" cap="flat" cmpd="sng" algn="ctr">
-                      <a:solidFill>
-                        <a:srgbClr val="BFBFBF"/>
-                      </a:solidFill>
-                      <a:prstDash val="solid"/>
-                      <a:round/>
-                      <a:headEnd type="none" w="sm" len="sm"/>
-                      <a:tailEnd type="none" w="sm" len="sm"/>
-                    </a:lnL>
-                    <a:lnR w="12700" cap="flat" cmpd="sng">
-                      <a:solidFill>
-                        <a:srgbClr val="BFBFBF"/>
-                      </a:solidFill>
-                      <a:prstDash val="solid"/>
-                      <a:round/>
-                      <a:headEnd type="none" w="sm" len="sm"/>
-                      <a:tailEnd type="none" w="sm" len="sm"/>
-                    </a:lnR>
-                    <a:lnT w="12700" cap="flat" cmpd="sng" algn="ctr">
-                      <a:solidFill>
-                        <a:srgbClr val="BFBFBF"/>
-                      </a:solidFill>
-                      <a:prstDash val="solid"/>
-                      <a:round/>
-                      <a:headEnd type="none" w="sm" len="sm"/>
-                      <a:tailEnd type="none" w="sm" len="sm"/>
-                    </a:lnT>
-                    <a:lnB w="12700" cap="flat" cmpd="sng" algn="ctr">
-                      <a:solidFill>
-                        <a:srgbClr val="BFBFBF"/>
-                      </a:solidFill>
-                      <a:prstDash val="solid"/>
-                      <a:round/>
-                      <a:headEnd type="none" w="sm" len="sm"/>
-                      <a:tailEnd type="none" w="sm" len="sm"/>
-                    </a:lnB>
-                    <a:solidFill>
-                      <a:schemeClr val="lt1"/>
-                    </a:solidFill>
-                  </a:tcPr>
-                </a:tc>
-                <a:extLst>
-                  <a:ext uri="{0D108BD9-81ED-4DB2-BD59-A6C34878D82A}">
-                    <a16:rowId xmlns:a16="http://schemas.microsoft.com/office/drawing/2014/main" val="10006"/>
-                  </a:ext>
-                </a:extLst>
-              </a:tr>
-              <a:tr h="370850">
-                <a:tc>
-                  <a:txBody>
-                    <a:bodyPr/>
-                    <a:lstStyle/>
-                    <a:p>
-                      <a:pPr marL="0" marR="0" lvl="0" indent="0" algn="ctr" rtl="0">
-                        <a:spcBef>
-                          <a:spcPts val="0"/>
-                        </a:spcBef>
-                        <a:spcAft>
-                          <a:spcPts val="0"/>
-                        </a:spcAft>
-                        <a:buNone/>
-                      </a:pPr>
-                      <a:r>
-                        <a:rPr lang="en-US" sz="1800" dirty="0">
-                          <a:latin typeface="Quattrocento Sans"/>
-                          <a:ea typeface="Quattrocento Sans"/>
-                          <a:cs typeface="Quattrocento Sans"/>
-                          <a:sym typeface="Quattrocento Sans"/>
-                        </a:rPr>
-                        <a:t>G</a:t>
-                      </a:r>
-                      <a:endParaRPr dirty="0">
-                        <a:latin typeface="Quattrocento Sans"/>
-                        <a:ea typeface="Quattrocento Sans"/>
-                        <a:cs typeface="Quattrocento Sans"/>
-                        <a:sym typeface="Quattrocento Sans"/>
-                      </a:endParaRPr>
-                    </a:p>
-                  </a:txBody>
-                  <a:tcPr marL="91450" marR="91450" marT="45725" marB="45725">
-                    <a:lnL w="12700" cap="flat" cmpd="sng">
-                      <a:solidFill>
-                        <a:srgbClr val="BFBFBF"/>
-                      </a:solidFill>
-                      <a:prstDash val="solid"/>
-                      <a:round/>
-                      <a:headEnd type="none" w="sm" len="sm"/>
-                      <a:tailEnd type="none" w="sm" len="sm"/>
-                    </a:lnL>
-                    <a:lnR w="12700" cap="flat" cmpd="sng" algn="ctr">
-                      <a:solidFill>
-                        <a:srgbClr val="BFBFBF"/>
-                      </a:solidFill>
-                      <a:prstDash val="solid"/>
-                      <a:round/>
-                      <a:headEnd type="none" w="sm" len="sm"/>
-                      <a:tailEnd type="none" w="sm" len="sm"/>
-                    </a:lnR>
-                    <a:lnT w="12700" cap="flat" cmpd="sng">
-                      <a:solidFill>
-                        <a:srgbClr val="BFBFBF"/>
-                      </a:solidFill>
-                      <a:prstDash val="solid"/>
-                      <a:round/>
-                      <a:headEnd type="none" w="sm" len="sm"/>
-                      <a:tailEnd type="none" w="sm" len="sm"/>
-                    </a:lnT>
-                    <a:lnB w="12700" cap="flat" cmpd="sng">
-                      <a:solidFill>
-                        <a:srgbClr val="BFBFBF"/>
-                      </a:solidFill>
-                      <a:prstDash val="solid"/>
-                      <a:round/>
-                      <a:headEnd type="none" w="sm" len="sm"/>
-                      <a:tailEnd type="none" w="sm" len="sm"/>
-                    </a:lnB>
-                    <a:solidFill>
-                      <a:schemeClr val="lt1"/>
-                    </a:solidFill>
-                  </a:tcPr>
-                </a:tc>
-                <a:tc>
-                  <a:txBody>
-                    <a:bodyPr/>
-                    <a:lstStyle/>
-                    <a:p>
-                      <a:pPr marL="0" marR="0" lvl="0" indent="0" algn="ctr" rtl="0">
-                        <a:lnSpc>
-                          <a:spcPct val="100000"/>
-                        </a:lnSpc>
-                        <a:spcBef>
-                          <a:spcPts val="0"/>
-                        </a:spcBef>
-                        <a:spcAft>
-                          <a:spcPts val="0"/>
-                        </a:spcAft>
-                        <a:buClr>
-                          <a:srgbClr val="000000"/>
-                        </a:buClr>
-                        <a:buFont typeface="Arial"/>
-                        <a:buNone/>
-                      </a:pPr>
-                      <a:r>
-                        <a:rPr lang="en-GB" sz="1800" b="0" i="0" u="none" strike="noStrike" cap="none" dirty="0">
-                          <a:solidFill>
-                            <a:schemeClr val="tx1"/>
-                          </a:solidFill>
-                          <a:latin typeface="Quattrocento Sans"/>
-                          <a:ea typeface="Quattrocento Sans"/>
-                          <a:cs typeface="Quattrocento Sans"/>
-                          <a:sym typeface="Quattrocento Sans"/>
-                        </a:rPr>
-                        <a:t>7</a:t>
-                      </a:r>
-                      <a:endParaRPr sz="1800" b="0" i="0" u="none" strike="noStrike" cap="none" dirty="0">
-                        <a:solidFill>
-                          <a:schemeClr val="tx1"/>
-                        </a:solidFill>
-                        <a:latin typeface="Quattrocento Sans"/>
-                        <a:ea typeface="Quattrocento Sans"/>
-                        <a:cs typeface="Quattrocento Sans"/>
-                        <a:sym typeface="Quattrocento Sans"/>
-                      </a:endParaRPr>
-                    </a:p>
-                  </a:txBody>
-                  <a:tcPr marL="91450" marR="91450" marT="45725" marB="45725">
-                    <a:lnL w="12700" cap="flat" cmpd="sng" algn="ctr">
-                      <a:solidFill>
-                        <a:srgbClr val="BFBFBF"/>
-                      </a:solidFill>
-                      <a:prstDash val="solid"/>
-                      <a:round/>
-                      <a:headEnd type="none" w="sm" len="sm"/>
-                      <a:tailEnd type="none" w="sm" len="sm"/>
-                    </a:lnL>
-                    <a:lnR w="12700" cap="flat" cmpd="sng">
-                      <a:solidFill>
-                        <a:srgbClr val="BFBFBF"/>
-                      </a:solidFill>
-                      <a:prstDash val="solid"/>
-                      <a:round/>
-                      <a:headEnd type="none" w="sm" len="sm"/>
-                      <a:tailEnd type="none" w="sm" len="sm"/>
-                    </a:lnR>
-                    <a:lnT w="12700" cap="flat" cmpd="sng" algn="ctr">
-                      <a:solidFill>
-                        <a:srgbClr val="BFBFBF"/>
-                      </a:solidFill>
-                      <a:prstDash val="solid"/>
-                      <a:round/>
-                      <a:headEnd type="none" w="sm" len="sm"/>
-                      <a:tailEnd type="none" w="sm" len="sm"/>
-                    </a:lnT>
-                    <a:lnB w="12700" cap="flat" cmpd="sng">
                       <a:solidFill>
                         <a:srgbClr val="BFBFBF"/>
                       </a:solidFill>
@@ -35298,7 +32069,7 @@
                       <a:headEnd type="none" w="sm" len="sm"/>
                       <a:tailEnd type="none" w="sm" len="sm"/>
                     </a:lnT>
-                    <a:lnB w="12700" cap="flat" cmpd="sng">
+                    <a:lnB w="12700" cap="flat" cmpd="sng" algn="ctr">
                       <a:solidFill>
                         <a:srgbClr val="BFBFBF"/>
                       </a:solidFill>
@@ -35371,7 +32142,7 @@
                       <a:headEnd type="none" w="sm" len="sm"/>
                       <a:tailEnd type="none" w="sm" len="sm"/>
                     </a:lnT>
-                    <a:lnB w="12700" cap="flat" cmpd="sng">
+                    <a:lnB w="12700" cap="flat" cmpd="sng" algn="ctr">
                       <a:solidFill>
                         <a:srgbClr val="BFBFBF"/>
                       </a:solidFill>
@@ -35387,7 +32158,7 @@
                 </a:tc>
                 <a:extLst>
                   <a:ext uri="{0D108BD9-81ED-4DB2-BD59-A6C34878D82A}">
-                    <a16:rowId xmlns:a16="http://schemas.microsoft.com/office/drawing/2014/main" val="10007"/>
+                    <a16:rowId xmlns:a16="http://schemas.microsoft.com/office/drawing/2014/main" val="10006"/>
                   </a:ext>
                 </a:extLst>
               </a:tr>

--- a/PPTs/Lecture 14 Exercises ANS.pptx
+++ b/PPTs/Lecture 14 Exercises ANS.pptx
@@ -18342,7 +18342,7 @@
         <p:spPr>
           <a:xfrm>
             <a:off x="575239" y="1214314"/>
-            <a:ext cx="11187000" cy="2043594"/>
+            <a:ext cx="11187000" cy="1683495"/>
           </a:xfrm>
         </p:spPr>
         <p:txBody>
@@ -18354,7 +18354,7 @@
             </a:pPr>
             <a:r>
               <a:rPr lang="en-GB" dirty="0"/>
-              <a:t>Run Prim’s algorithm starting from node A. Fill in the table with the order in which each node is added, the best edge with minimum distance to the tree, and its distance to the current tree. Highlight the final MST in the graph. For an undirected edge, write the nodes in alphabetical order, e.g., (E, F) instead of (F, E).</a:t>
+              <a:t>Run Prim’s algorithm starting from node A. Fill in the table with the order in which each edge is added, and its weight. Break ties in alphabetical or numerical order. Highlight the final MST in the graph. For an undirected edge, write the nodes in alphabetical order, e.g., (E, F) instead of (F, E).</a:t>
             </a:r>
             <a:endParaRPr lang="en-SE" dirty="0"/>
           </a:p>
@@ -25427,9 +25427,13 @@
             </a:pPr>
             <a:r>
               <a:rPr lang="en-GB" dirty="0"/>
-              <a:t>Run Kruskal’s algorithm. Fill in the table with the order in which each node is added, the best edge with minimum distance to the tree, and its distance to the current tree. Highlight the final MST in the graph. For an undirected edge, write the nodes in alphabetical order, e.g., (E, F) instead of (F, E).</a:t>
+              <a:t>Run Kruskal’s algorithm. Fill in the table with the order in which each edge is added, and its weight. Break ties in alphabetical or numerical order. Highlight the final MST in the graph. </a:t>
             </a:r>
-            <a:endParaRPr lang="en-SE" dirty="0"/>
+            <a:r>
+              <a:rPr lang="en-GB"/>
+              <a:t>For an undirected edge, write the nodes in alphabetical order, e.g., (E, F) instead of (F, E).</a:t>
+            </a:r>
+            <a:endParaRPr lang="en-GB" dirty="0"/>
           </a:p>
         </p:txBody>
       </p:sp>

--- a/PPTs/Lecture 14 Exercises ANS.pptx
+++ b/PPTs/Lecture 14 Exercises ANS.pptx
@@ -23027,7 +23027,7 @@
           <p:nvPr>
             <p:extLst>
               <p:ext uri="{D42A27DB-BD31-4B8C-83A1-F6EECF244321}">
-                <p14:modId xmlns:p14="http://schemas.microsoft.com/office/powerpoint/2010/main" val="383727748"/>
+                <p14:modId xmlns:p14="http://schemas.microsoft.com/office/powerpoint/2010/main" val="2709401722"/>
               </p:ext>
             </p:extLst>
           </p:nvPr>
@@ -23685,6 +23685,252 @@
                           <a:cs typeface="Quattrocento Sans"/>
                           <a:sym typeface="Quattrocento Sans"/>
                         </a:rPr>
+                        <a:t>(B, F)</a:t>
+                      </a:r>
+                    </a:p>
+                  </a:txBody>
+                  <a:tcPr marL="91450" marR="91450" marT="45725" marB="45725">
+                    <a:lnL w="12700" cap="flat" cmpd="sng" algn="ctr">
+                      <a:solidFill>
+                        <a:srgbClr val="BFBFBF"/>
+                      </a:solidFill>
+                      <a:prstDash val="solid"/>
+                      <a:round/>
+                      <a:headEnd type="none" w="sm" len="sm"/>
+                      <a:tailEnd type="none" w="sm" len="sm"/>
+                    </a:lnL>
+                    <a:lnR w="12700" cap="flat" cmpd="sng" algn="ctr">
+                      <a:solidFill>
+                        <a:srgbClr val="BFBFBF"/>
+                      </a:solidFill>
+                      <a:prstDash val="solid"/>
+                      <a:round/>
+                      <a:headEnd type="none" w="sm" len="sm"/>
+                      <a:tailEnd type="none" w="sm" len="sm"/>
+                    </a:lnR>
+                    <a:lnT w="12700" cap="flat" cmpd="sng" algn="ctr">
+                      <a:solidFill>
+                        <a:srgbClr val="BFBFBF"/>
+                      </a:solidFill>
+                      <a:prstDash val="solid"/>
+                      <a:round/>
+                      <a:headEnd type="none" w="sm" len="sm"/>
+                      <a:tailEnd type="none" w="sm" len="sm"/>
+                    </a:lnT>
+                    <a:lnB w="12700" cap="flat" cmpd="sng" algn="ctr">
+                      <a:solidFill>
+                        <a:srgbClr val="BFBFBF"/>
+                      </a:solidFill>
+                      <a:prstDash val="solid"/>
+                      <a:round/>
+                      <a:headEnd type="none" w="sm" len="sm"/>
+                      <a:tailEnd type="none" w="sm" len="sm"/>
+                    </a:lnB>
+                    <a:solidFill>
+                      <a:schemeClr val="lt1"/>
+                    </a:solidFill>
+                  </a:tcPr>
+                </a:tc>
+                <a:tc>
+                  <a:txBody>
+                    <a:bodyPr/>
+                    <a:lstStyle/>
+                    <a:p>
+                      <a:pPr marL="0" marR="0" lvl="0" indent="0" algn="ctr" rtl="0">
+                        <a:spcBef>
+                          <a:spcPts val="0"/>
+                        </a:spcBef>
+                        <a:spcAft>
+                          <a:spcPts val="0"/>
+                        </a:spcAft>
+                        <a:buNone/>
+                      </a:pPr>
+                      <a:r>
+                        <a:rPr lang="en-GB" sz="1800" dirty="0">
+                          <a:latin typeface="Quattrocento Sans"/>
+                          <a:ea typeface="Quattrocento Sans"/>
+                          <a:cs typeface="Quattrocento Sans"/>
+                          <a:sym typeface="Quattrocento Sans"/>
+                        </a:rPr>
+                        <a:t>3</a:t>
+                      </a:r>
+                      <a:endParaRPr sz="1800" dirty="0">
+                        <a:latin typeface="Quattrocento Sans"/>
+                        <a:ea typeface="Quattrocento Sans"/>
+                        <a:cs typeface="Quattrocento Sans"/>
+                        <a:sym typeface="Quattrocento Sans"/>
+                      </a:endParaRPr>
+                    </a:p>
+                  </a:txBody>
+                  <a:tcPr marL="91450" marR="91450" marT="45725" marB="45725">
+                    <a:lnL w="12700" cap="flat" cmpd="sng" algn="ctr">
+                      <a:solidFill>
+                        <a:srgbClr val="BFBFBF"/>
+                      </a:solidFill>
+                      <a:prstDash val="solid"/>
+                      <a:round/>
+                      <a:headEnd type="none" w="sm" len="sm"/>
+                      <a:tailEnd type="none" w="sm" len="sm"/>
+                    </a:lnL>
+                    <a:lnR w="12700" cap="flat" cmpd="sng">
+                      <a:solidFill>
+                        <a:srgbClr val="BFBFBF"/>
+                      </a:solidFill>
+                      <a:prstDash val="solid"/>
+                      <a:round/>
+                      <a:headEnd type="none" w="sm" len="sm"/>
+                      <a:tailEnd type="none" w="sm" len="sm"/>
+                    </a:lnR>
+                    <a:lnT w="12700" cap="flat" cmpd="sng" algn="ctr">
+                      <a:solidFill>
+                        <a:srgbClr val="BFBFBF"/>
+                      </a:solidFill>
+                      <a:prstDash val="solid"/>
+                      <a:round/>
+                      <a:headEnd type="none" w="sm" len="sm"/>
+                      <a:tailEnd type="none" w="sm" len="sm"/>
+                    </a:lnT>
+                    <a:lnB w="12700" cap="flat" cmpd="sng" algn="ctr">
+                      <a:solidFill>
+                        <a:srgbClr val="BFBFBF"/>
+                      </a:solidFill>
+                      <a:prstDash val="solid"/>
+                      <a:round/>
+                      <a:headEnd type="none" w="sm" len="sm"/>
+                      <a:tailEnd type="none" w="sm" len="sm"/>
+                    </a:lnB>
+                    <a:solidFill>
+                      <a:schemeClr val="lt1"/>
+                    </a:solidFill>
+                  </a:tcPr>
+                </a:tc>
+                <a:extLst>
+                  <a:ext uri="{0D108BD9-81ED-4DB2-BD59-A6C34878D82A}">
+                    <a16:rowId xmlns:a16="http://schemas.microsoft.com/office/drawing/2014/main" val="1604627858"/>
+                  </a:ext>
+                </a:extLst>
+              </a:tr>
+              <a:tr h="370850">
+                <a:tc>
+                  <a:txBody>
+                    <a:bodyPr/>
+                    <a:lstStyle/>
+                    <a:p>
+                      <a:pPr marL="0" marR="0" lvl="0" indent="0" algn="ctr" rtl="0">
+                        <a:lnSpc>
+                          <a:spcPct val="100000"/>
+                        </a:lnSpc>
+                        <a:spcBef>
+                          <a:spcPts val="0"/>
+                        </a:spcBef>
+                        <a:spcAft>
+                          <a:spcPts val="0"/>
+                        </a:spcAft>
+                        <a:buClr>
+                          <a:srgbClr val="000000"/>
+                        </a:buClr>
+                        <a:buFont typeface="Arial"/>
+                        <a:buNone/>
+                      </a:pPr>
+                      <a:r>
+                        <a:rPr lang="en-GB" sz="1800" b="0" i="0" u="none" strike="noStrike" cap="none" dirty="0">
+                          <a:solidFill>
+                            <a:schemeClr val="tx1"/>
+                          </a:solidFill>
+                          <a:latin typeface="Quattrocento Sans"/>
+                          <a:ea typeface="Quattrocento Sans"/>
+                          <a:cs typeface="Quattrocento Sans"/>
+                          <a:sym typeface="Quattrocento Sans"/>
+                        </a:rPr>
+                        <a:t>3</a:t>
+                      </a:r>
+                      <a:endParaRPr sz="1800" b="0" i="0" u="none" strike="noStrike" cap="none" dirty="0">
+                        <a:solidFill>
+                          <a:schemeClr val="tx1"/>
+                        </a:solidFill>
+                        <a:latin typeface="Quattrocento Sans"/>
+                        <a:ea typeface="Quattrocento Sans"/>
+                        <a:cs typeface="Quattrocento Sans"/>
+                        <a:sym typeface="Quattrocento Sans"/>
+                      </a:endParaRPr>
+                    </a:p>
+                  </a:txBody>
+                  <a:tcPr marL="91450" marR="91450" marT="45725" marB="45725">
+                    <a:lnL w="12700" cap="flat" cmpd="sng" algn="ctr">
+                      <a:solidFill>
+                        <a:srgbClr val="BFBFBF"/>
+                      </a:solidFill>
+                      <a:prstDash val="solid"/>
+                      <a:round/>
+                      <a:headEnd type="none" w="sm" len="sm"/>
+                      <a:tailEnd type="none" w="sm" len="sm"/>
+                    </a:lnL>
+                    <a:lnR w="12700" cap="flat" cmpd="sng" algn="ctr">
+                      <a:solidFill>
+                        <a:srgbClr val="BFBFBF"/>
+                      </a:solidFill>
+                      <a:prstDash val="solid"/>
+                      <a:round/>
+                      <a:headEnd type="none" w="sm" len="sm"/>
+                      <a:tailEnd type="none" w="sm" len="sm"/>
+                    </a:lnR>
+                    <a:lnT w="12700" cap="flat" cmpd="sng" algn="ctr">
+                      <a:solidFill>
+                        <a:srgbClr val="BFBFBF"/>
+                      </a:solidFill>
+                      <a:prstDash val="solid"/>
+                      <a:round/>
+                      <a:headEnd type="none" w="sm" len="sm"/>
+                      <a:tailEnd type="none" w="sm" len="sm"/>
+                    </a:lnT>
+                    <a:lnB w="12700" cap="flat" cmpd="sng" algn="ctr">
+                      <a:solidFill>
+                        <a:srgbClr val="BFBFBF"/>
+                      </a:solidFill>
+                      <a:prstDash val="solid"/>
+                      <a:round/>
+                      <a:headEnd type="none" w="sm" len="sm"/>
+                      <a:tailEnd type="none" w="sm" len="sm"/>
+                    </a:lnB>
+                    <a:solidFill>
+                      <a:schemeClr val="lt1"/>
+                    </a:solidFill>
+                  </a:tcPr>
+                </a:tc>
+                <a:tc>
+                  <a:txBody>
+                    <a:bodyPr/>
+                    <a:lstStyle/>
+                    <a:p>
+                      <a:pPr marL="0" marR="0" lvl="0" indent="0" algn="ctr" defTabSz="914400" rtl="0" eaLnBrk="1" fontAlgn="auto" latinLnBrk="0" hangingPunct="1">
+                        <a:lnSpc>
+                          <a:spcPct val="100000"/>
+                        </a:lnSpc>
+                        <a:spcBef>
+                          <a:spcPts val="0"/>
+                        </a:spcBef>
+                        <a:spcAft>
+                          <a:spcPts val="0"/>
+                        </a:spcAft>
+                        <a:buClr>
+                          <a:srgbClr val="000000"/>
+                        </a:buClr>
+                        <a:buSzTx/>
+                        <a:buFont typeface="Arial"/>
+                        <a:buNone/>
+                        <a:tabLst/>
+                        <a:defRPr/>
+                      </a:pPr>
+                      <a:r>
+                        <a:rPr lang="en-US" sz="1800" dirty="0">
+                          <a:solidFill>
+                            <a:schemeClr val="dk1"/>
+                          </a:solidFill>
+                          <a:latin typeface="Quattrocento Sans"/>
+                          <a:ea typeface="Quattrocento Sans"/>
+                          <a:cs typeface="Quattrocento Sans"/>
+                          <a:sym typeface="Quattrocento Sans"/>
+                        </a:rPr>
                         <a:t>(A, C)</a:t>
                       </a:r>
                       <a:endParaRPr lang="en-US" sz="1800" dirty="0">
@@ -23848,7 +24094,7 @@
                           <a:cs typeface="Quattrocento Sans"/>
                           <a:sym typeface="Quattrocento Sans"/>
                         </a:rPr>
-                        <a:t>3</a:t>
+                        <a:t>4</a:t>
                       </a:r>
                       <a:endParaRPr sz="1800" b="0" i="0" u="none" strike="noStrike" cap="none" dirty="0">
                         <a:solidFill>
@@ -24106,252 +24352,6 @@
                           <a:cs typeface="Quattrocento Sans"/>
                           <a:sym typeface="Quattrocento Sans"/>
                         </a:rPr>
-                        <a:t>4</a:t>
-                      </a:r>
-                      <a:endParaRPr sz="1800" b="0" i="0" u="none" strike="noStrike" cap="none" dirty="0">
-                        <a:solidFill>
-                          <a:schemeClr val="tx1"/>
-                        </a:solidFill>
-                        <a:latin typeface="Quattrocento Sans"/>
-                        <a:ea typeface="Quattrocento Sans"/>
-                        <a:cs typeface="Quattrocento Sans"/>
-                        <a:sym typeface="Quattrocento Sans"/>
-                      </a:endParaRPr>
-                    </a:p>
-                  </a:txBody>
-                  <a:tcPr marL="91450" marR="91450" marT="45725" marB="45725">
-                    <a:lnL w="12700" cap="flat" cmpd="sng" algn="ctr">
-                      <a:solidFill>
-                        <a:srgbClr val="BFBFBF"/>
-                      </a:solidFill>
-                      <a:prstDash val="solid"/>
-                      <a:round/>
-                      <a:headEnd type="none" w="sm" len="sm"/>
-                      <a:tailEnd type="none" w="sm" len="sm"/>
-                    </a:lnL>
-                    <a:lnR w="12700" cap="flat" cmpd="sng" algn="ctr">
-                      <a:solidFill>
-                        <a:srgbClr val="BFBFBF"/>
-                      </a:solidFill>
-                      <a:prstDash val="solid"/>
-                      <a:round/>
-                      <a:headEnd type="none" w="sm" len="sm"/>
-                      <a:tailEnd type="none" w="sm" len="sm"/>
-                    </a:lnR>
-                    <a:lnT w="12700" cap="flat" cmpd="sng" algn="ctr">
-                      <a:solidFill>
-                        <a:srgbClr val="BFBFBF"/>
-                      </a:solidFill>
-                      <a:prstDash val="solid"/>
-                      <a:round/>
-                      <a:headEnd type="none" w="sm" len="sm"/>
-                      <a:tailEnd type="none" w="sm" len="sm"/>
-                    </a:lnT>
-                    <a:lnB w="12700" cap="flat" cmpd="sng" algn="ctr">
-                      <a:solidFill>
-                        <a:srgbClr val="BFBFBF"/>
-                      </a:solidFill>
-                      <a:prstDash val="solid"/>
-                      <a:round/>
-                      <a:headEnd type="none" w="sm" len="sm"/>
-                      <a:tailEnd type="none" w="sm" len="sm"/>
-                    </a:lnB>
-                    <a:solidFill>
-                      <a:schemeClr val="lt1"/>
-                    </a:solidFill>
-                  </a:tcPr>
-                </a:tc>
-                <a:tc>
-                  <a:txBody>
-                    <a:bodyPr/>
-                    <a:lstStyle/>
-                    <a:p>
-                      <a:pPr marL="0" marR="0" lvl="0" indent="0" algn="ctr" defTabSz="914400" rtl="0" eaLnBrk="1" fontAlgn="auto" latinLnBrk="0" hangingPunct="1">
-                        <a:lnSpc>
-                          <a:spcPct val="100000"/>
-                        </a:lnSpc>
-                        <a:spcBef>
-                          <a:spcPts val="0"/>
-                        </a:spcBef>
-                        <a:spcAft>
-                          <a:spcPts val="0"/>
-                        </a:spcAft>
-                        <a:buClr>
-                          <a:srgbClr val="000000"/>
-                        </a:buClr>
-                        <a:buSzTx/>
-                        <a:buFont typeface="Arial"/>
-                        <a:buNone/>
-                        <a:tabLst/>
-                        <a:defRPr/>
-                      </a:pPr>
-                      <a:r>
-                        <a:rPr lang="en-US" sz="1800" dirty="0">
-                          <a:solidFill>
-                            <a:schemeClr val="dk1"/>
-                          </a:solidFill>
-                          <a:latin typeface="Quattrocento Sans"/>
-                          <a:ea typeface="Quattrocento Sans"/>
-                          <a:cs typeface="Quattrocento Sans"/>
-                          <a:sym typeface="Quattrocento Sans"/>
-                        </a:rPr>
-                        <a:t>(B, F)</a:t>
-                      </a:r>
-                    </a:p>
-                  </a:txBody>
-                  <a:tcPr marL="91450" marR="91450" marT="45725" marB="45725">
-                    <a:lnL w="12700" cap="flat" cmpd="sng" algn="ctr">
-                      <a:solidFill>
-                        <a:srgbClr val="BFBFBF"/>
-                      </a:solidFill>
-                      <a:prstDash val="solid"/>
-                      <a:round/>
-                      <a:headEnd type="none" w="sm" len="sm"/>
-                      <a:tailEnd type="none" w="sm" len="sm"/>
-                    </a:lnL>
-                    <a:lnR w="12700" cap="flat" cmpd="sng" algn="ctr">
-                      <a:solidFill>
-                        <a:srgbClr val="BFBFBF"/>
-                      </a:solidFill>
-                      <a:prstDash val="solid"/>
-                      <a:round/>
-                      <a:headEnd type="none" w="sm" len="sm"/>
-                      <a:tailEnd type="none" w="sm" len="sm"/>
-                    </a:lnR>
-                    <a:lnT w="12700" cap="flat" cmpd="sng" algn="ctr">
-                      <a:solidFill>
-                        <a:srgbClr val="BFBFBF"/>
-                      </a:solidFill>
-                      <a:prstDash val="solid"/>
-                      <a:round/>
-                      <a:headEnd type="none" w="sm" len="sm"/>
-                      <a:tailEnd type="none" w="sm" len="sm"/>
-                    </a:lnT>
-                    <a:lnB w="12700" cap="flat" cmpd="sng" algn="ctr">
-                      <a:solidFill>
-                        <a:srgbClr val="BFBFBF"/>
-                      </a:solidFill>
-                      <a:prstDash val="solid"/>
-                      <a:round/>
-                      <a:headEnd type="none" w="sm" len="sm"/>
-                      <a:tailEnd type="none" w="sm" len="sm"/>
-                    </a:lnB>
-                    <a:solidFill>
-                      <a:schemeClr val="lt1"/>
-                    </a:solidFill>
-                  </a:tcPr>
-                </a:tc>
-                <a:tc>
-                  <a:txBody>
-                    <a:bodyPr/>
-                    <a:lstStyle/>
-                    <a:p>
-                      <a:pPr marL="0" marR="0" lvl="0" indent="0" algn="ctr" rtl="0">
-                        <a:spcBef>
-                          <a:spcPts val="0"/>
-                        </a:spcBef>
-                        <a:spcAft>
-                          <a:spcPts val="0"/>
-                        </a:spcAft>
-                        <a:buNone/>
-                      </a:pPr>
-                      <a:r>
-                        <a:rPr lang="en-GB" sz="1800" dirty="0">
-                          <a:latin typeface="Quattrocento Sans"/>
-                          <a:ea typeface="Quattrocento Sans"/>
-                          <a:cs typeface="Quattrocento Sans"/>
-                          <a:sym typeface="Quattrocento Sans"/>
-                        </a:rPr>
-                        <a:t>3</a:t>
-                      </a:r>
-                      <a:endParaRPr sz="1800" dirty="0">
-                        <a:latin typeface="Quattrocento Sans"/>
-                        <a:ea typeface="Quattrocento Sans"/>
-                        <a:cs typeface="Quattrocento Sans"/>
-                        <a:sym typeface="Quattrocento Sans"/>
-                      </a:endParaRPr>
-                    </a:p>
-                  </a:txBody>
-                  <a:tcPr marL="91450" marR="91450" marT="45725" marB="45725">
-                    <a:lnL w="12700" cap="flat" cmpd="sng" algn="ctr">
-                      <a:solidFill>
-                        <a:srgbClr val="BFBFBF"/>
-                      </a:solidFill>
-                      <a:prstDash val="solid"/>
-                      <a:round/>
-                      <a:headEnd type="none" w="sm" len="sm"/>
-                      <a:tailEnd type="none" w="sm" len="sm"/>
-                    </a:lnL>
-                    <a:lnR w="12700" cap="flat" cmpd="sng">
-                      <a:solidFill>
-                        <a:srgbClr val="BFBFBF"/>
-                      </a:solidFill>
-                      <a:prstDash val="solid"/>
-                      <a:round/>
-                      <a:headEnd type="none" w="sm" len="sm"/>
-                      <a:tailEnd type="none" w="sm" len="sm"/>
-                    </a:lnR>
-                    <a:lnT w="12700" cap="flat" cmpd="sng" algn="ctr">
-                      <a:solidFill>
-                        <a:srgbClr val="BFBFBF"/>
-                      </a:solidFill>
-                      <a:prstDash val="solid"/>
-                      <a:round/>
-                      <a:headEnd type="none" w="sm" len="sm"/>
-                      <a:tailEnd type="none" w="sm" len="sm"/>
-                    </a:lnT>
-                    <a:lnB w="12700" cap="flat" cmpd="sng" algn="ctr">
-                      <a:solidFill>
-                        <a:srgbClr val="BFBFBF"/>
-                      </a:solidFill>
-                      <a:prstDash val="solid"/>
-                      <a:round/>
-                      <a:headEnd type="none" w="sm" len="sm"/>
-                      <a:tailEnd type="none" w="sm" len="sm"/>
-                    </a:lnB>
-                    <a:solidFill>
-                      <a:schemeClr val="lt1"/>
-                    </a:solidFill>
-                  </a:tcPr>
-                </a:tc>
-                <a:extLst>
-                  <a:ext uri="{0D108BD9-81ED-4DB2-BD59-A6C34878D82A}">
-                    <a16:rowId xmlns:a16="http://schemas.microsoft.com/office/drawing/2014/main" val="10004"/>
-                  </a:ext>
-                </a:extLst>
-              </a:tr>
-              <a:tr h="370850">
-                <a:tc>
-                  <a:txBody>
-                    <a:bodyPr/>
-                    <a:lstStyle/>
-                    <a:p>
-                      <a:pPr marL="0" marR="0" lvl="0" indent="0" algn="ctr" rtl="0">
-                        <a:lnSpc>
-                          <a:spcPct val="100000"/>
-                        </a:lnSpc>
-                        <a:spcBef>
-                          <a:spcPts val="0"/>
-                        </a:spcBef>
-                        <a:spcAft>
-                          <a:spcPts val="0"/>
-                        </a:spcAft>
-                        <a:buClr>
-                          <a:srgbClr val="000000"/>
-                        </a:buClr>
-                        <a:buFont typeface="Arial"/>
-                        <a:buNone/>
-                      </a:pPr>
-                      <a:r>
-                        <a:rPr lang="en-GB" sz="1800" b="0" i="0" u="none" strike="noStrike" cap="none" dirty="0">
-                          <a:solidFill>
-                            <a:schemeClr val="tx1"/>
-                          </a:solidFill>
-                          <a:latin typeface="Quattrocento Sans"/>
-                          <a:ea typeface="Quattrocento Sans"/>
-                          <a:cs typeface="Quattrocento Sans"/>
-                          <a:sym typeface="Quattrocento Sans"/>
-                        </a:rPr>
                         <a:t>5</a:t>
                       </a:r>
                       <a:endParaRPr sz="1800" b="0" i="0" u="none" strike="noStrike" cap="none" dirty="0">
@@ -24589,7 +24589,7 @@
                         <a:buNone/>
                       </a:pPr>
                       <a:r>
-                        <a:rPr lang="en-GB" sz="1800" b="0" i="0" u="none" strike="noStrike" cap="none" dirty="0">
+                        <a:rPr lang="en-US" sz="1800" b="0" i="0" u="none" strike="noStrike" cap="none">
                           <a:solidFill>
                             <a:schemeClr val="tx1"/>
                           </a:solidFill>
